--- a/598_Poster.pptx
+++ b/598_Poster.pptx
@@ -260,7 +260,7 @@
               <a:pPr>
                 <a:defRPr/>
               </a:pPr>
-              <a:t>12/5/2018</a:t>
+              <a:t>12/5/18</a:t>
             </a:fld>
             <a:endParaRPr lang="en-US"/>
           </a:p>
@@ -837,7 +837,7 @@
               <a:pPr>
                 <a:defRPr/>
               </a:pPr>
-              <a:t>12/5/2018</a:t>
+              <a:t>12/5/18</a:t>
             </a:fld>
             <a:endParaRPr lang="en-US"/>
           </a:p>
@@ -1072,7 +1072,7 @@
               <a:pPr>
                 <a:defRPr/>
               </a:pPr>
-              <a:t>12/5/2018</a:t>
+              <a:t>12/5/18</a:t>
             </a:fld>
             <a:endParaRPr lang="en-US"/>
           </a:p>
@@ -1482,7 +1482,7 @@
               <a:pPr>
                 <a:defRPr/>
               </a:pPr>
-              <a:t>12/5/2018</a:t>
+              <a:t>12/5/18</a:t>
             </a:fld>
             <a:endParaRPr lang="en-US"/>
           </a:p>
@@ -1832,7 +1832,7 @@
               <a:pPr>
                 <a:defRPr/>
               </a:pPr>
-              <a:t>12/5/2018</a:t>
+              <a:t>12/5/18</a:t>
             </a:fld>
             <a:endParaRPr lang="en-US"/>
           </a:p>
@@ -2322,7 +2322,7 @@
               <a:pPr>
                 <a:defRPr/>
               </a:pPr>
-              <a:t>12/5/2018</a:t>
+              <a:t>12/5/18</a:t>
             </a:fld>
             <a:endParaRPr lang="en-US"/>
           </a:p>
@@ -2498,7 +2498,7 @@
               <a:pPr>
                 <a:defRPr/>
               </a:pPr>
-              <a:t>12/5/2018</a:t>
+              <a:t>12/5/18</a:t>
             </a:fld>
             <a:endParaRPr lang="en-US"/>
           </a:p>
@@ -2644,7 +2644,7 @@
               <a:pPr>
                 <a:defRPr/>
               </a:pPr>
-              <a:t>12/5/2018</a:t>
+              <a:t>12/5/18</a:t>
             </a:fld>
             <a:endParaRPr lang="en-US"/>
           </a:p>
@@ -2979,7 +2979,7 @@
               <a:pPr>
                 <a:defRPr/>
               </a:pPr>
-              <a:t>12/5/2018</a:t>
+              <a:t>12/5/18</a:t>
             </a:fld>
             <a:endParaRPr lang="en-US"/>
           </a:p>
@@ -3297,7 +3297,7 @@
               <a:pPr>
                 <a:defRPr/>
               </a:pPr>
-              <a:t>12/5/2018</a:t>
+              <a:t>12/5/18</a:t>
             </a:fld>
             <a:endParaRPr lang="en-US"/>
           </a:p>
@@ -3866,14 +3866,14 @@
           </a:ln>
           <a:extLst>
             <a:ext uri="{909E8E84-426E-40dd-AFC4-6F175D3DCCD1}">
-              <a14:hiddenFill xmlns="" xmlns:a14="http://schemas.microsoft.com/office/drawing/2010/main">
+              <a14:hiddenFill xmlns:a14="http://schemas.microsoft.com/office/drawing/2010/main" xmlns="">
                 <a:solidFill>
                   <a:srgbClr val="FFFFFF"/>
                 </a:solidFill>
               </a14:hiddenFill>
             </a:ext>
             <a:ext uri="{91240B29-F687-4f45-9708-019B960494DF}">
-              <a14:hiddenLine xmlns="" xmlns:a14="http://schemas.microsoft.com/office/drawing/2010/main" w="9525">
+              <a14:hiddenLine xmlns:a14="http://schemas.microsoft.com/office/drawing/2010/main" xmlns="" w="9525">
                 <a:solidFill>
                   <a:srgbClr val="000000"/>
                 </a:solidFill>
@@ -3902,13 +3902,6 @@
               </a:rPr>
               <a:t>Presenter name, Associates and Collaborators</a:t>
             </a:r>
-            <a:r>
-              <a:rPr lang="en-US" sz="4800" b="1">
-                <a:latin typeface="Georgia" charset="0"/>
-                <a:cs typeface="Georgia" charset="0"/>
-              </a:rPr>
-              <a:t/>
-            </a:r>
             <a:br>
               <a:rPr lang="en-US" sz="4800" b="1">
                 <a:latin typeface="Georgia" charset="0"/>
@@ -3947,14 +3940,14 @@
           </a:ln>
           <a:extLst>
             <a:ext uri="{909E8E84-426E-40dd-AFC4-6F175D3DCCD1}">
-              <a14:hiddenFill xmlns="" xmlns:a14="http://schemas.microsoft.com/office/drawing/2010/main">
+              <a14:hiddenFill xmlns:a14="http://schemas.microsoft.com/office/drawing/2010/main" xmlns="">
                 <a:solidFill>
                   <a:srgbClr val="FFFFFF"/>
                 </a:solidFill>
               </a14:hiddenFill>
             </a:ext>
             <a:ext uri="{91240B29-F687-4f45-9708-019B960494DF}">
-              <a14:hiddenLine xmlns="" xmlns:a14="http://schemas.microsoft.com/office/drawing/2010/main" w="9525">
+              <a14:hiddenLine xmlns:a14="http://schemas.microsoft.com/office/drawing/2010/main" xmlns="" w="9525">
                 <a:solidFill>
                   <a:srgbClr val="000000"/>
                 </a:solidFill>
@@ -4157,7 +4150,7 @@
           </a:ln>
           <a:extLst>
             <a:ext uri="{91240B29-F687-4f45-9708-019B960494DF}">
-              <a14:hiddenLine xmlns="" xmlns:a14="http://schemas.microsoft.com/office/drawing/2010/main" w="9525">
+              <a14:hiddenLine xmlns:a14="http://schemas.microsoft.com/office/drawing/2010/main" xmlns="" w="9525">
                 <a:solidFill>
                   <a:srgbClr val="000000"/>
                 </a:solidFill>
@@ -4247,7 +4240,7 @@
           </a:ln>
           <a:extLst>
             <a:ext uri="{91240B29-F687-4f45-9708-019B960494DF}">
-              <a14:hiddenLine xmlns="" xmlns:a14="http://schemas.microsoft.com/office/drawing/2010/main" w="9525">
+              <a14:hiddenLine xmlns:a14="http://schemas.microsoft.com/office/drawing/2010/main" xmlns="" w="9525">
                 <a:solidFill>
                   <a:srgbClr val="000000"/>
                 </a:solidFill>
@@ -4387,7 +4380,7 @@
           </a:ln>
           <a:extLst>
             <a:ext uri="{91240B29-F687-4f45-9708-019B960494DF}">
-              <a14:hiddenLine xmlns="" xmlns:a14="http://schemas.microsoft.com/office/drawing/2010/main" w="9525">
+              <a14:hiddenLine xmlns:a14="http://schemas.microsoft.com/office/drawing/2010/main" xmlns="" w="9525">
                 <a:solidFill>
                   <a:srgbClr val="000000"/>
                 </a:solidFill>
@@ -4593,7 +4586,7 @@
           </a:ln>
           <a:extLst>
             <a:ext uri="{91240B29-F687-4f45-9708-019B960494DF}">
-              <a14:hiddenLine xmlns="" xmlns:a14="http://schemas.microsoft.com/office/drawing/2010/main" w="9525">
+              <a14:hiddenLine xmlns:a14="http://schemas.microsoft.com/office/drawing/2010/main" xmlns="" w="9525">
                 <a:solidFill>
                   <a:srgbClr val="000000"/>
                 </a:solidFill>
@@ -4787,7 +4780,7 @@
           </a:ln>
           <a:extLst>
             <a:ext uri="{91240B29-F687-4f45-9708-019B960494DF}">
-              <a14:hiddenLine xmlns="" xmlns:a14="http://schemas.microsoft.com/office/drawing/2010/main" w="9525">
+              <a14:hiddenLine xmlns:a14="http://schemas.microsoft.com/office/drawing/2010/main" xmlns="" w="9525">
                 <a:solidFill>
                   <a:srgbClr val="000000"/>
                 </a:solidFill>
@@ -4997,7 +4990,7 @@
           </a:ln>
           <a:extLst>
             <a:ext uri="{91240B29-F687-4f45-9708-019B960494DF}">
-              <a14:hiddenLine xmlns="" xmlns:a14="http://schemas.microsoft.com/office/drawing/2010/main" w="9525">
+              <a14:hiddenLine xmlns:a14="http://schemas.microsoft.com/office/drawing/2010/main" xmlns="" w="9525">
                 <a:solidFill>
                   <a:srgbClr val="000000"/>
                 </a:solidFill>
@@ -5109,7 +5102,7 @@
           </a:ln>
           <a:extLst>
             <a:ext uri="{91240B29-F687-4f45-9708-019B960494DF}">
-              <a14:hiddenLine xmlns="" xmlns:a14="http://schemas.microsoft.com/office/drawing/2010/main" w="9525">
+              <a14:hiddenLine xmlns:a14="http://schemas.microsoft.com/office/drawing/2010/main" xmlns="" w="9525">
                 <a:solidFill>
                   <a:srgbClr val="000000"/>
                 </a:solidFill>
@@ -5229,14 +5222,14 @@
           </a:ln>
           <a:extLst>
             <a:ext uri="{909E8E84-426E-40dd-AFC4-6F175D3DCCD1}">
-              <a14:hiddenFill xmlns="" xmlns:a14="http://schemas.microsoft.com/office/drawing/2010/main">
+              <a14:hiddenFill xmlns:a14="http://schemas.microsoft.com/office/drawing/2010/main" xmlns="">
                 <a:solidFill>
                   <a:srgbClr val="FFFFFF"/>
                 </a:solidFill>
               </a14:hiddenFill>
             </a:ext>
             <a:ext uri="{91240B29-F687-4f45-9708-019B960494DF}">
-              <a14:hiddenLine xmlns="" xmlns:a14="http://schemas.microsoft.com/office/drawing/2010/main" w="9525">
+              <a14:hiddenLine xmlns:a14="http://schemas.microsoft.com/office/drawing/2010/main" xmlns="" w="9525">
                 <a:solidFill>
                   <a:srgbClr val="000000"/>
                 </a:solidFill>
@@ -5438,14 +5431,14 @@
           </a:ln>
           <a:extLst>
             <a:ext uri="{909E8E84-426E-40dd-AFC4-6F175D3DCCD1}">
-              <a14:hiddenFill xmlns="" xmlns:a14="http://schemas.microsoft.com/office/drawing/2010/main">
+              <a14:hiddenFill xmlns:a14="http://schemas.microsoft.com/office/drawing/2010/main" xmlns="">
                 <a:solidFill>
                   <a:srgbClr val="FFFFFF"/>
                 </a:solidFill>
               </a14:hiddenFill>
             </a:ext>
             <a:ext uri="{91240B29-F687-4f45-9708-019B960494DF}">
-              <a14:hiddenLine xmlns="" xmlns:a14="http://schemas.microsoft.com/office/drawing/2010/main" w="9525">
+              <a14:hiddenLine xmlns:a14="http://schemas.microsoft.com/office/drawing/2010/main" xmlns="" w="9525">
                 <a:solidFill>
                   <a:srgbClr val="000000"/>
                 </a:solidFill>
@@ -5611,14 +5604,14 @@
           </a:ln>
           <a:extLst>
             <a:ext uri="{909E8E84-426E-40dd-AFC4-6F175D3DCCD1}">
-              <a14:hiddenFill xmlns="" xmlns:a14="http://schemas.microsoft.com/office/drawing/2010/main">
+              <a14:hiddenFill xmlns:a14="http://schemas.microsoft.com/office/drawing/2010/main" xmlns="">
                 <a:solidFill>
                   <a:srgbClr val="FFFFFF"/>
                 </a:solidFill>
               </a14:hiddenFill>
             </a:ext>
             <a:ext uri="{91240B29-F687-4f45-9708-019B960494DF}">
-              <a14:hiddenLine xmlns="" xmlns:a14="http://schemas.microsoft.com/office/drawing/2010/main" w="9525">
+              <a14:hiddenLine xmlns:a14="http://schemas.microsoft.com/office/drawing/2010/main" xmlns="" w="9525">
                 <a:solidFill>
                   <a:srgbClr val="000000"/>
                 </a:solidFill>
@@ -5856,14 +5849,14 @@
           </a:ln>
           <a:extLst>
             <a:ext uri="{909E8E84-426E-40dd-AFC4-6F175D3DCCD1}">
-              <a14:hiddenFill xmlns="" xmlns:a14="http://schemas.microsoft.com/office/drawing/2010/main">
+              <a14:hiddenFill xmlns:a14="http://schemas.microsoft.com/office/drawing/2010/main" xmlns="">
                 <a:solidFill>
                   <a:srgbClr val="FFFFFF"/>
                 </a:solidFill>
               </a14:hiddenFill>
             </a:ext>
             <a:ext uri="{91240B29-F687-4f45-9708-019B960494DF}">
-              <a14:hiddenLine xmlns="" xmlns:a14="http://schemas.microsoft.com/office/drawing/2010/main" w="9525">
+              <a14:hiddenLine xmlns:a14="http://schemas.microsoft.com/office/drawing/2010/main" xmlns="" w="9525">
                 <a:solidFill>
                   <a:srgbClr val="000000"/>
                 </a:solidFill>
@@ -6065,14 +6058,14 @@
           </a:ln>
           <a:extLst>
             <a:ext uri="{909E8E84-426E-40dd-AFC4-6F175D3DCCD1}">
-              <a14:hiddenFill xmlns="" xmlns:a14="http://schemas.microsoft.com/office/drawing/2010/main">
+              <a14:hiddenFill xmlns:a14="http://schemas.microsoft.com/office/drawing/2010/main" xmlns="">
                 <a:solidFill>
                   <a:srgbClr val="FFFFFF"/>
                 </a:solidFill>
               </a14:hiddenFill>
             </a:ext>
             <a:ext uri="{91240B29-F687-4f45-9708-019B960494DF}">
-              <a14:hiddenLine xmlns="" xmlns:a14="http://schemas.microsoft.com/office/drawing/2010/main" w="9525">
+              <a14:hiddenLine xmlns:a14="http://schemas.microsoft.com/office/drawing/2010/main" xmlns="" w="9525">
                 <a:solidFill>
                   <a:srgbClr val="000000"/>
                 </a:solidFill>
@@ -6274,14 +6267,14 @@
           </a:ln>
           <a:extLst>
             <a:ext uri="{909E8E84-426E-40dd-AFC4-6F175D3DCCD1}">
-              <a14:hiddenFill xmlns="" xmlns:a14="http://schemas.microsoft.com/office/drawing/2010/main">
+              <a14:hiddenFill xmlns:a14="http://schemas.microsoft.com/office/drawing/2010/main" xmlns="">
                 <a:solidFill>
                   <a:srgbClr val="FFFFFF"/>
                 </a:solidFill>
               </a14:hiddenFill>
             </a:ext>
             <a:ext uri="{91240B29-F687-4f45-9708-019B960494DF}">
-              <a14:hiddenLine xmlns="" xmlns:a14="http://schemas.microsoft.com/office/drawing/2010/main" w="9525">
+              <a14:hiddenLine xmlns:a14="http://schemas.microsoft.com/office/drawing/2010/main" xmlns="" w="9525">
                 <a:solidFill>
                   <a:srgbClr val="000000"/>
                 </a:solidFill>
@@ -6502,14 +6495,14 @@
           </a:ln>
           <a:extLst>
             <a:ext uri="{909E8E84-426E-40dd-AFC4-6F175D3DCCD1}">
-              <a14:hiddenFill xmlns="" xmlns:a14="http://schemas.microsoft.com/office/drawing/2010/main">
+              <a14:hiddenFill xmlns:a14="http://schemas.microsoft.com/office/drawing/2010/main" xmlns="">
                 <a:solidFill>
                   <a:srgbClr val="FFFFFF"/>
                 </a:solidFill>
               </a14:hiddenFill>
             </a:ext>
             <a:ext uri="{91240B29-F687-4f45-9708-019B960494DF}">
-              <a14:hiddenLine xmlns="" xmlns:a14="http://schemas.microsoft.com/office/drawing/2010/main" w="9525">
+              <a14:hiddenLine xmlns:a14="http://schemas.microsoft.com/office/drawing/2010/main" xmlns="" w="9525">
                 <a:solidFill>
                   <a:srgbClr val="000000"/>
                 </a:solidFill>
@@ -6541,16 +6534,6 @@
               </a:rPr>
               <a:t>Hakan Tekgul, Raimi Shah</a:t>
             </a:r>
-            <a:r>
-              <a:rPr lang="en-US" sz="4800" b="1" dirty="0">
-                <a:solidFill>
-                  <a:schemeClr val="tx2"/>
-                </a:solidFill>
-                <a:latin typeface="Georgia" charset="0"/>
-                <a:cs typeface="Georgia" charset="0"/>
-              </a:rPr>
-              <a:t/>
-            </a:r>
             <a:br>
               <a:rPr lang="en-US" sz="4800" b="1" dirty="0">
                 <a:solidFill>
@@ -6595,14 +6578,14 @@
           </a:ln>
           <a:extLst>
             <a:ext uri="{909E8E84-426E-40dd-AFC4-6F175D3DCCD1}">
-              <a14:hiddenFill xmlns="" xmlns:a14="http://schemas.microsoft.com/office/drawing/2010/main">
+              <a14:hiddenFill xmlns:a14="http://schemas.microsoft.com/office/drawing/2010/main" xmlns="">
                 <a:solidFill>
                   <a:srgbClr val="FFFFFF"/>
                 </a:solidFill>
               </a14:hiddenFill>
             </a:ext>
             <a:ext uri="{91240B29-F687-4f45-9708-019B960494DF}">
-              <a14:hiddenLine xmlns="" xmlns:a14="http://schemas.microsoft.com/office/drawing/2010/main" w="9525">
+              <a14:hiddenLine xmlns:a14="http://schemas.microsoft.com/office/drawing/2010/main" xmlns="" w="9525">
                 <a:solidFill>
                   <a:srgbClr val="000000"/>
                 </a:solidFill>
@@ -6760,7 +6743,7 @@
           </a:ln>
           <a:extLst>
             <a:ext uri="{91240B29-F687-4f45-9708-019B960494DF}">
-              <a14:hiddenLine xmlns="" xmlns:a14="http://schemas.microsoft.com/office/drawing/2010/main" w="9525">
+              <a14:hiddenLine xmlns:a14="http://schemas.microsoft.com/office/drawing/2010/main" xmlns="" w="9525">
                 <a:solidFill>
                   <a:srgbClr val="000000"/>
                 </a:solidFill>
@@ -6850,7 +6833,7 @@
           </a:ln>
           <a:extLst>
             <a:ext uri="{91240B29-F687-4f45-9708-019B960494DF}">
-              <a14:hiddenLine xmlns="" xmlns:a14="http://schemas.microsoft.com/office/drawing/2010/main" w="9525">
+              <a14:hiddenLine xmlns:a14="http://schemas.microsoft.com/office/drawing/2010/main" xmlns="" w="9525">
                 <a:solidFill>
                   <a:srgbClr val="000000"/>
                 </a:solidFill>
@@ -6897,49 +6880,7 @@
                 <a:latin typeface="Georgia" charset="0"/>
                 <a:cs typeface="Georgia" charset="0"/>
               </a:rPr>
-              <a:t> is an open source software framework for Music Information </a:t>
-            </a:r>
-            <a:r>
-              <a:rPr lang="en-US" sz="2800" dirty="0" smtClean="0">
-                <a:latin typeface="Georgia" charset="0"/>
-                <a:cs typeface="Georgia" charset="0"/>
-              </a:rPr>
-              <a:t>Retrieval with </a:t>
-            </a:r>
-            <a:r>
-              <a:rPr lang="en-US" sz="2800" dirty="0" smtClean="0">
-                <a:latin typeface="Georgia" charset="0"/>
-                <a:cs typeface="Georgia" charset="0"/>
-              </a:rPr>
-              <a:t>the </a:t>
-            </a:r>
-            <a:r>
-              <a:rPr lang="en-US" sz="2800" dirty="0" smtClean="0">
-                <a:latin typeface="Georgia" charset="0"/>
-                <a:cs typeface="Georgia" charset="0"/>
-              </a:rPr>
-              <a:t>GTZAN </a:t>
-            </a:r>
-            <a:r>
-              <a:rPr lang="en-US" sz="2800" dirty="0">
-                <a:latin typeface="Georgia" charset="0"/>
-                <a:cs typeface="Georgia" charset="0"/>
-              </a:rPr>
-              <a:t>Genre Collection Database, which has 10 genres and each genre has 100 30-second audio tracks. All the tracks are 22050 Hz Mono 16-bit audio files in .au format. For this project, we chose five distinct genres; classical, metal, blues, pop,  </a:t>
-            </a:r>
-            <a:r>
-              <a:rPr lang="en-US" sz="2800" dirty="0" smtClean="0">
-                <a:latin typeface="Georgia" charset="0"/>
-                <a:cs typeface="Georgia" charset="0"/>
-              </a:rPr>
-              <a:t>country. </a:t>
-            </a:r>
-            <a:r>
-              <a:rPr lang="en-US" sz="2800" dirty="0">
-                <a:latin typeface="Georgia" charset="0"/>
-                <a:cs typeface="Georgia" charset="0"/>
-              </a:rPr>
-              <a:t>Hence, our dataset was 500 songs total, from which we used 80% for training and 20% for testing. </a:t>
+              <a:t> is an open source software framework for Music Information Retrieval with the GTZAN Genre Collection Database, which has 10 genres and each genre has 100 30-second audio tracks. All the tracks are 22050 Hz Mono 16-bit audio files in .au format. For this project, we chose five distinct genres; classical, metal, blues, pop,  country. Hence, our dataset was 500 songs total, from which we used 80% for training and 20% for testing. </a:t>
             </a:r>
           </a:p>
           <a:p>
@@ -6970,35 +6911,7 @@
                 <a:latin typeface="Georgia" charset="0"/>
                 <a:cs typeface="Georgia" charset="0"/>
               </a:rPr>
-              <a:t>-spectrogram of each song. After that, we mapped the frequencies to cepstral coefficients and performed a Discrete Cosine </a:t>
-            </a:r>
-            <a:r>
-              <a:rPr lang="en-US" sz="2800" dirty="0" smtClean="0">
-                <a:latin typeface="Georgia" charset="0"/>
-                <a:cs typeface="Georgia" charset="0"/>
-              </a:rPr>
-              <a:t>Transform and </a:t>
-            </a:r>
-            <a:r>
-              <a:rPr lang="en-US" sz="2800" dirty="0">
-                <a:latin typeface="Georgia" charset="0"/>
-                <a:cs typeface="Georgia" charset="0"/>
-              </a:rPr>
-              <a:t>used PCA to </a:t>
-            </a:r>
-            <a:r>
-              <a:rPr lang="en-US" sz="2800" dirty="0" smtClean="0">
-                <a:latin typeface="Georgia" charset="0"/>
-                <a:cs typeface="Georgia" charset="0"/>
-              </a:rPr>
-              <a:t>for dimensionality reduction, </a:t>
-            </a:r>
-            <a:r>
-              <a:rPr lang="en-US" sz="2800" dirty="0">
-                <a:latin typeface="Georgia" charset="0"/>
-                <a:cs typeface="Georgia" charset="0"/>
-              </a:rPr>
-              <a:t>which produced significant results.</a:t>
+              <a:t>-spectrogram of each song. After that, we mapped the frequencies to cepstral coefficients and performed a Discrete Cosine Transform and used PCA to for dimensionality reduction, which produced significant results.</a:t>
             </a:r>
           </a:p>
           <a:p>
@@ -7050,7 +6963,7 @@
           </a:ln>
           <a:extLst>
             <a:ext uri="{91240B29-F687-4f45-9708-019B960494DF}">
-              <a14:hiddenLine xmlns="" xmlns:a14="http://schemas.microsoft.com/office/drawing/2010/main" w="9525">
+              <a14:hiddenLine xmlns:a14="http://schemas.microsoft.com/office/drawing/2010/main" xmlns="" w="9525">
                 <a:solidFill>
                   <a:srgbClr val="000000"/>
                 </a:solidFill>
@@ -7181,7 +7094,7 @@
                   </a:spcBef>
                 </a:pPr>
                 <a:r>
-                  <a:rPr lang="en-GB" sz="4000" b="1" u="sng" dirty="0" smtClean="0">
+                  <a:rPr lang="en-GB" sz="4000" b="1" u="sng" dirty="0">
                     <a:solidFill>
                       <a:srgbClr val="131F33"/>
                     </a:solidFill>
@@ -7216,9 +7129,6 @@
                   </a:rPr>
                   <a:t>	We used the simple, but effective k-NN algorithm for genre classification. After our experiments, we found out that k = 8 was the best hyperparameter. We used Euclidean distance to compute the distance between two data points. </a:t>
                 </a:r>
-                <a:endParaRPr lang="en-US" sz="2800" dirty="0" smtClean="0">
-                  <a:latin typeface="Georgia" charset="0"/>
-                </a:endParaRPr>
               </a:p>
               <a:p>
                 <a:pPr marL="381000" indent="-381000" algn="just"/>
@@ -7259,10 +7169,6 @@
                   </a:rPr>
                   <a:t>K-Means Clustering: </a:t>
                 </a:r>
-                <a:endParaRPr lang="en-US" sz="2800" b="1" dirty="0" smtClean="0">
-                  <a:latin typeface="Georgia" charset="0"/>
-                  <a:cs typeface="Georgia" charset="0"/>
-                </a:endParaRPr>
               </a:p>
               <a:p>
                 <a:pPr marL="381000" indent="-381000"/>
@@ -7274,21 +7180,21 @@
                   <a:t>	</a:t>
                 </a:r>
                 <a:r>
-                  <a:rPr lang="en-US" sz="2800" dirty="0" smtClean="0">
+                  <a:rPr lang="en-US" sz="2800" dirty="0">
                     <a:latin typeface="Georgia" charset="0"/>
                     <a:cs typeface="Georgia" charset="0"/>
                   </a:rPr>
                   <a:t>We experimented using </a:t>
                 </a:r>
                 <a:r>
-                  <a:rPr lang="en-US" sz="2800" dirty="0" err="1" smtClean="0">
+                  <a:rPr lang="en-US" sz="2800" dirty="0" err="1">
                     <a:latin typeface="Georgia" charset="0"/>
                     <a:cs typeface="Georgia" charset="0"/>
                   </a:rPr>
                   <a:t>KMeans</a:t>
                 </a:r>
                 <a:r>
-                  <a:rPr lang="en-US" sz="2800" dirty="0" smtClean="0">
+                  <a:rPr lang="en-US" sz="2800" dirty="0">
                     <a:latin typeface="Georgia" charset="0"/>
                     <a:cs typeface="Georgia" charset="0"/>
                   </a:rPr>
@@ -7518,14 +7424,7 @@
                     <a:latin typeface="Georgia" charset="0"/>
                     <a:cs typeface="Georgia" charset="0"/>
                   </a:rPr>
-                  <a:t>Gaussian Mixture Model</a:t>
-                </a:r>
-                <a:r>
-                  <a:rPr lang="en-US" sz="2800" b="1" dirty="0" smtClean="0">
-                    <a:latin typeface="Georgia" charset="0"/>
-                    <a:cs typeface="Georgia" charset="0"/>
-                  </a:rPr>
-                  <a:t>:</a:t>
+                  <a:t>Gaussian Mixture Model:</a:t>
                 </a:r>
               </a:p>
               <a:p>
@@ -7538,7 +7437,7 @@
                   <a:t>	</a:t>
                 </a:r>
                 <a:r>
-                  <a:rPr lang="en-US" sz="2800" dirty="0" smtClean="0">
+                  <a:rPr lang="en-US" sz="2800" dirty="0">
                     <a:latin typeface="Georgia" charset="0"/>
                     <a:cs typeface="Georgia" charset="0"/>
                   </a:rPr>
@@ -7554,10 +7453,6 @@
                   </a:rPr>
                   <a:t>	</a:t>
                 </a:r>
-                <a:endParaRPr lang="en-US" sz="2800" b="1" dirty="0">
-                  <a:latin typeface="Georgia" charset="0"/>
-                  <a:cs typeface="Georgia" charset="0"/>
-                </a:endParaRPr>
               </a:p>
               <a:p>
                 <a:pPr marL="381000" indent="-381000"/>
@@ -7569,25 +7464,18 @@
               <a:p>
                 <a:pPr marL="381000" indent="-381000"/>
                 <a:r>
-                  <a:rPr lang="en-US" sz="2800" b="1" dirty="0" smtClean="0">
+                  <a:rPr lang="en-US" sz="2800" b="1">
                     <a:latin typeface="Georgia" charset="0"/>
                     <a:cs typeface="Georgia" charset="0"/>
                   </a:rPr>
-                  <a:t>Simple 2-layer </a:t>
+                  <a:t>Simple 3-layer </a:t>
                 </a:r>
                 <a:r>
                   <a:rPr lang="en-US" sz="2800" b="1" dirty="0">
                     <a:latin typeface="Georgia" charset="0"/>
                     <a:cs typeface="Georgia" charset="0"/>
                   </a:rPr>
-                  <a:t>Neural Network</a:t>
-                </a:r>
-                <a:r>
-                  <a:rPr lang="en-US" sz="2800" b="1" dirty="0" smtClean="0">
-                    <a:latin typeface="Georgia" charset="0"/>
-                    <a:cs typeface="Georgia" charset="0"/>
-                  </a:rPr>
-                  <a:t>:</a:t>
+                  <a:t>Neural Network:</a:t>
                 </a:r>
               </a:p>
               <a:p>
@@ -7600,27 +7488,27 @@
                   <a:t>	</a:t>
                 </a:r>
                 <a:r>
-                  <a:rPr lang="en-US" sz="2800" dirty="0" smtClean="0">
+                  <a:rPr lang="en-US" sz="2800" dirty="0">
                     <a:latin typeface="Georgia" charset="0"/>
                     <a:cs typeface="Georgia" charset="0"/>
                   </a:rPr>
                   <a:t>We then decided it would be best to utilize a couple of deep learning methods. To being, we created a simple 2 layer neural network with </a:t>
                 </a:r>
                 <a:r>
-                  <a:rPr lang="en-US" sz="2800" dirty="0" err="1" smtClean="0">
+                  <a:rPr lang="en-US" sz="2800" dirty="0" err="1">
                     <a:latin typeface="Georgia" charset="0"/>
                     <a:cs typeface="Georgia" charset="0"/>
                   </a:rPr>
                   <a:t>ReLU</a:t>
                 </a:r>
                 <a:r>
-                  <a:rPr lang="en-US" sz="2800" dirty="0" smtClean="0">
+                  <a:rPr lang="en-US" sz="2800" dirty="0">
                     <a:latin typeface="Georgia" charset="0"/>
                     <a:cs typeface="Georgia" charset="0"/>
                   </a:rPr>
                   <a:t> nonlinearity.</a:t>
                 </a:r>
-                <a:endParaRPr lang="en-US" sz="2800" b="1" dirty="0" smtClean="0">
+                <a:endParaRPr lang="en-US" sz="2800" b="1" dirty="0">
                   <a:latin typeface="Georgia" charset="0"/>
                   <a:cs typeface="Georgia" charset="0"/>
                 </a:endParaRPr>
@@ -7628,16 +7516,12 @@
               <a:p>
                 <a:pPr marL="381000" indent="-381000"/>
                 <a:r>
-                  <a:rPr lang="en-US" sz="2800" b="1" dirty="0" smtClean="0">
+                  <a:rPr lang="en-US" sz="2800" b="1" dirty="0">
                     <a:latin typeface="Georgia" charset="0"/>
                     <a:cs typeface="Georgia" charset="0"/>
                   </a:rPr>
                   <a:t> </a:t>
                 </a:r>
-                <a:endParaRPr lang="en-US" sz="2800" b="1" dirty="0">
-                  <a:latin typeface="Georgia" charset="0"/>
-                  <a:cs typeface="Georgia" charset="0"/>
-                </a:endParaRPr>
               </a:p>
               <a:p>
                 <a:pPr marL="381000" indent="-381000"/>
@@ -7663,19 +7547,8 @@
                     <a:latin typeface="Georgia" charset="0"/>
                     <a:cs typeface="Georgia" charset="0"/>
                   </a:rPr>
-                  <a:t>	</a:t>
+                  <a:t>	To finish out our experiments, we tried a couple of different convolutional neural network architectures.</a:t>
                 </a:r>
-                <a:r>
-                  <a:rPr lang="en-US" sz="2800" dirty="0" smtClean="0">
-                    <a:latin typeface="Georgia" charset="0"/>
-                    <a:cs typeface="Georgia" charset="0"/>
-                  </a:rPr>
-                  <a:t>To finish out our experiments, we tried a couple of different convolutional neural network architectures.</a:t>
-                </a:r>
-                <a:endParaRPr lang="en-US" sz="2800" dirty="0">
-                  <a:latin typeface="Georgia" charset="0"/>
-                  <a:cs typeface="Georgia" charset="0"/>
-                </a:endParaRPr>
               </a:p>
             </p:txBody>
           </p:sp>
@@ -7697,7 +7570,7 @@
               <a:prstGeom prst="rect">
                 <a:avLst/>
               </a:prstGeom>
-              <a:blipFill rotWithShape="0">
+              <a:blipFill>
                 <a:blip r:embed="rId2"/>
                 <a:stretch>
                   <a:fillRect/>
@@ -7724,7 +7597,7 @@
               <a:lstStyle/>
               <a:p>
                 <a:r>
-                  <a:rPr lang="en-US">
+                  <a:rPr lang="tr-TR">
                     <a:noFill/>
                   </a:rPr>
                   <a:t> </a:t>
@@ -7758,7 +7631,7 @@
           </a:ln>
           <a:extLst>
             <a:ext uri="{91240B29-F687-4f45-9708-019B960494DF}">
-              <a14:hiddenLine xmlns="" xmlns:a14="http://schemas.microsoft.com/office/drawing/2010/main" w="9525">
+              <a14:hiddenLine xmlns:a14="http://schemas.microsoft.com/office/drawing/2010/main" xmlns="" w="9525">
                 <a:solidFill>
                   <a:srgbClr val="000000"/>
                 </a:solidFill>
@@ -7800,10 +7673,6 @@
               </a:rPr>
               <a:t> </a:t>
             </a:r>
-            <a:endParaRPr lang="en-US" sz="2800" dirty="0" smtClean="0">
-              <a:latin typeface="Georgia" charset="0"/>
-              <a:cs typeface="Georgia" charset="0"/>
-            </a:endParaRPr>
           </a:p>
           <a:p>
             <a:endParaRPr lang="en-US" sz="2800" dirty="0">
@@ -7855,7 +7724,7 @@
           </a:ln>
           <a:extLst>
             <a:ext uri="{91240B29-F687-4f45-9708-019B960494DF}">
-              <a14:hiddenLine xmlns="" xmlns:a14="http://schemas.microsoft.com/office/drawing/2010/main" w="9525">
+              <a14:hiddenLine xmlns:a14="http://schemas.microsoft.com/office/drawing/2010/main" xmlns="" w="9525">
                 <a:solidFill>
                   <a:srgbClr val="000000"/>
                 </a:solidFill>
@@ -7966,7 +7835,7 @@
           </a:ln>
           <a:extLst>
             <a:ext uri="{91240B29-F687-4f45-9708-019B960494DF}">
-              <a14:hiddenLine xmlns="" xmlns:a14="http://schemas.microsoft.com/office/drawing/2010/main" w="9525">
+              <a14:hiddenLine xmlns:a14="http://schemas.microsoft.com/office/drawing/2010/main" xmlns="" w="9525">
                 <a:solidFill>
                   <a:srgbClr val="000000"/>
                 </a:solidFill>
@@ -8021,633 +7890,6 @@
               </a:rPr>
               <a:t>creativeservices@illinois.edu</a:t>
             </a:r>
-          </a:p>
-        </p:txBody>
-      </p:sp>
-      <p:sp>
-        <p:nvSpPr>
-          <p:cNvPr id="15371" name="Rectangle 13"/>
-          <p:cNvSpPr>
-            <a:spLocks noChangeArrowheads="1"/>
-          </p:cNvSpPr>
-          <p:nvPr/>
-        </p:nvSpPr>
-        <p:spPr bwMode="auto">
-          <a:xfrm>
-            <a:off x="22783800" y="26276300"/>
-            <a:ext cx="8915400" cy="3598863"/>
-          </a:xfrm>
-          <a:prstGeom prst="rect">
-            <a:avLst/>
-          </a:prstGeom>
-          <a:solidFill>
-            <a:srgbClr val="EEEEEE"/>
-          </a:solidFill>
-          <a:ln w="9525">
-            <a:solidFill>
-              <a:schemeClr val="tx1"/>
-            </a:solidFill>
-            <a:miter lim="800000"/>
-            <a:headEnd/>
-            <a:tailEnd/>
-          </a:ln>
-        </p:spPr>
-        <p:txBody>
-          <a:bodyPr wrap="none" anchor="ctr"/>
-          <a:lstStyle/>
-          <a:p>
-            <a:endParaRPr lang="en-US"/>
-          </a:p>
-        </p:txBody>
-      </p:sp>
-      <p:sp>
-        <p:nvSpPr>
-          <p:cNvPr id="15372" name="Text Box 14"/>
-          <p:cNvSpPr txBox="1">
-            <a:spLocks noChangeArrowheads="1"/>
-          </p:cNvSpPr>
-          <p:nvPr/>
-        </p:nvSpPr>
-        <p:spPr bwMode="auto">
-          <a:xfrm>
-            <a:off x="22783800" y="29994225"/>
-            <a:ext cx="8915400" cy="1323975"/>
-          </a:xfrm>
-          <a:prstGeom prst="rect">
-            <a:avLst/>
-          </a:prstGeom>
-          <a:noFill/>
-          <a:ln>
-            <a:noFill/>
-          </a:ln>
-          <a:extLst>
-            <a:ext uri="{909E8E84-426E-40dd-AFC4-6F175D3DCCD1}">
-              <a14:hiddenFill xmlns="" xmlns:a14="http://schemas.microsoft.com/office/drawing/2010/main">
-                <a:solidFill>
-                  <a:srgbClr val="FFFFFF"/>
-                </a:solidFill>
-              </a14:hiddenFill>
-            </a:ext>
-            <a:ext uri="{91240B29-F687-4f45-9708-019B960494DF}">
-              <a14:hiddenLine xmlns="" xmlns:a14="http://schemas.microsoft.com/office/drawing/2010/main" w="9525">
-                <a:solidFill>
-                  <a:srgbClr val="000000"/>
-                </a:solidFill>
-                <a:miter lim="800000"/>
-                <a:headEnd/>
-                <a:tailEnd/>
-              </a14:hiddenLine>
-            </a:ext>
-          </a:extLst>
-        </p:spPr>
-        <p:txBody>
-          <a:bodyPr lIns="0" rIns="0">
-            <a:spAutoFit/>
-          </a:bodyPr>
-          <a:lstStyle>
-            <a:lvl1pPr eaLnBrk="0" hangingPunct="0">
-              <a:defRPr sz="8600">
-                <a:solidFill>
-                  <a:schemeClr val="tx1"/>
-                </a:solidFill>
-                <a:latin typeface="Arial" charset="0"/>
-                <a:ea typeface="ＭＳ Ｐゴシック" charset="0"/>
-                <a:cs typeface="ＭＳ Ｐゴシック" charset="0"/>
-              </a:defRPr>
-            </a:lvl1pPr>
-            <a:lvl2pPr marL="742950" indent="-285750" eaLnBrk="0" hangingPunct="0">
-              <a:defRPr sz="8600">
-                <a:solidFill>
-                  <a:schemeClr val="tx1"/>
-                </a:solidFill>
-                <a:latin typeface="Arial" charset="0"/>
-                <a:ea typeface="ＭＳ Ｐゴシック" charset="0"/>
-              </a:defRPr>
-            </a:lvl2pPr>
-            <a:lvl3pPr marL="1143000" indent="-228600" eaLnBrk="0" hangingPunct="0">
-              <a:defRPr sz="8600">
-                <a:solidFill>
-                  <a:schemeClr val="tx1"/>
-                </a:solidFill>
-                <a:latin typeface="Arial" charset="0"/>
-                <a:ea typeface="ＭＳ Ｐゴシック" charset="0"/>
-              </a:defRPr>
-            </a:lvl3pPr>
-            <a:lvl4pPr marL="1600200" indent="-228600" eaLnBrk="0" hangingPunct="0">
-              <a:defRPr sz="8600">
-                <a:solidFill>
-                  <a:schemeClr val="tx1"/>
-                </a:solidFill>
-                <a:latin typeface="Arial" charset="0"/>
-                <a:ea typeface="ＭＳ Ｐゴシック" charset="0"/>
-              </a:defRPr>
-            </a:lvl4pPr>
-            <a:lvl5pPr marL="2057400" indent="-228600" eaLnBrk="0" hangingPunct="0">
-              <a:defRPr sz="8600">
-                <a:solidFill>
-                  <a:schemeClr val="tx1"/>
-                </a:solidFill>
-                <a:latin typeface="Arial" charset="0"/>
-                <a:ea typeface="ＭＳ Ｐゴシック" charset="0"/>
-              </a:defRPr>
-            </a:lvl5pPr>
-            <a:lvl6pPr marL="2514600" indent="-228600" defTabSz="2193925" eaLnBrk="0" fontAlgn="base" hangingPunct="0">
-              <a:spcBef>
-                <a:spcPct val="0"/>
-              </a:spcBef>
-              <a:spcAft>
-                <a:spcPct val="0"/>
-              </a:spcAft>
-              <a:defRPr sz="8600">
-                <a:solidFill>
-                  <a:schemeClr val="tx1"/>
-                </a:solidFill>
-                <a:latin typeface="Arial" charset="0"/>
-                <a:ea typeface="ＭＳ Ｐゴシック" charset="0"/>
-              </a:defRPr>
-            </a:lvl6pPr>
-            <a:lvl7pPr marL="2971800" indent="-228600" defTabSz="2193925" eaLnBrk="0" fontAlgn="base" hangingPunct="0">
-              <a:spcBef>
-                <a:spcPct val="0"/>
-              </a:spcBef>
-              <a:spcAft>
-                <a:spcPct val="0"/>
-              </a:spcAft>
-              <a:defRPr sz="8600">
-                <a:solidFill>
-                  <a:schemeClr val="tx1"/>
-                </a:solidFill>
-                <a:latin typeface="Arial" charset="0"/>
-                <a:ea typeface="ＭＳ Ｐゴシック" charset="0"/>
-              </a:defRPr>
-            </a:lvl7pPr>
-            <a:lvl8pPr marL="3429000" indent="-228600" defTabSz="2193925" eaLnBrk="0" fontAlgn="base" hangingPunct="0">
-              <a:spcBef>
-                <a:spcPct val="0"/>
-              </a:spcBef>
-              <a:spcAft>
-                <a:spcPct val="0"/>
-              </a:spcAft>
-              <a:defRPr sz="8600">
-                <a:solidFill>
-                  <a:schemeClr val="tx1"/>
-                </a:solidFill>
-                <a:latin typeface="Arial" charset="0"/>
-                <a:ea typeface="ＭＳ Ｐゴシック" charset="0"/>
-              </a:defRPr>
-            </a:lvl8pPr>
-            <a:lvl9pPr marL="3886200" indent="-228600" defTabSz="2193925" eaLnBrk="0" fontAlgn="base" hangingPunct="0">
-              <a:spcBef>
-                <a:spcPct val="0"/>
-              </a:spcBef>
-              <a:spcAft>
-                <a:spcPct val="0"/>
-              </a:spcAft>
-              <a:defRPr sz="8600">
-                <a:solidFill>
-                  <a:schemeClr val="tx1"/>
-                </a:solidFill>
-                <a:latin typeface="Arial" charset="0"/>
-                <a:ea typeface="ＭＳ Ｐゴシック" charset="0"/>
-              </a:defRPr>
-            </a:lvl9pPr>
-          </a:lstStyle>
-          <a:p>
-            <a:pPr eaLnBrk="1" hangingPunct="1"/>
-            <a:r>
-              <a:rPr lang="en-AU" sz="2000" i="1"/>
-              <a:t>Captions set in a serif style font such as Times, 18 to 24 size, italic style. </a:t>
-            </a:r>
-          </a:p>
-          <a:p>
-            <a:pPr eaLnBrk="1" hangingPunct="1"/>
-            <a:endParaRPr lang="en-AU" sz="2000" i="1"/>
-          </a:p>
-          <a:p>
-            <a:pPr eaLnBrk="1" hangingPunct="1"/>
-            <a:r>
-              <a:rPr lang="en-US" sz="2000" i="1"/>
-              <a:t>Duis autem vel eum iriure dolor in hendrerit in vulputate velit esse molestie consequat.</a:t>
-            </a:r>
-            <a:endParaRPr lang="en-AU" sz="2000" i="1"/>
-          </a:p>
-        </p:txBody>
-      </p:sp>
-      <p:sp>
-        <p:nvSpPr>
-          <p:cNvPr id="15373" name="Rectangle 15"/>
-          <p:cNvSpPr>
-            <a:spLocks noChangeArrowheads="1"/>
-          </p:cNvSpPr>
-          <p:nvPr/>
-        </p:nvSpPr>
-        <p:spPr bwMode="auto">
-          <a:xfrm>
-            <a:off x="22783800" y="21996400"/>
-            <a:ext cx="5399088" cy="3598863"/>
-          </a:xfrm>
-          <a:prstGeom prst="rect">
-            <a:avLst/>
-          </a:prstGeom>
-          <a:solidFill>
-            <a:srgbClr val="EEEEEE"/>
-          </a:solidFill>
-          <a:ln w="9525">
-            <a:solidFill>
-              <a:schemeClr val="tx1"/>
-            </a:solidFill>
-            <a:miter lim="800000"/>
-            <a:headEnd/>
-            <a:tailEnd/>
-          </a:ln>
-        </p:spPr>
-        <p:txBody>
-          <a:bodyPr wrap="none" anchor="ctr"/>
-          <a:lstStyle/>
-          <a:p>
-            <a:endParaRPr lang="en-US"/>
-          </a:p>
-        </p:txBody>
-      </p:sp>
-      <p:sp>
-        <p:nvSpPr>
-          <p:cNvPr id="15374" name="Text Box 16"/>
-          <p:cNvSpPr txBox="1">
-            <a:spLocks noChangeArrowheads="1"/>
-          </p:cNvSpPr>
-          <p:nvPr/>
-        </p:nvSpPr>
-        <p:spPr bwMode="auto">
-          <a:xfrm>
-            <a:off x="28194000" y="21790025"/>
-            <a:ext cx="3505200" cy="2825750"/>
-          </a:xfrm>
-          <a:prstGeom prst="rect">
-            <a:avLst/>
-          </a:prstGeom>
-          <a:noFill/>
-          <a:ln>
-            <a:noFill/>
-          </a:ln>
-          <a:extLst>
-            <a:ext uri="{909E8E84-426E-40dd-AFC4-6F175D3DCCD1}">
-              <a14:hiddenFill xmlns="" xmlns:a14="http://schemas.microsoft.com/office/drawing/2010/main">
-                <a:solidFill>
-                  <a:srgbClr val="FFFFFF"/>
-                </a:solidFill>
-              </a14:hiddenFill>
-            </a:ext>
-            <a:ext uri="{91240B29-F687-4f45-9708-019B960494DF}">
-              <a14:hiddenLine xmlns="" xmlns:a14="http://schemas.microsoft.com/office/drawing/2010/main" w="9525">
-                <a:solidFill>
-                  <a:srgbClr val="000000"/>
-                </a:solidFill>
-                <a:miter lim="800000"/>
-                <a:headEnd/>
-                <a:tailEnd/>
-              </a14:hiddenLine>
-            </a:ext>
-          </a:extLst>
-        </p:spPr>
-        <p:txBody>
-          <a:bodyPr lIns="180000" tIns="180000" rIns="180000" bIns="180000">
-            <a:spAutoFit/>
-          </a:bodyPr>
-          <a:lstStyle>
-            <a:lvl1pPr eaLnBrk="0" hangingPunct="0">
-              <a:defRPr sz="8600">
-                <a:solidFill>
-                  <a:schemeClr val="tx1"/>
-                </a:solidFill>
-                <a:latin typeface="Arial" charset="0"/>
-                <a:ea typeface="ＭＳ Ｐゴシック" charset="0"/>
-                <a:cs typeface="ＭＳ Ｐゴシック" charset="0"/>
-              </a:defRPr>
-            </a:lvl1pPr>
-            <a:lvl2pPr marL="742950" indent="-285750" eaLnBrk="0" hangingPunct="0">
-              <a:defRPr sz="8600">
-                <a:solidFill>
-                  <a:schemeClr val="tx1"/>
-                </a:solidFill>
-                <a:latin typeface="Arial" charset="0"/>
-                <a:ea typeface="ＭＳ Ｐゴシック" charset="0"/>
-              </a:defRPr>
-            </a:lvl2pPr>
-            <a:lvl3pPr marL="1143000" indent="-228600" eaLnBrk="0" hangingPunct="0">
-              <a:defRPr sz="8600">
-                <a:solidFill>
-                  <a:schemeClr val="tx1"/>
-                </a:solidFill>
-                <a:latin typeface="Arial" charset="0"/>
-                <a:ea typeface="ＭＳ Ｐゴシック" charset="0"/>
-              </a:defRPr>
-            </a:lvl3pPr>
-            <a:lvl4pPr marL="1600200" indent="-228600" eaLnBrk="0" hangingPunct="0">
-              <a:defRPr sz="8600">
-                <a:solidFill>
-                  <a:schemeClr val="tx1"/>
-                </a:solidFill>
-                <a:latin typeface="Arial" charset="0"/>
-                <a:ea typeface="ＭＳ Ｐゴシック" charset="0"/>
-              </a:defRPr>
-            </a:lvl4pPr>
-            <a:lvl5pPr marL="2057400" indent="-228600" eaLnBrk="0" hangingPunct="0">
-              <a:defRPr sz="8600">
-                <a:solidFill>
-                  <a:schemeClr val="tx1"/>
-                </a:solidFill>
-                <a:latin typeface="Arial" charset="0"/>
-                <a:ea typeface="ＭＳ Ｐゴシック" charset="0"/>
-              </a:defRPr>
-            </a:lvl5pPr>
-            <a:lvl6pPr marL="2514600" indent="-228600" defTabSz="2193925" eaLnBrk="0" fontAlgn="base" hangingPunct="0">
-              <a:spcBef>
-                <a:spcPct val="0"/>
-              </a:spcBef>
-              <a:spcAft>
-                <a:spcPct val="0"/>
-              </a:spcAft>
-              <a:defRPr sz="8600">
-                <a:solidFill>
-                  <a:schemeClr val="tx1"/>
-                </a:solidFill>
-                <a:latin typeface="Arial" charset="0"/>
-                <a:ea typeface="ＭＳ Ｐゴシック" charset="0"/>
-              </a:defRPr>
-            </a:lvl6pPr>
-            <a:lvl7pPr marL="2971800" indent="-228600" defTabSz="2193925" eaLnBrk="0" fontAlgn="base" hangingPunct="0">
-              <a:spcBef>
-                <a:spcPct val="0"/>
-              </a:spcBef>
-              <a:spcAft>
-                <a:spcPct val="0"/>
-              </a:spcAft>
-              <a:defRPr sz="8600">
-                <a:solidFill>
-                  <a:schemeClr val="tx1"/>
-                </a:solidFill>
-                <a:latin typeface="Arial" charset="0"/>
-                <a:ea typeface="ＭＳ Ｐゴシック" charset="0"/>
-              </a:defRPr>
-            </a:lvl7pPr>
-            <a:lvl8pPr marL="3429000" indent="-228600" defTabSz="2193925" eaLnBrk="0" fontAlgn="base" hangingPunct="0">
-              <a:spcBef>
-                <a:spcPct val="0"/>
-              </a:spcBef>
-              <a:spcAft>
-                <a:spcPct val="0"/>
-              </a:spcAft>
-              <a:defRPr sz="8600">
-                <a:solidFill>
-                  <a:schemeClr val="tx1"/>
-                </a:solidFill>
-                <a:latin typeface="Arial" charset="0"/>
-                <a:ea typeface="ＭＳ Ｐゴシック" charset="0"/>
-              </a:defRPr>
-            </a:lvl8pPr>
-            <a:lvl9pPr marL="3886200" indent="-228600" defTabSz="2193925" eaLnBrk="0" fontAlgn="base" hangingPunct="0">
-              <a:spcBef>
-                <a:spcPct val="0"/>
-              </a:spcBef>
-              <a:spcAft>
-                <a:spcPct val="0"/>
-              </a:spcAft>
-              <a:defRPr sz="8600">
-                <a:solidFill>
-                  <a:schemeClr val="tx1"/>
-                </a:solidFill>
-                <a:latin typeface="Arial" charset="0"/>
-                <a:ea typeface="ＭＳ Ｐゴシック" charset="0"/>
-              </a:defRPr>
-            </a:lvl9pPr>
-          </a:lstStyle>
-          <a:p>
-            <a:pPr eaLnBrk="1" hangingPunct="1"/>
-            <a:r>
-              <a:rPr lang="en-AU" sz="2000" i="1"/>
-              <a:t>Captions set in a serif style font such as Times, 18 to 24 size, italic style. </a:t>
-            </a:r>
-          </a:p>
-          <a:p>
-            <a:pPr eaLnBrk="1" hangingPunct="1"/>
-            <a:endParaRPr lang="en-AU" sz="2000" i="1"/>
-          </a:p>
-          <a:p>
-            <a:pPr eaLnBrk="1" hangingPunct="1"/>
-            <a:r>
-              <a:rPr lang="en-US" sz="2000" i="1"/>
-              <a:t>Duis autem vel eum iriure dolor in hendrerit in vulputate velit esse molestie consequat.</a:t>
-            </a:r>
-            <a:endParaRPr lang="en-AU" sz="2000" i="1"/>
-          </a:p>
-        </p:txBody>
-      </p:sp>
-      <p:sp>
-        <p:nvSpPr>
-          <p:cNvPr id="15381" name="Rectangle 21"/>
-          <p:cNvSpPr>
-            <a:spLocks noChangeArrowheads="1"/>
-          </p:cNvSpPr>
-          <p:nvPr/>
-        </p:nvSpPr>
-        <p:spPr bwMode="auto">
-          <a:xfrm>
-            <a:off x="22794913" y="17724438"/>
-            <a:ext cx="5399087" cy="3598862"/>
-          </a:xfrm>
-          <a:prstGeom prst="rect">
-            <a:avLst/>
-          </a:prstGeom>
-          <a:solidFill>
-            <a:srgbClr val="EEEEEE"/>
-          </a:solidFill>
-          <a:ln w="9525">
-            <a:solidFill>
-              <a:schemeClr val="tx1"/>
-            </a:solidFill>
-            <a:miter lim="800000"/>
-            <a:headEnd/>
-            <a:tailEnd/>
-          </a:ln>
-        </p:spPr>
-        <p:txBody>
-          <a:bodyPr wrap="none" anchor="ctr"/>
-          <a:lstStyle/>
-          <a:p>
-            <a:endParaRPr lang="en-US"/>
-          </a:p>
-        </p:txBody>
-      </p:sp>
-      <p:sp>
-        <p:nvSpPr>
-          <p:cNvPr id="15382" name="Text Box 22"/>
-          <p:cNvSpPr txBox="1">
-            <a:spLocks noChangeArrowheads="1"/>
-          </p:cNvSpPr>
-          <p:nvPr/>
-        </p:nvSpPr>
-        <p:spPr bwMode="auto">
-          <a:xfrm>
-            <a:off x="28205113" y="17518063"/>
-            <a:ext cx="3505200" cy="2825750"/>
-          </a:xfrm>
-          <a:prstGeom prst="rect">
-            <a:avLst/>
-          </a:prstGeom>
-          <a:noFill/>
-          <a:ln>
-            <a:noFill/>
-          </a:ln>
-          <a:extLst>
-            <a:ext uri="{909E8E84-426E-40dd-AFC4-6F175D3DCCD1}">
-              <a14:hiddenFill xmlns="" xmlns:a14="http://schemas.microsoft.com/office/drawing/2010/main">
-                <a:solidFill>
-                  <a:srgbClr val="FFFFFF"/>
-                </a:solidFill>
-              </a14:hiddenFill>
-            </a:ext>
-            <a:ext uri="{91240B29-F687-4f45-9708-019B960494DF}">
-              <a14:hiddenLine xmlns="" xmlns:a14="http://schemas.microsoft.com/office/drawing/2010/main" w="9525">
-                <a:solidFill>
-                  <a:srgbClr val="000000"/>
-                </a:solidFill>
-                <a:miter lim="800000"/>
-                <a:headEnd/>
-                <a:tailEnd/>
-              </a14:hiddenLine>
-            </a:ext>
-          </a:extLst>
-        </p:spPr>
-        <p:txBody>
-          <a:bodyPr lIns="180000" tIns="180000" rIns="180000" bIns="180000">
-            <a:spAutoFit/>
-          </a:bodyPr>
-          <a:lstStyle>
-            <a:lvl1pPr eaLnBrk="0" hangingPunct="0">
-              <a:defRPr sz="8600">
-                <a:solidFill>
-                  <a:schemeClr val="tx1"/>
-                </a:solidFill>
-                <a:latin typeface="Arial" charset="0"/>
-                <a:ea typeface="ＭＳ Ｐゴシック" charset="0"/>
-                <a:cs typeface="ＭＳ Ｐゴシック" charset="0"/>
-              </a:defRPr>
-            </a:lvl1pPr>
-            <a:lvl2pPr marL="742950" indent="-285750" eaLnBrk="0" hangingPunct="0">
-              <a:defRPr sz="8600">
-                <a:solidFill>
-                  <a:schemeClr val="tx1"/>
-                </a:solidFill>
-                <a:latin typeface="Arial" charset="0"/>
-                <a:ea typeface="ＭＳ Ｐゴシック" charset="0"/>
-              </a:defRPr>
-            </a:lvl2pPr>
-            <a:lvl3pPr marL="1143000" indent="-228600" eaLnBrk="0" hangingPunct="0">
-              <a:defRPr sz="8600">
-                <a:solidFill>
-                  <a:schemeClr val="tx1"/>
-                </a:solidFill>
-                <a:latin typeface="Arial" charset="0"/>
-                <a:ea typeface="ＭＳ Ｐゴシック" charset="0"/>
-              </a:defRPr>
-            </a:lvl3pPr>
-            <a:lvl4pPr marL="1600200" indent="-228600" eaLnBrk="0" hangingPunct="0">
-              <a:defRPr sz="8600">
-                <a:solidFill>
-                  <a:schemeClr val="tx1"/>
-                </a:solidFill>
-                <a:latin typeface="Arial" charset="0"/>
-                <a:ea typeface="ＭＳ Ｐゴシック" charset="0"/>
-              </a:defRPr>
-            </a:lvl4pPr>
-            <a:lvl5pPr marL="2057400" indent="-228600" eaLnBrk="0" hangingPunct="0">
-              <a:defRPr sz="8600">
-                <a:solidFill>
-                  <a:schemeClr val="tx1"/>
-                </a:solidFill>
-                <a:latin typeface="Arial" charset="0"/>
-                <a:ea typeface="ＭＳ Ｐゴシック" charset="0"/>
-              </a:defRPr>
-            </a:lvl5pPr>
-            <a:lvl6pPr marL="2514600" indent="-228600" defTabSz="2193925" eaLnBrk="0" fontAlgn="base" hangingPunct="0">
-              <a:spcBef>
-                <a:spcPct val="0"/>
-              </a:spcBef>
-              <a:spcAft>
-                <a:spcPct val="0"/>
-              </a:spcAft>
-              <a:defRPr sz="8600">
-                <a:solidFill>
-                  <a:schemeClr val="tx1"/>
-                </a:solidFill>
-                <a:latin typeface="Arial" charset="0"/>
-                <a:ea typeface="ＭＳ Ｐゴシック" charset="0"/>
-              </a:defRPr>
-            </a:lvl6pPr>
-            <a:lvl7pPr marL="2971800" indent="-228600" defTabSz="2193925" eaLnBrk="0" fontAlgn="base" hangingPunct="0">
-              <a:spcBef>
-                <a:spcPct val="0"/>
-              </a:spcBef>
-              <a:spcAft>
-                <a:spcPct val="0"/>
-              </a:spcAft>
-              <a:defRPr sz="8600">
-                <a:solidFill>
-                  <a:schemeClr val="tx1"/>
-                </a:solidFill>
-                <a:latin typeface="Arial" charset="0"/>
-                <a:ea typeface="ＭＳ Ｐゴシック" charset="0"/>
-              </a:defRPr>
-            </a:lvl7pPr>
-            <a:lvl8pPr marL="3429000" indent="-228600" defTabSz="2193925" eaLnBrk="0" fontAlgn="base" hangingPunct="0">
-              <a:spcBef>
-                <a:spcPct val="0"/>
-              </a:spcBef>
-              <a:spcAft>
-                <a:spcPct val="0"/>
-              </a:spcAft>
-              <a:defRPr sz="8600">
-                <a:solidFill>
-                  <a:schemeClr val="tx1"/>
-                </a:solidFill>
-                <a:latin typeface="Arial" charset="0"/>
-                <a:ea typeface="ＭＳ Ｐゴシック" charset="0"/>
-              </a:defRPr>
-            </a:lvl8pPr>
-            <a:lvl9pPr marL="3886200" indent="-228600" defTabSz="2193925" eaLnBrk="0" fontAlgn="base" hangingPunct="0">
-              <a:spcBef>
-                <a:spcPct val="0"/>
-              </a:spcBef>
-              <a:spcAft>
-                <a:spcPct val="0"/>
-              </a:spcAft>
-              <a:defRPr sz="8600">
-                <a:solidFill>
-                  <a:schemeClr val="tx1"/>
-                </a:solidFill>
-                <a:latin typeface="Arial" charset="0"/>
-                <a:ea typeface="ＭＳ Ｐゴシック" charset="0"/>
-              </a:defRPr>
-            </a:lvl9pPr>
-          </a:lstStyle>
-          <a:p>
-            <a:pPr eaLnBrk="1" hangingPunct="1"/>
-            <a:r>
-              <a:rPr lang="en-AU" sz="2000" i="1"/>
-              <a:t>Captions set in a serif style font such as Times, 18 to 24 size, italic style. </a:t>
-            </a:r>
-          </a:p>
-          <a:p>
-            <a:pPr eaLnBrk="1" hangingPunct="1"/>
-            <a:endParaRPr lang="en-AU" sz="2000" i="1"/>
-          </a:p>
-          <a:p>
-            <a:pPr eaLnBrk="1" hangingPunct="1"/>
-            <a:r>
-              <a:rPr lang="en-US" sz="2000" i="1"/>
-              <a:t>Duis autem vel eum iriure dolor in hendrerit in vulputate velit esse molestie consequat.</a:t>
-            </a:r>
-            <a:endParaRPr lang="en-AU" sz="2000" i="1"/>
           </a:p>
         </p:txBody>
       </p:sp>
@@ -8697,8 +7939,8 @@
         </p:blipFill>
         <p:spPr>
           <a:xfrm>
-            <a:off x="22421850" y="7008813"/>
-            <a:ext cx="5506096" cy="4121795"/>
+            <a:off x="27113029" y="6282510"/>
+            <a:ext cx="5043371" cy="3775405"/>
           </a:xfrm>
           <a:prstGeom prst="rect">
             <a:avLst/>
@@ -8713,8 +7955,8 @@
         </p:nvSpPr>
         <p:spPr>
           <a:xfrm>
-            <a:off x="29165550" y="7184202"/>
-            <a:ext cx="2285106" cy="1384995"/>
+            <a:off x="27091175" y="10234474"/>
+            <a:ext cx="5093418" cy="523220"/>
           </a:xfrm>
           <a:prstGeom prst="rect">
             <a:avLst/>
@@ -8728,10 +7970,334 @@
           <a:lstStyle/>
           <a:p>
             <a:r>
-              <a:rPr lang="en-US" sz="2800" dirty="0" smtClean="0"/>
+              <a:rPr lang="en-US" sz="2800" dirty="0"/>
               <a:t>Data reduced to 3 dimensions</a:t>
             </a:r>
-            <a:endParaRPr lang="en-US" sz="2800" dirty="0"/>
+          </a:p>
+        </p:txBody>
+      </p:sp>
+      <p:pic>
+        <p:nvPicPr>
+          <p:cNvPr id="6" name="Picture 5">
+            <a:extLst>
+              <a:ext uri="{FF2B5EF4-FFF2-40B4-BE49-F238E27FC236}">
+                <a16:creationId xmlns:a16="http://schemas.microsoft.com/office/drawing/2014/main" id="{FF1009FD-E928-DD4A-AFCB-B2FDEBC325D6}"/>
+              </a:ext>
+            </a:extLst>
+          </p:cNvPr>
+          <p:cNvPicPr>
+            <a:picLocks noChangeAspect="1"/>
+          </p:cNvPicPr>
+          <p:nvPr/>
+        </p:nvPicPr>
+        <p:blipFill>
+          <a:blip r:embed="rId6"/>
+          <a:stretch>
+            <a:fillRect/>
+          </a:stretch>
+        </p:blipFill>
+        <p:spPr>
+          <a:xfrm>
+            <a:off x="22421850" y="11096594"/>
+            <a:ext cx="4927784" cy="4075672"/>
+          </a:xfrm>
+          <a:prstGeom prst="rect">
+            <a:avLst/>
+          </a:prstGeom>
+        </p:spPr>
+      </p:pic>
+      <p:sp>
+        <p:nvSpPr>
+          <p:cNvPr id="22" name="TextBox 21">
+            <a:extLst>
+              <a:ext uri="{FF2B5EF4-FFF2-40B4-BE49-F238E27FC236}">
+                <a16:creationId xmlns:a16="http://schemas.microsoft.com/office/drawing/2014/main" id="{8059BE91-239C-C944-9904-6A5963AAF874}"/>
+              </a:ext>
+            </a:extLst>
+          </p:cNvPr>
+          <p:cNvSpPr txBox="1"/>
+          <p:nvPr/>
+        </p:nvSpPr>
+        <p:spPr>
+          <a:xfrm>
+            <a:off x="23874499" y="15163934"/>
+            <a:ext cx="2285106" cy="523220"/>
+          </a:xfrm>
+          <a:prstGeom prst="rect">
+            <a:avLst/>
+          </a:prstGeom>
+          <a:noFill/>
+        </p:spPr>
+        <p:txBody>
+          <a:bodyPr wrap="square" rtlCol="0">
+            <a:spAutoFit/>
+          </a:bodyPr>
+          <a:lstStyle/>
+          <a:p>
+            <a:r>
+              <a:rPr lang="en-US" sz="2800" dirty="0"/>
+              <a:t>k-NN 81%</a:t>
+            </a:r>
+          </a:p>
+        </p:txBody>
+      </p:sp>
+      <p:pic>
+        <p:nvPicPr>
+          <p:cNvPr id="8" name="Picture 7">
+            <a:extLst>
+              <a:ext uri="{FF2B5EF4-FFF2-40B4-BE49-F238E27FC236}">
+                <a16:creationId xmlns:a16="http://schemas.microsoft.com/office/drawing/2014/main" id="{F53EEA8C-CB4B-7846-8FD1-C945C28EC753}"/>
+              </a:ext>
+            </a:extLst>
+          </p:cNvPr>
+          <p:cNvPicPr>
+            <a:picLocks noChangeAspect="1"/>
+          </p:cNvPicPr>
+          <p:nvPr/>
+        </p:nvPicPr>
+        <p:blipFill>
+          <a:blip r:embed="rId7"/>
+          <a:stretch>
+            <a:fillRect/>
+          </a:stretch>
+        </p:blipFill>
+        <p:spPr>
+          <a:xfrm>
+            <a:off x="27275675" y="11085270"/>
+            <a:ext cx="4880725" cy="4076745"/>
+          </a:xfrm>
+          <a:prstGeom prst="rect">
+            <a:avLst/>
+          </a:prstGeom>
+        </p:spPr>
+      </p:pic>
+      <p:sp>
+        <p:nvSpPr>
+          <p:cNvPr id="25" name="TextBox 24">
+            <a:extLst>
+              <a:ext uri="{FF2B5EF4-FFF2-40B4-BE49-F238E27FC236}">
+                <a16:creationId xmlns:a16="http://schemas.microsoft.com/office/drawing/2014/main" id="{CEE1A563-FA37-9143-9886-7511BBD88EFF}"/>
+              </a:ext>
+            </a:extLst>
+          </p:cNvPr>
+          <p:cNvSpPr txBox="1"/>
+          <p:nvPr/>
+        </p:nvSpPr>
+        <p:spPr>
+          <a:xfrm>
+            <a:off x="29102598" y="15179198"/>
+            <a:ext cx="2285106" cy="523220"/>
+          </a:xfrm>
+          <a:prstGeom prst="rect">
+            <a:avLst/>
+          </a:prstGeom>
+          <a:noFill/>
+        </p:spPr>
+        <p:txBody>
+          <a:bodyPr wrap="square" rtlCol="0">
+            <a:spAutoFit/>
+          </a:bodyPr>
+          <a:lstStyle/>
+          <a:p>
+            <a:r>
+              <a:rPr lang="en-US" sz="2800" dirty="0"/>
+              <a:t>SVM 84%</a:t>
+            </a:r>
+          </a:p>
+        </p:txBody>
+      </p:sp>
+      <p:pic>
+        <p:nvPicPr>
+          <p:cNvPr id="10" name="Picture 9">
+            <a:extLst>
+              <a:ext uri="{FF2B5EF4-FFF2-40B4-BE49-F238E27FC236}">
+                <a16:creationId xmlns:a16="http://schemas.microsoft.com/office/drawing/2014/main" id="{B4621072-E207-4E41-A58F-FEC4F97B2819}"/>
+              </a:ext>
+            </a:extLst>
+          </p:cNvPr>
+          <p:cNvPicPr>
+            <a:picLocks noChangeAspect="1"/>
+          </p:cNvPicPr>
+          <p:nvPr/>
+        </p:nvPicPr>
+        <p:blipFill>
+          <a:blip r:embed="rId8"/>
+          <a:stretch>
+            <a:fillRect/>
+          </a:stretch>
+        </p:blipFill>
+        <p:spPr>
+          <a:xfrm>
+            <a:off x="27349634" y="15665525"/>
+            <a:ext cx="4711314" cy="4079982"/>
+          </a:xfrm>
+          <a:prstGeom prst="rect">
+            <a:avLst/>
+          </a:prstGeom>
+        </p:spPr>
+      </p:pic>
+      <p:sp>
+        <p:nvSpPr>
+          <p:cNvPr id="28" name="TextBox 27">
+            <a:extLst>
+              <a:ext uri="{FF2B5EF4-FFF2-40B4-BE49-F238E27FC236}">
+                <a16:creationId xmlns:a16="http://schemas.microsoft.com/office/drawing/2014/main" id="{DFD90288-D91C-864E-AFE3-9B4CDAB7DAC8}"/>
+              </a:ext>
+            </a:extLst>
+          </p:cNvPr>
+          <p:cNvSpPr txBox="1"/>
+          <p:nvPr/>
+        </p:nvSpPr>
+        <p:spPr>
+          <a:xfrm>
+            <a:off x="23874499" y="19898380"/>
+            <a:ext cx="2610880" cy="523220"/>
+          </a:xfrm>
+          <a:prstGeom prst="rect">
+            <a:avLst/>
+          </a:prstGeom>
+          <a:noFill/>
+        </p:spPr>
+        <p:txBody>
+          <a:bodyPr wrap="square" rtlCol="0">
+            <a:spAutoFit/>
+          </a:bodyPr>
+          <a:lstStyle/>
+          <a:p>
+            <a:r>
+              <a:rPr lang="en-US" sz="2800" dirty="0"/>
+              <a:t>Gaussian 85%</a:t>
+            </a:r>
+          </a:p>
+        </p:txBody>
+      </p:sp>
+      <p:pic>
+        <p:nvPicPr>
+          <p:cNvPr id="12" name="Picture 11">
+            <a:extLst>
+              <a:ext uri="{FF2B5EF4-FFF2-40B4-BE49-F238E27FC236}">
+                <a16:creationId xmlns:a16="http://schemas.microsoft.com/office/drawing/2014/main" id="{37B458A6-CF92-1146-A24B-A209DE5C2A30}"/>
+              </a:ext>
+            </a:extLst>
+          </p:cNvPr>
+          <p:cNvPicPr>
+            <a:picLocks noChangeAspect="1"/>
+          </p:cNvPicPr>
+          <p:nvPr/>
+        </p:nvPicPr>
+        <p:blipFill>
+          <a:blip r:embed="rId9"/>
+          <a:stretch>
+            <a:fillRect/>
+          </a:stretch>
+        </p:blipFill>
+        <p:spPr>
+          <a:xfrm>
+            <a:off x="22367262" y="6297234"/>
+            <a:ext cx="4924092" cy="3713518"/>
+          </a:xfrm>
+          <a:prstGeom prst="rect">
+            <a:avLst/>
+          </a:prstGeom>
+        </p:spPr>
+      </p:pic>
+      <p:sp>
+        <p:nvSpPr>
+          <p:cNvPr id="31" name="TextBox 30">
+            <a:extLst>
+              <a:ext uri="{FF2B5EF4-FFF2-40B4-BE49-F238E27FC236}">
+                <a16:creationId xmlns:a16="http://schemas.microsoft.com/office/drawing/2014/main" id="{1C1BC384-0934-C248-99E0-C3CC457072CB}"/>
+              </a:ext>
+            </a:extLst>
+          </p:cNvPr>
+          <p:cNvSpPr txBox="1"/>
+          <p:nvPr/>
+        </p:nvSpPr>
+        <p:spPr>
+          <a:xfrm>
+            <a:off x="22298407" y="10230308"/>
+            <a:ext cx="5093418" cy="523220"/>
+          </a:xfrm>
+          <a:prstGeom prst="rect">
+            <a:avLst/>
+          </a:prstGeom>
+          <a:noFill/>
+        </p:spPr>
+        <p:txBody>
+          <a:bodyPr wrap="square" rtlCol="0">
+            <a:spAutoFit/>
+          </a:bodyPr>
+          <a:lstStyle/>
+          <a:p>
+            <a:r>
+              <a:rPr lang="en-US" sz="2800" dirty="0"/>
+              <a:t>Data reduced to 2 dimensions</a:t>
+            </a:r>
+          </a:p>
+        </p:txBody>
+      </p:sp>
+      <p:pic>
+        <p:nvPicPr>
+          <p:cNvPr id="14" name="Picture 13">
+            <a:extLst>
+              <a:ext uri="{FF2B5EF4-FFF2-40B4-BE49-F238E27FC236}">
+                <a16:creationId xmlns:a16="http://schemas.microsoft.com/office/drawing/2014/main" id="{D025AAA8-75A6-0C40-AD3C-C4E8D450015B}"/>
+              </a:ext>
+            </a:extLst>
+          </p:cNvPr>
+          <p:cNvPicPr>
+            <a:picLocks noChangeAspect="1"/>
+          </p:cNvPicPr>
+          <p:nvPr/>
+        </p:nvPicPr>
+        <p:blipFill>
+          <a:blip r:embed="rId10"/>
+          <a:stretch>
+            <a:fillRect/>
+          </a:stretch>
+        </p:blipFill>
+        <p:spPr>
+          <a:xfrm>
+            <a:off x="22518685" y="15687154"/>
+            <a:ext cx="4572490" cy="3972446"/>
+          </a:xfrm>
+          <a:prstGeom prst="rect">
+            <a:avLst/>
+          </a:prstGeom>
+        </p:spPr>
+      </p:pic>
+      <p:sp>
+        <p:nvSpPr>
+          <p:cNvPr id="34" name="TextBox 33">
+            <a:extLst>
+              <a:ext uri="{FF2B5EF4-FFF2-40B4-BE49-F238E27FC236}">
+                <a16:creationId xmlns:a16="http://schemas.microsoft.com/office/drawing/2014/main" id="{CF82B09D-0455-774B-AEBF-2B6CDD0BA95D}"/>
+              </a:ext>
+            </a:extLst>
+          </p:cNvPr>
+          <p:cNvSpPr txBox="1"/>
+          <p:nvPr/>
+        </p:nvSpPr>
+        <p:spPr>
+          <a:xfrm>
+            <a:off x="28186481" y="19858138"/>
+            <a:ext cx="2889676" cy="523220"/>
+          </a:xfrm>
+          <a:prstGeom prst="rect">
+            <a:avLst/>
+          </a:prstGeom>
+          <a:noFill/>
+        </p:spPr>
+        <p:txBody>
+          <a:bodyPr wrap="square" rtlCol="0">
+            <a:spAutoFit/>
+          </a:bodyPr>
+          <a:lstStyle/>
+          <a:p>
+            <a:r>
+              <a:rPr lang="en-US" sz="2800" dirty="0"/>
+              <a:t>3-layer NN 88%</a:t>
+            </a:r>
           </a:p>
         </p:txBody>
       </p:sp>

--- a/598_Poster.pptx
+++ b/598_Poster.pptx
@@ -6869,18 +6869,11 @@
           <a:p>
             <a:pPr algn="just"/>
             <a:r>
-              <a:rPr lang="en-US" sz="2800" dirty="0" err="1">
+              <a:rPr lang="en-US" sz="2800" dirty="0">
                 <a:latin typeface="Georgia" charset="0"/>
                 <a:cs typeface="Georgia" charset="0"/>
               </a:rPr>
-              <a:t>Marsyas</a:t>
-            </a:r>
-            <a:r>
-              <a:rPr lang="en-US" sz="2800" dirty="0">
-                <a:latin typeface="Georgia" charset="0"/>
-                <a:cs typeface="Georgia" charset="0"/>
-              </a:rPr>
-              <a:t> is an open source software framework for Music Information Retrieval with the GTZAN Genre Collection Database, which has 10 genres and each genre has 100 30-second audio tracks. All the tracks are 22050 Hz Mono 16-bit audio files in .au format. For this project, we chose five distinct genres; classical, metal, blues, pop,  country. Hence, our dataset was 500 songs total, from which we used 80% for training and 20% for testing. </a:t>
+              <a:t>For this project, we chose five distinct genres; classical, metal, blues, pop, country. Hence, our dataset was 500 songs total, from which we used 80% for training and 20% for testing. </a:t>
             </a:r>
           </a:p>
           <a:p>
@@ -7033,15 +7026,48 @@
               </a:rPr>
               <a:t> to generate convolutional neural networks and perform genre classification with deep learning. </a:t>
             </a:r>
+          </a:p>
+          <a:p>
+            <a:pPr algn="just"/>
+            <a:endParaRPr lang="en-US" sz="2800" dirty="0">
+              <a:latin typeface="Georgia" charset="0"/>
+            </a:endParaRPr>
+          </a:p>
+          <a:p>
+            <a:pPr algn="just"/>
+            <a:r>
+              <a:rPr lang="en-US" sz="2800" dirty="0">
+                <a:latin typeface="Georgia" charset="0"/>
+              </a:rPr>
+              <a:t>For musical data, </a:t>
+            </a:r>
+            <a:r>
+              <a:rPr lang="en-US" sz="2800" dirty="0" err="1">
+                <a:latin typeface="Georgia" charset="0"/>
+                <a:cs typeface="Georgia" charset="0"/>
+              </a:rPr>
+              <a:t>Marsyas</a:t>
+            </a:r>
+            <a:r>
+              <a:rPr lang="en-US" sz="2800" dirty="0">
+                <a:latin typeface="Georgia" charset="0"/>
+                <a:cs typeface="Georgia" charset="0"/>
+              </a:rPr>
+              <a:t> is an open source software framework for Music Information Retrieval with the GTZAN Genre Collection Database, which has 10 genres and each genre has 100 30-second audio tracks. All the tracks are 22050 Hz Mono 16-bit audio files in .au format. </a:t>
+            </a:r>
             <a:endParaRPr lang="en-US" sz="2800" dirty="0"/>
           </a:p>
           <a:p>
-            <a:endParaRPr lang="en-US" sz="2800" b="1" dirty="0"/>
+            <a:endParaRPr lang="en-US" sz="2800" b="1" dirty="0">
+              <a:latin typeface="Georgia" panose="02040502050405020303" pitchFamily="18" charset="0"/>
+            </a:endParaRPr>
           </a:p>
           <a:p>
             <a:pPr algn="just"/>
             <a:r>
-              <a:rPr lang="en-US" sz="2800" dirty="0"/>
+              <a:rPr lang="en-US" sz="2800" dirty="0">
+                <a:latin typeface="Georgia" panose="02040502050405020303" pitchFamily="18" charset="0"/>
+              </a:rPr>
               <a:t>For feature extraction, we used Mel Frequency Cepstral Coefficients (MFCC) to characterize musical data as MFCC usually produces promising results for non-speech signals. After using MFCC, we also used Principal Component Analysis (PCA) to further reduce dimensionality of our data. </a:t>
             </a:r>
           </a:p>
@@ -7127,7 +7153,7 @@
                   <a:rPr lang="en-US" sz="2800" dirty="0">
                     <a:latin typeface="Georgia" charset="0"/>
                   </a:rPr>
-                  <a:t>	We used the simple, but effective k-NN algorithm for genre classification. After our experiments, we found out that k = 8 was the best hyperparameter. We used Euclidean distance to compute the distance between two data points. </a:t>
+                  <a:t>	We used the simple, but effective k-NN algorithm for genre classification. After our experiments, we found out that k = 5 was the best hyperparameter. We used Euclidean distance to compute the distance between two data points. </a:t>
                 </a:r>
               </a:p>
               <a:p>
@@ -7464,18 +7490,11 @@
               <a:p>
                 <a:pPr marL="381000" indent="-381000"/>
                 <a:r>
-                  <a:rPr lang="en-US" sz="2800" b="1">
-                    <a:latin typeface="Georgia" charset="0"/>
-                    <a:cs typeface="Georgia" charset="0"/>
-                  </a:rPr>
-                  <a:t>Simple 3-layer </a:t>
-                </a:r>
-                <a:r>
                   <a:rPr lang="en-US" sz="2800" b="1" dirty="0">
                     <a:latin typeface="Georgia" charset="0"/>
                     <a:cs typeface="Georgia" charset="0"/>
                   </a:rPr>
-                  <a:t>Neural Network:</a:t>
+                  <a:t>Simple 3-layer Neural Network:</a:t>
                 </a:r>
               </a:p>
               <a:p>
@@ -7548,6 +7567,30 @@
                     <a:cs typeface="Georgia" charset="0"/>
                   </a:rPr>
                   <a:t>	To finish out our experiments, we tried a couple of different convolutional neural network architectures.</a:t>
+                </a:r>
+              </a:p>
+              <a:p>
+                <a:pPr marL="381000" indent="-381000"/>
+                <a:endParaRPr lang="en-US" sz="2800" dirty="0">
+                  <a:latin typeface="Georgia" charset="0"/>
+                  <a:cs typeface="Georgia" charset="0"/>
+                </a:endParaRPr>
+              </a:p>
+              <a:p>
+                <a:pPr marL="381000" indent="-381000"/>
+                <a:endParaRPr lang="en-US" sz="2800" dirty="0">
+                  <a:latin typeface="Georgia" charset="0"/>
+                  <a:cs typeface="Georgia" charset="0"/>
+                </a:endParaRPr>
+              </a:p>
+              <a:p>
+                <a:pPr marL="381000" indent="-381000"/>
+                <a:r>
+                  <a:rPr lang="en-US" sz="2800" dirty="0">
+                    <a:latin typeface="Georgia" charset="0"/>
+                    <a:cs typeface="Georgia" charset="0"/>
+                  </a:rPr>
+                  <a:t># Add Neural Network Architectures and some plots</a:t>
                 </a:r>
               </a:p>
             </p:txBody>

--- a/598_Poster.pptx
+++ b/598_Poster.pptx
@@ -260,7 +260,7 @@
               <a:pPr>
                 <a:defRPr/>
               </a:pPr>
-              <a:t>12/5/18</a:t>
+              <a:t>12/6/18</a:t>
             </a:fld>
             <a:endParaRPr lang="en-US"/>
           </a:p>
@@ -837,7 +837,7 @@
               <a:pPr>
                 <a:defRPr/>
               </a:pPr>
-              <a:t>12/5/18</a:t>
+              <a:t>12/6/18</a:t>
             </a:fld>
             <a:endParaRPr lang="en-US"/>
           </a:p>
@@ -1072,7 +1072,7 @@
               <a:pPr>
                 <a:defRPr/>
               </a:pPr>
-              <a:t>12/5/18</a:t>
+              <a:t>12/6/18</a:t>
             </a:fld>
             <a:endParaRPr lang="en-US"/>
           </a:p>
@@ -1482,7 +1482,7 @@
               <a:pPr>
                 <a:defRPr/>
               </a:pPr>
-              <a:t>12/5/18</a:t>
+              <a:t>12/6/18</a:t>
             </a:fld>
             <a:endParaRPr lang="en-US"/>
           </a:p>
@@ -1832,7 +1832,7 @@
               <a:pPr>
                 <a:defRPr/>
               </a:pPr>
-              <a:t>12/5/18</a:t>
+              <a:t>12/6/18</a:t>
             </a:fld>
             <a:endParaRPr lang="en-US"/>
           </a:p>
@@ -2322,7 +2322,7 @@
               <a:pPr>
                 <a:defRPr/>
               </a:pPr>
-              <a:t>12/5/18</a:t>
+              <a:t>12/6/18</a:t>
             </a:fld>
             <a:endParaRPr lang="en-US"/>
           </a:p>
@@ -2498,7 +2498,7 @@
               <a:pPr>
                 <a:defRPr/>
               </a:pPr>
-              <a:t>12/5/18</a:t>
+              <a:t>12/6/18</a:t>
             </a:fld>
             <a:endParaRPr lang="en-US"/>
           </a:p>
@@ -2644,7 +2644,7 @@
               <a:pPr>
                 <a:defRPr/>
               </a:pPr>
-              <a:t>12/5/18</a:t>
+              <a:t>12/6/18</a:t>
             </a:fld>
             <a:endParaRPr lang="en-US"/>
           </a:p>
@@ -2979,7 +2979,7 @@
               <a:pPr>
                 <a:defRPr/>
               </a:pPr>
-              <a:t>12/5/18</a:t>
+              <a:t>12/6/18</a:t>
             </a:fld>
             <a:endParaRPr lang="en-US"/>
           </a:p>
@@ -3297,7 +3297,7 @@
               <a:pPr>
                 <a:defRPr/>
               </a:pPr>
-              <a:t>12/5/18</a:t>
+              <a:t>12/6/18</a:t>
             </a:fld>
             <a:endParaRPr lang="en-US"/>
           </a:p>
@@ -3866,14 +3866,14 @@
           </a:ln>
           <a:extLst>
             <a:ext uri="{909E8E84-426E-40dd-AFC4-6F175D3DCCD1}">
-              <a14:hiddenFill xmlns:a14="http://schemas.microsoft.com/office/drawing/2010/main" xmlns="">
+              <a14:hiddenFill xmlns="" xmlns:a14="http://schemas.microsoft.com/office/drawing/2010/main">
                 <a:solidFill>
                   <a:srgbClr val="FFFFFF"/>
                 </a:solidFill>
               </a14:hiddenFill>
             </a:ext>
             <a:ext uri="{91240B29-F687-4f45-9708-019B960494DF}">
-              <a14:hiddenLine xmlns:a14="http://schemas.microsoft.com/office/drawing/2010/main" xmlns="" w="9525">
+              <a14:hiddenLine xmlns="" xmlns:a14="http://schemas.microsoft.com/office/drawing/2010/main" w="9525">
                 <a:solidFill>
                   <a:srgbClr val="000000"/>
                 </a:solidFill>
@@ -3940,14 +3940,14 @@
           </a:ln>
           <a:extLst>
             <a:ext uri="{909E8E84-426E-40dd-AFC4-6F175D3DCCD1}">
-              <a14:hiddenFill xmlns:a14="http://schemas.microsoft.com/office/drawing/2010/main" xmlns="">
+              <a14:hiddenFill xmlns="" xmlns:a14="http://schemas.microsoft.com/office/drawing/2010/main">
                 <a:solidFill>
                   <a:srgbClr val="FFFFFF"/>
                 </a:solidFill>
               </a14:hiddenFill>
             </a:ext>
             <a:ext uri="{91240B29-F687-4f45-9708-019B960494DF}">
-              <a14:hiddenLine xmlns:a14="http://schemas.microsoft.com/office/drawing/2010/main" xmlns="" w="9525">
+              <a14:hiddenLine xmlns="" xmlns:a14="http://schemas.microsoft.com/office/drawing/2010/main" w="9525">
                 <a:solidFill>
                   <a:srgbClr val="000000"/>
                 </a:solidFill>
@@ -4150,7 +4150,7 @@
           </a:ln>
           <a:extLst>
             <a:ext uri="{91240B29-F687-4f45-9708-019B960494DF}">
-              <a14:hiddenLine xmlns:a14="http://schemas.microsoft.com/office/drawing/2010/main" xmlns="" w="9525">
+              <a14:hiddenLine xmlns="" xmlns:a14="http://schemas.microsoft.com/office/drawing/2010/main" w="9525">
                 <a:solidFill>
                   <a:srgbClr val="000000"/>
                 </a:solidFill>
@@ -4240,7 +4240,7 @@
           </a:ln>
           <a:extLst>
             <a:ext uri="{91240B29-F687-4f45-9708-019B960494DF}">
-              <a14:hiddenLine xmlns:a14="http://schemas.microsoft.com/office/drawing/2010/main" xmlns="" w="9525">
+              <a14:hiddenLine xmlns="" xmlns:a14="http://schemas.microsoft.com/office/drawing/2010/main" w="9525">
                 <a:solidFill>
                   <a:srgbClr val="000000"/>
                 </a:solidFill>
@@ -4380,7 +4380,7 @@
           </a:ln>
           <a:extLst>
             <a:ext uri="{91240B29-F687-4f45-9708-019B960494DF}">
-              <a14:hiddenLine xmlns:a14="http://schemas.microsoft.com/office/drawing/2010/main" xmlns="" w="9525">
+              <a14:hiddenLine xmlns="" xmlns:a14="http://schemas.microsoft.com/office/drawing/2010/main" w="9525">
                 <a:solidFill>
                   <a:srgbClr val="000000"/>
                 </a:solidFill>
@@ -4586,7 +4586,7 @@
           </a:ln>
           <a:extLst>
             <a:ext uri="{91240B29-F687-4f45-9708-019B960494DF}">
-              <a14:hiddenLine xmlns:a14="http://schemas.microsoft.com/office/drawing/2010/main" xmlns="" w="9525">
+              <a14:hiddenLine xmlns="" xmlns:a14="http://schemas.microsoft.com/office/drawing/2010/main" w="9525">
                 <a:solidFill>
                   <a:srgbClr val="000000"/>
                 </a:solidFill>
@@ -4780,7 +4780,7 @@
           </a:ln>
           <a:extLst>
             <a:ext uri="{91240B29-F687-4f45-9708-019B960494DF}">
-              <a14:hiddenLine xmlns:a14="http://schemas.microsoft.com/office/drawing/2010/main" xmlns="" w="9525">
+              <a14:hiddenLine xmlns="" xmlns:a14="http://schemas.microsoft.com/office/drawing/2010/main" w="9525">
                 <a:solidFill>
                   <a:srgbClr val="000000"/>
                 </a:solidFill>
@@ -4990,7 +4990,7 @@
           </a:ln>
           <a:extLst>
             <a:ext uri="{91240B29-F687-4f45-9708-019B960494DF}">
-              <a14:hiddenLine xmlns:a14="http://schemas.microsoft.com/office/drawing/2010/main" xmlns="" w="9525">
+              <a14:hiddenLine xmlns="" xmlns:a14="http://schemas.microsoft.com/office/drawing/2010/main" w="9525">
                 <a:solidFill>
                   <a:srgbClr val="000000"/>
                 </a:solidFill>
@@ -5102,7 +5102,7 @@
           </a:ln>
           <a:extLst>
             <a:ext uri="{91240B29-F687-4f45-9708-019B960494DF}">
-              <a14:hiddenLine xmlns:a14="http://schemas.microsoft.com/office/drawing/2010/main" xmlns="" w="9525">
+              <a14:hiddenLine xmlns="" xmlns:a14="http://schemas.microsoft.com/office/drawing/2010/main" w="9525">
                 <a:solidFill>
                   <a:srgbClr val="000000"/>
                 </a:solidFill>
@@ -5222,14 +5222,14 @@
           </a:ln>
           <a:extLst>
             <a:ext uri="{909E8E84-426E-40dd-AFC4-6F175D3DCCD1}">
-              <a14:hiddenFill xmlns:a14="http://schemas.microsoft.com/office/drawing/2010/main" xmlns="">
+              <a14:hiddenFill xmlns="" xmlns:a14="http://schemas.microsoft.com/office/drawing/2010/main">
                 <a:solidFill>
                   <a:srgbClr val="FFFFFF"/>
                 </a:solidFill>
               </a14:hiddenFill>
             </a:ext>
             <a:ext uri="{91240B29-F687-4f45-9708-019B960494DF}">
-              <a14:hiddenLine xmlns:a14="http://schemas.microsoft.com/office/drawing/2010/main" xmlns="" w="9525">
+              <a14:hiddenLine xmlns="" xmlns:a14="http://schemas.microsoft.com/office/drawing/2010/main" w="9525">
                 <a:solidFill>
                   <a:srgbClr val="000000"/>
                 </a:solidFill>
@@ -5431,14 +5431,14 @@
           </a:ln>
           <a:extLst>
             <a:ext uri="{909E8E84-426E-40dd-AFC4-6F175D3DCCD1}">
-              <a14:hiddenFill xmlns:a14="http://schemas.microsoft.com/office/drawing/2010/main" xmlns="">
+              <a14:hiddenFill xmlns="" xmlns:a14="http://schemas.microsoft.com/office/drawing/2010/main">
                 <a:solidFill>
                   <a:srgbClr val="FFFFFF"/>
                 </a:solidFill>
               </a14:hiddenFill>
             </a:ext>
             <a:ext uri="{91240B29-F687-4f45-9708-019B960494DF}">
-              <a14:hiddenLine xmlns:a14="http://schemas.microsoft.com/office/drawing/2010/main" xmlns="" w="9525">
+              <a14:hiddenLine xmlns="" xmlns:a14="http://schemas.microsoft.com/office/drawing/2010/main" w="9525">
                 <a:solidFill>
                   <a:srgbClr val="000000"/>
                 </a:solidFill>
@@ -5604,14 +5604,14 @@
           </a:ln>
           <a:extLst>
             <a:ext uri="{909E8E84-426E-40dd-AFC4-6F175D3DCCD1}">
-              <a14:hiddenFill xmlns:a14="http://schemas.microsoft.com/office/drawing/2010/main" xmlns="">
+              <a14:hiddenFill xmlns="" xmlns:a14="http://schemas.microsoft.com/office/drawing/2010/main">
                 <a:solidFill>
                   <a:srgbClr val="FFFFFF"/>
                 </a:solidFill>
               </a14:hiddenFill>
             </a:ext>
             <a:ext uri="{91240B29-F687-4f45-9708-019B960494DF}">
-              <a14:hiddenLine xmlns:a14="http://schemas.microsoft.com/office/drawing/2010/main" xmlns="" w="9525">
+              <a14:hiddenLine xmlns="" xmlns:a14="http://schemas.microsoft.com/office/drawing/2010/main" w="9525">
                 <a:solidFill>
                   <a:srgbClr val="000000"/>
                 </a:solidFill>
@@ -5849,14 +5849,14 @@
           </a:ln>
           <a:extLst>
             <a:ext uri="{909E8E84-426E-40dd-AFC4-6F175D3DCCD1}">
-              <a14:hiddenFill xmlns:a14="http://schemas.microsoft.com/office/drawing/2010/main" xmlns="">
+              <a14:hiddenFill xmlns="" xmlns:a14="http://schemas.microsoft.com/office/drawing/2010/main">
                 <a:solidFill>
                   <a:srgbClr val="FFFFFF"/>
                 </a:solidFill>
               </a14:hiddenFill>
             </a:ext>
             <a:ext uri="{91240B29-F687-4f45-9708-019B960494DF}">
-              <a14:hiddenLine xmlns:a14="http://schemas.microsoft.com/office/drawing/2010/main" xmlns="" w="9525">
+              <a14:hiddenLine xmlns="" xmlns:a14="http://schemas.microsoft.com/office/drawing/2010/main" w="9525">
                 <a:solidFill>
                   <a:srgbClr val="000000"/>
                 </a:solidFill>
@@ -6058,14 +6058,14 @@
           </a:ln>
           <a:extLst>
             <a:ext uri="{909E8E84-426E-40dd-AFC4-6F175D3DCCD1}">
-              <a14:hiddenFill xmlns:a14="http://schemas.microsoft.com/office/drawing/2010/main" xmlns="">
+              <a14:hiddenFill xmlns="" xmlns:a14="http://schemas.microsoft.com/office/drawing/2010/main">
                 <a:solidFill>
                   <a:srgbClr val="FFFFFF"/>
                 </a:solidFill>
               </a14:hiddenFill>
             </a:ext>
             <a:ext uri="{91240B29-F687-4f45-9708-019B960494DF}">
-              <a14:hiddenLine xmlns:a14="http://schemas.microsoft.com/office/drawing/2010/main" xmlns="" w="9525">
+              <a14:hiddenLine xmlns="" xmlns:a14="http://schemas.microsoft.com/office/drawing/2010/main" w="9525">
                 <a:solidFill>
                   <a:srgbClr val="000000"/>
                 </a:solidFill>
@@ -6267,14 +6267,14 @@
           </a:ln>
           <a:extLst>
             <a:ext uri="{909E8E84-426E-40dd-AFC4-6F175D3DCCD1}">
-              <a14:hiddenFill xmlns:a14="http://schemas.microsoft.com/office/drawing/2010/main" xmlns="">
+              <a14:hiddenFill xmlns="" xmlns:a14="http://schemas.microsoft.com/office/drawing/2010/main">
                 <a:solidFill>
                   <a:srgbClr val="FFFFFF"/>
                 </a:solidFill>
               </a14:hiddenFill>
             </a:ext>
             <a:ext uri="{91240B29-F687-4f45-9708-019B960494DF}">
-              <a14:hiddenLine xmlns:a14="http://schemas.microsoft.com/office/drawing/2010/main" xmlns="" w="9525">
+              <a14:hiddenLine xmlns="" xmlns:a14="http://schemas.microsoft.com/office/drawing/2010/main" w="9525">
                 <a:solidFill>
                   <a:srgbClr val="000000"/>
                 </a:solidFill>
@@ -6495,14 +6495,14 @@
           </a:ln>
           <a:extLst>
             <a:ext uri="{909E8E84-426E-40dd-AFC4-6F175D3DCCD1}">
-              <a14:hiddenFill xmlns:a14="http://schemas.microsoft.com/office/drawing/2010/main" xmlns="">
+              <a14:hiddenFill xmlns="" xmlns:a14="http://schemas.microsoft.com/office/drawing/2010/main">
                 <a:solidFill>
                   <a:srgbClr val="FFFFFF"/>
                 </a:solidFill>
               </a14:hiddenFill>
             </a:ext>
             <a:ext uri="{91240B29-F687-4f45-9708-019B960494DF}">
-              <a14:hiddenLine xmlns:a14="http://schemas.microsoft.com/office/drawing/2010/main" xmlns="" w="9525">
+              <a14:hiddenLine xmlns="" xmlns:a14="http://schemas.microsoft.com/office/drawing/2010/main" w="9525">
                 <a:solidFill>
                   <a:srgbClr val="000000"/>
                 </a:solidFill>
@@ -6578,14 +6578,14 @@
           </a:ln>
           <a:extLst>
             <a:ext uri="{909E8E84-426E-40dd-AFC4-6F175D3DCCD1}">
-              <a14:hiddenFill xmlns:a14="http://schemas.microsoft.com/office/drawing/2010/main" xmlns="">
+              <a14:hiddenFill xmlns="" xmlns:a14="http://schemas.microsoft.com/office/drawing/2010/main">
                 <a:solidFill>
                   <a:srgbClr val="FFFFFF"/>
                 </a:solidFill>
               </a14:hiddenFill>
             </a:ext>
             <a:ext uri="{91240B29-F687-4f45-9708-019B960494DF}">
-              <a14:hiddenLine xmlns:a14="http://schemas.microsoft.com/office/drawing/2010/main" xmlns="" w="9525">
+              <a14:hiddenLine xmlns="" xmlns:a14="http://schemas.microsoft.com/office/drawing/2010/main" w="9525">
                 <a:solidFill>
                   <a:srgbClr val="000000"/>
                 </a:solidFill>
@@ -6743,7 +6743,7 @@
           </a:ln>
           <a:extLst>
             <a:ext uri="{91240B29-F687-4f45-9708-019B960494DF}">
-              <a14:hiddenLine xmlns:a14="http://schemas.microsoft.com/office/drawing/2010/main" xmlns="" w="9525">
+              <a14:hiddenLine xmlns="" xmlns:a14="http://schemas.microsoft.com/office/drawing/2010/main" w="9525">
                 <a:solidFill>
                   <a:srgbClr val="000000"/>
                 </a:solidFill>
@@ -6764,25 +6764,25 @@
               </a:spcBef>
             </a:pPr>
             <a:r>
-              <a:rPr lang="en-GB" sz="4000" b="1" u="sng">
+              <a:rPr lang="en-GB" sz="4000" b="1" u="sng" dirty="0">
                 <a:solidFill>
                   <a:srgbClr val="131F33"/>
                 </a:solidFill>
               </a:rPr>
               <a:t>ACKNOWLEDGEMENTS</a:t>
             </a:r>
-            <a:endParaRPr lang="en-GB" sz="4000" b="1">
+            <a:endParaRPr lang="en-GB" sz="4000" b="1" dirty="0">
               <a:solidFill>
                 <a:srgbClr val="131F33"/>
               </a:solidFill>
             </a:endParaRPr>
           </a:p>
           <a:p>
-            <a:endParaRPr lang="en-US" sz="2800"/>
-          </a:p>
-          <a:p>
-            <a:r>
-              <a:rPr lang="en-US" sz="2800">
+            <a:endParaRPr lang="en-US" sz="2800" dirty="0"/>
+          </a:p>
+          <a:p>
+            <a:r>
+              <a:rPr lang="en-US" sz="2800" dirty="0">
                 <a:latin typeface="Georgia" charset="0"/>
                 <a:cs typeface="Georgia" charset="0"/>
               </a:rPr>
@@ -6796,13 +6796,20 @@
               <a:t>’</a:t>
             </a:r>
             <a:r>
-              <a:rPr lang="en-US" altLang="ja-JP" sz="2800">
+              <a:rPr lang="en-US" altLang="ja-JP" sz="2800" dirty="0" err="1">
                 <a:latin typeface="Georgia" charset="0"/>
                 <a:cs typeface="Georgia" charset="0"/>
               </a:rPr>
-              <a:t>ve acknowledged partner and funding agencies, either with text or with their logos.</a:t>
-            </a:r>
-            <a:endParaRPr lang="en-US" sz="2800">
+              <a:t>ve</a:t>
+            </a:r>
+            <a:r>
+              <a:rPr lang="en-US" altLang="ja-JP" sz="2800" dirty="0">
+                <a:latin typeface="Georgia" charset="0"/>
+                <a:cs typeface="Georgia" charset="0"/>
+              </a:rPr>
+              <a:t> acknowledged partner and funding agencies, either with text or with their logos.</a:t>
+            </a:r>
+            <a:endParaRPr lang="en-US" sz="2800" dirty="0">
               <a:latin typeface="Georgia" charset="0"/>
               <a:cs typeface="Georgia" charset="0"/>
             </a:endParaRPr>
@@ -6833,7 +6840,7 @@
           </a:ln>
           <a:extLst>
             <a:ext uri="{91240B29-F687-4f45-9708-019B960494DF}">
-              <a14:hiddenLine xmlns:a14="http://schemas.microsoft.com/office/drawing/2010/main" xmlns="" w="9525">
+              <a14:hiddenLine xmlns="" xmlns:a14="http://schemas.microsoft.com/office/drawing/2010/main" w="9525">
                 <a:solidFill>
                   <a:srgbClr val="000000"/>
                 </a:solidFill>
@@ -6956,7 +6963,7 @@
           </a:ln>
           <a:extLst>
             <a:ext uri="{91240B29-F687-4f45-9708-019B960494DF}">
-              <a14:hiddenLine xmlns:a14="http://schemas.microsoft.com/office/drawing/2010/main" xmlns="" w="9525">
+              <a14:hiddenLine xmlns="" xmlns:a14="http://schemas.microsoft.com/office/drawing/2010/main" w="9525">
                 <a:solidFill>
                   <a:srgbClr val="000000"/>
                 </a:solidFill>
@@ -7073,8 +7080,8 @@
           </a:p>
         </p:txBody>
       </p:sp>
-      <mc:AlternateContent xmlns:mc="http://schemas.openxmlformats.org/markup-compatibility/2006">
-        <mc:Choice xmlns:a14="http://schemas.microsoft.com/office/drawing/2010/main" Requires="a14">
+      <mc:AlternateContent xmlns:mc="http://schemas.openxmlformats.org/markup-compatibility/2006" xmlns:a14="http://schemas.microsoft.com/office/drawing/2010/main">
+        <mc:Choice Requires="a14">
           <p:sp>
             <p:nvSpPr>
               <p:cNvPr id="15366" name="Rectangle 6"/>
@@ -7596,7 +7603,7 @@
             </p:txBody>
           </p:sp>
         </mc:Choice>
-        <mc:Fallback>
+        <mc:Fallback xmlns="">
           <p:sp>
             <p:nvSpPr>
               <p:cNvPr id="15366" name="Rectangle 6"/>
@@ -7674,7 +7681,7 @@
           </a:ln>
           <a:extLst>
             <a:ext uri="{91240B29-F687-4f45-9708-019B960494DF}">
-              <a14:hiddenLine xmlns:a14="http://schemas.microsoft.com/office/drawing/2010/main" xmlns="" w="9525">
+              <a14:hiddenLine xmlns="" xmlns:a14="http://schemas.microsoft.com/office/drawing/2010/main" w="9525">
                 <a:solidFill>
                   <a:srgbClr val="000000"/>
                 </a:solidFill>
@@ -7767,7 +7774,7 @@
           </a:ln>
           <a:extLst>
             <a:ext uri="{91240B29-F687-4f45-9708-019B960494DF}">
-              <a14:hiddenLine xmlns:a14="http://schemas.microsoft.com/office/drawing/2010/main" xmlns="" w="9525">
+              <a14:hiddenLine xmlns="" xmlns:a14="http://schemas.microsoft.com/office/drawing/2010/main" w="9525">
                 <a:solidFill>
                   <a:srgbClr val="000000"/>
                 </a:solidFill>
@@ -7794,7 +7801,7 @@
                 </a:solidFill>
                 <a:latin typeface="+mn-lt"/>
               </a:rPr>
-              <a:t>PRINTING</a:t>
+              <a:t>CHALLENGES:</a:t>
             </a:r>
           </a:p>
           <a:p>
@@ -7878,7 +7885,7 @@
           </a:ln>
           <a:extLst>
             <a:ext uri="{91240B29-F687-4f45-9708-019B960494DF}">
-              <a14:hiddenLine xmlns:a14="http://schemas.microsoft.com/office/drawing/2010/main" xmlns="" w="9525">
+              <a14:hiddenLine xmlns="" xmlns:a14="http://schemas.microsoft.com/office/drawing/2010/main" w="9525">
                 <a:solidFill>
                   <a:srgbClr val="000000"/>
                 </a:solidFill>
@@ -8041,7 +8048,7 @@
         </p:blipFill>
         <p:spPr>
           <a:xfrm>
-            <a:off x="22421850" y="11096594"/>
+            <a:off x="22439549" y="18059400"/>
             <a:ext cx="4927784" cy="4075672"/>
           </a:xfrm>
           <a:prstGeom prst="rect">
@@ -8063,7 +8070,7 @@
         </p:nvSpPr>
         <p:spPr>
           <a:xfrm>
-            <a:off x="23874499" y="15163934"/>
+            <a:off x="23923775" y="22104334"/>
             <a:ext cx="2285106" cy="523220"/>
           </a:xfrm>
           <a:prstGeom prst="rect">
@@ -8106,7 +8113,7 @@
         </p:blipFill>
         <p:spPr>
           <a:xfrm>
-            <a:off x="27275675" y="11085270"/>
+            <a:off x="27303868" y="18059400"/>
             <a:ext cx="4880725" cy="4076745"/>
           </a:xfrm>
           <a:prstGeom prst="rect">
@@ -8128,7 +8135,7 @@
         </p:nvSpPr>
         <p:spPr>
           <a:xfrm>
-            <a:off x="29102598" y="15179198"/>
+            <a:off x="28794446" y="22151321"/>
             <a:ext cx="2285106" cy="523220"/>
           </a:xfrm>
           <a:prstGeom prst="rect">
@@ -8171,7 +8178,7 @@
         </p:blipFill>
         <p:spPr>
           <a:xfrm>
-            <a:off x="27349634" y="15665525"/>
+            <a:off x="27396188" y="23107723"/>
             <a:ext cx="4711314" cy="4079982"/>
           </a:xfrm>
           <a:prstGeom prst="rect">
@@ -8193,7 +8200,7 @@
         </p:nvSpPr>
         <p:spPr>
           <a:xfrm>
-            <a:off x="23874499" y="19898380"/>
+            <a:off x="23598001" y="27137421"/>
             <a:ext cx="2610880" cy="523220"/>
           </a:xfrm>
           <a:prstGeom prst="rect">
@@ -8301,7 +8308,7 @@
         </p:blipFill>
         <p:spPr>
           <a:xfrm>
-            <a:off x="22518685" y="15687154"/>
+            <a:off x="22518685" y="23161491"/>
             <a:ext cx="4572490" cy="3972446"/>
           </a:xfrm>
           <a:prstGeom prst="rect">
@@ -8323,7 +8330,7 @@
         </p:nvSpPr>
         <p:spPr>
           <a:xfrm>
-            <a:off x="28186481" y="19858138"/>
+            <a:off x="28189876" y="27202881"/>
             <a:ext cx="2889676" cy="523220"/>
           </a:xfrm>
           <a:prstGeom prst="rect">
@@ -8344,6 +8351,605 @@
           </a:p>
         </p:txBody>
       </p:sp>
+      <p:graphicFrame>
+        <p:nvGraphicFramePr>
+          <p:cNvPr id="5" name="Table 4">
+            <a:extLst>
+              <a:ext uri="{FF2B5EF4-FFF2-40B4-BE49-F238E27FC236}">
+                <a16:creationId xmlns:a16="http://schemas.microsoft.com/office/drawing/2014/main" id="{F6D81889-0CFC-9243-96DE-31F21EE480D1}"/>
+              </a:ext>
+            </a:extLst>
+          </p:cNvPr>
+          <p:cNvGraphicFramePr>
+            <a:graphicFrameLocks noGrp="1"/>
+          </p:cNvGraphicFramePr>
+          <p:nvPr>
+            <p:extLst>
+              <p:ext uri="{D42A27DB-BD31-4B8C-83A1-F6EECF244321}">
+                <p14:modId xmlns:p14="http://schemas.microsoft.com/office/powerpoint/2010/main" val="98326407"/>
+              </p:ext>
+            </p:extLst>
+          </p:nvPr>
+        </p:nvGraphicFramePr>
+        <p:xfrm>
+          <a:off x="23030953" y="11502119"/>
+          <a:ext cx="8721744" cy="5530862"/>
+        </p:xfrm>
+        <a:graphic>
+          <a:graphicData uri="http://schemas.openxmlformats.org/drawingml/2006/table">
+            <a:tbl>
+              <a:tblPr firstRow="1" bandRow="1">
+                <a:tableStyleId>{5C22544A-7EE6-4342-B048-85BDC9FD1C3A}</a:tableStyleId>
+              </a:tblPr>
+              <a:tblGrid>
+                <a:gridCol w="2180436">
+                  <a:extLst>
+                    <a:ext uri="{9D8B030D-6E8A-4147-A177-3AD203B41FA5}">
+                      <a16:colId xmlns:a16="http://schemas.microsoft.com/office/drawing/2014/main" val="1248475809"/>
+                    </a:ext>
+                  </a:extLst>
+                </a:gridCol>
+                <a:gridCol w="2180436">
+                  <a:extLst>
+                    <a:ext uri="{9D8B030D-6E8A-4147-A177-3AD203B41FA5}">
+                      <a16:colId xmlns:a16="http://schemas.microsoft.com/office/drawing/2014/main" val="2543370198"/>
+                    </a:ext>
+                  </a:extLst>
+                </a:gridCol>
+                <a:gridCol w="2180436">
+                  <a:extLst>
+                    <a:ext uri="{9D8B030D-6E8A-4147-A177-3AD203B41FA5}">
+                      <a16:colId xmlns:a16="http://schemas.microsoft.com/office/drawing/2014/main" val="468071448"/>
+                    </a:ext>
+                  </a:extLst>
+                </a:gridCol>
+                <a:gridCol w="2180436">
+                  <a:extLst>
+                    <a:ext uri="{9D8B030D-6E8A-4147-A177-3AD203B41FA5}">
+                      <a16:colId xmlns:a16="http://schemas.microsoft.com/office/drawing/2014/main" val="157706253"/>
+                    </a:ext>
+                  </a:extLst>
+                </a:gridCol>
+              </a:tblGrid>
+              <a:tr h="1008373">
+                <a:tc>
+                  <a:txBody>
+                    <a:bodyPr/>
+                    <a:lstStyle/>
+                    <a:p>
+                      <a:pPr algn="ctr"/>
+                      <a:r>
+                        <a:rPr lang="tr-TR" sz="2400" dirty="0">
+                          <a:latin typeface="Georgia" panose="02040502050405020303" pitchFamily="18" charset="0"/>
+                        </a:rPr>
+                        <a:t>CLASSIFIER TYPE:</a:t>
+                      </a:r>
+                    </a:p>
+                  </a:txBody>
+                  <a:tcPr/>
+                </a:tc>
+                <a:tc>
+                  <a:txBody>
+                    <a:bodyPr/>
+                    <a:lstStyle/>
+                    <a:p>
+                      <a:pPr marL="0" marR="0" indent="0" algn="ctr" defTabSz="2194560" rtl="0" eaLnBrk="1" fontAlgn="auto" latinLnBrk="0" hangingPunct="1">
+                        <a:lnSpc>
+                          <a:spcPct val="100000"/>
+                        </a:lnSpc>
+                        <a:spcBef>
+                          <a:spcPts val="0"/>
+                        </a:spcBef>
+                        <a:spcAft>
+                          <a:spcPts val="0"/>
+                        </a:spcAft>
+                        <a:buClrTx/>
+                        <a:buSzTx/>
+                        <a:buFontTx/>
+                        <a:buNone/>
+                        <a:tabLst/>
+                        <a:defRPr/>
+                      </a:pPr>
+                      <a:r>
+                        <a:rPr kumimoji="0" lang="tr-TR" sz="2400" b="1" i="0" u="none" strike="noStrike" kern="1200" cap="none" spc="0" normalizeH="0" baseline="0" noProof="0" dirty="0">
+                          <a:ln>
+                            <a:noFill/>
+                          </a:ln>
+                          <a:solidFill>
+                            <a:srgbClr val="FFFFFF"/>
+                          </a:solidFill>
+                          <a:effectLst/>
+                          <a:uLnTx/>
+                          <a:uFillTx/>
+                          <a:latin typeface="Georgia" panose="02040502050405020303" pitchFamily="18" charset="0"/>
+                          <a:ea typeface="+mn-ea"/>
+                          <a:cs typeface="+mn-cs"/>
+                        </a:rPr>
+                        <a:t>ACCURACY: </a:t>
+                      </a:r>
+                      <a:endParaRPr lang="tr-TR" sz="2400" dirty="0">
+                        <a:latin typeface="Georgia" panose="02040502050405020303" pitchFamily="18" charset="0"/>
+                      </a:endParaRPr>
+                    </a:p>
+                  </a:txBody>
+                  <a:tcPr/>
+                </a:tc>
+                <a:tc>
+                  <a:txBody>
+                    <a:bodyPr/>
+                    <a:lstStyle/>
+                    <a:p>
+                      <a:pPr marL="0" marR="0" indent="0" algn="ctr" defTabSz="2194560" rtl="0" eaLnBrk="1" fontAlgn="auto" latinLnBrk="0" hangingPunct="1">
+                        <a:lnSpc>
+                          <a:spcPct val="100000"/>
+                        </a:lnSpc>
+                        <a:spcBef>
+                          <a:spcPts val="0"/>
+                        </a:spcBef>
+                        <a:spcAft>
+                          <a:spcPts val="0"/>
+                        </a:spcAft>
+                        <a:buClrTx/>
+                        <a:buSzTx/>
+                        <a:buFontTx/>
+                        <a:buNone/>
+                        <a:tabLst/>
+                        <a:defRPr/>
+                      </a:pPr>
+                      <a:r>
+                        <a:rPr kumimoji="0" lang="tr-TR" sz="2400" b="1" i="0" u="none" strike="noStrike" kern="1200" cap="none" spc="0" normalizeH="0" baseline="0" noProof="0" dirty="0">
+                          <a:ln>
+                            <a:noFill/>
+                          </a:ln>
+                          <a:solidFill>
+                            <a:srgbClr val="FFFFFF"/>
+                          </a:solidFill>
+                          <a:effectLst/>
+                          <a:uLnTx/>
+                          <a:uFillTx/>
+                          <a:latin typeface="Georgia" panose="02040502050405020303" pitchFamily="18" charset="0"/>
+                          <a:ea typeface="+mn-ea"/>
+                          <a:cs typeface="+mn-cs"/>
+                        </a:rPr>
+                        <a:t>MOST ACCURATE GENRE</a:t>
+                      </a:r>
+                      <a:endParaRPr lang="tr-TR" sz="2400" dirty="0">
+                        <a:latin typeface="Georgia" panose="02040502050405020303" pitchFamily="18" charset="0"/>
+                      </a:endParaRPr>
+                    </a:p>
+                  </a:txBody>
+                  <a:tcPr/>
+                </a:tc>
+                <a:tc>
+                  <a:txBody>
+                    <a:bodyPr/>
+                    <a:lstStyle/>
+                    <a:p>
+                      <a:pPr marL="0" marR="0" indent="0" algn="ctr" defTabSz="2194560" rtl="0" eaLnBrk="1" fontAlgn="auto" latinLnBrk="0" hangingPunct="1">
+                        <a:lnSpc>
+                          <a:spcPct val="100000"/>
+                        </a:lnSpc>
+                        <a:spcBef>
+                          <a:spcPts val="0"/>
+                        </a:spcBef>
+                        <a:spcAft>
+                          <a:spcPts val="0"/>
+                        </a:spcAft>
+                        <a:buClrTx/>
+                        <a:buSzTx/>
+                        <a:buFontTx/>
+                        <a:buNone/>
+                        <a:tabLst/>
+                        <a:defRPr/>
+                      </a:pPr>
+                      <a:r>
+                        <a:rPr kumimoji="0" lang="tr-TR" sz="2400" b="1" i="0" u="none" strike="noStrike" kern="1200" cap="none" spc="0" normalizeH="0" baseline="0" noProof="0" dirty="0">
+                          <a:ln>
+                            <a:noFill/>
+                          </a:ln>
+                          <a:solidFill>
+                            <a:srgbClr val="FFFFFF"/>
+                          </a:solidFill>
+                          <a:effectLst/>
+                          <a:uLnTx/>
+                          <a:uFillTx/>
+                          <a:latin typeface="Georgia" panose="02040502050405020303" pitchFamily="18" charset="0"/>
+                          <a:ea typeface="+mn-ea"/>
+                          <a:cs typeface="+mn-cs"/>
+                        </a:rPr>
+                        <a:t>LEAST ACCURATE GENRE</a:t>
+                      </a:r>
+                      <a:endParaRPr lang="tr-TR" sz="2400" dirty="0">
+                        <a:latin typeface="Georgia" panose="02040502050405020303" pitchFamily="18" charset="0"/>
+                      </a:endParaRPr>
+                    </a:p>
+                  </a:txBody>
+                  <a:tcPr/>
+                </a:tc>
+                <a:extLst>
+                  <a:ext uri="{0D108BD9-81ED-4DB2-BD59-A6C34878D82A}">
+                    <a16:rowId xmlns:a16="http://schemas.microsoft.com/office/drawing/2014/main" val="619836131"/>
+                  </a:ext>
+                </a:extLst>
+              </a:tr>
+              <a:tr h="694657">
+                <a:tc>
+                  <a:txBody>
+                    <a:bodyPr/>
+                    <a:lstStyle/>
+                    <a:p>
+                      <a:pPr algn="ctr"/>
+                      <a:r>
+                        <a:rPr lang="tr-TR" sz="2400" dirty="0">
+                          <a:latin typeface="Georgia" panose="02040502050405020303" pitchFamily="18" charset="0"/>
+                        </a:rPr>
+                        <a:t>K-</a:t>
+                      </a:r>
+                      <a:r>
+                        <a:rPr lang="tr-TR" sz="2400" dirty="0" err="1">
+                          <a:latin typeface="Georgia" panose="02040502050405020303" pitchFamily="18" charset="0"/>
+                        </a:rPr>
+                        <a:t>Nearest</a:t>
+                      </a:r>
+                      <a:r>
+                        <a:rPr lang="tr-TR" sz="2400" dirty="0">
+                          <a:latin typeface="Georgia" panose="02040502050405020303" pitchFamily="18" charset="0"/>
+                        </a:rPr>
+                        <a:t> </a:t>
+                      </a:r>
+                      <a:r>
+                        <a:rPr lang="tr-TR" sz="2400" dirty="0" err="1">
+                          <a:latin typeface="Georgia" panose="02040502050405020303" pitchFamily="18" charset="0"/>
+                        </a:rPr>
+                        <a:t>Neighbors</a:t>
+                      </a:r>
+                      <a:endParaRPr lang="tr-TR" sz="2400" dirty="0">
+                        <a:latin typeface="Georgia" panose="02040502050405020303" pitchFamily="18" charset="0"/>
+                      </a:endParaRPr>
+                    </a:p>
+                  </a:txBody>
+                  <a:tcPr/>
+                </a:tc>
+                <a:tc>
+                  <a:txBody>
+                    <a:bodyPr/>
+                    <a:lstStyle/>
+                    <a:p>
+                      <a:pPr algn="ctr"/>
+                      <a:r>
+                        <a:rPr lang="tr-TR" sz="2400" dirty="0">
+                          <a:latin typeface="Georgia" panose="02040502050405020303" pitchFamily="18" charset="0"/>
+                        </a:rPr>
+                        <a:t>81%</a:t>
+                      </a:r>
+                    </a:p>
+                  </a:txBody>
+                  <a:tcPr/>
+                </a:tc>
+                <a:tc>
+                  <a:txBody>
+                    <a:bodyPr/>
+                    <a:lstStyle/>
+                    <a:p>
+                      <a:pPr algn="ctr"/>
+                      <a:r>
+                        <a:rPr lang="tr-TR" sz="2400" dirty="0">
+                          <a:latin typeface="Georgia" panose="02040502050405020303" pitchFamily="18" charset="0"/>
+                        </a:rPr>
+                        <a:t>Metal</a:t>
+                      </a:r>
+                    </a:p>
+                  </a:txBody>
+                  <a:tcPr/>
+                </a:tc>
+                <a:tc>
+                  <a:txBody>
+                    <a:bodyPr/>
+                    <a:lstStyle/>
+                    <a:p>
+                      <a:pPr algn="ctr"/>
+                      <a:r>
+                        <a:rPr lang="tr-TR" sz="2400" dirty="0" err="1">
+                          <a:latin typeface="Georgia" panose="02040502050405020303" pitchFamily="18" charset="0"/>
+                        </a:rPr>
+                        <a:t>Classical</a:t>
+                      </a:r>
+                      <a:endParaRPr lang="tr-TR" sz="2400" dirty="0">
+                        <a:latin typeface="Georgia" panose="02040502050405020303" pitchFamily="18" charset="0"/>
+                      </a:endParaRPr>
+                    </a:p>
+                  </a:txBody>
+                  <a:tcPr/>
+                </a:tc>
+                <a:extLst>
+                  <a:ext uri="{0D108BD9-81ED-4DB2-BD59-A6C34878D82A}">
+                    <a16:rowId xmlns:a16="http://schemas.microsoft.com/office/drawing/2014/main" val="3620790994"/>
+                  </a:ext>
+                </a:extLst>
+              </a:tr>
+              <a:tr h="1008373">
+                <a:tc>
+                  <a:txBody>
+                    <a:bodyPr/>
+                    <a:lstStyle/>
+                    <a:p>
+                      <a:pPr algn="ctr"/>
+                      <a:r>
+                        <a:rPr lang="tr-TR" sz="2400" dirty="0" err="1">
+                          <a:latin typeface="Georgia" panose="02040502050405020303" pitchFamily="18" charset="0"/>
+                        </a:rPr>
+                        <a:t>Support</a:t>
+                      </a:r>
+                      <a:r>
+                        <a:rPr lang="tr-TR" sz="2400" dirty="0">
+                          <a:latin typeface="Georgia" panose="02040502050405020303" pitchFamily="18" charset="0"/>
+                        </a:rPr>
+                        <a:t> </a:t>
+                      </a:r>
+                      <a:r>
+                        <a:rPr lang="tr-TR" sz="2400" dirty="0" err="1">
+                          <a:latin typeface="Georgia" panose="02040502050405020303" pitchFamily="18" charset="0"/>
+                        </a:rPr>
+                        <a:t>Vector</a:t>
+                      </a:r>
+                      <a:r>
+                        <a:rPr lang="tr-TR" sz="2400" dirty="0">
+                          <a:latin typeface="Georgia" panose="02040502050405020303" pitchFamily="18" charset="0"/>
+                        </a:rPr>
+                        <a:t> </a:t>
+                      </a:r>
+                      <a:r>
+                        <a:rPr lang="tr-TR" sz="2400" dirty="0" err="1">
+                          <a:latin typeface="Georgia" panose="02040502050405020303" pitchFamily="18" charset="0"/>
+                        </a:rPr>
+                        <a:t>Machines</a:t>
+                      </a:r>
+                      <a:endParaRPr lang="tr-TR" sz="2400" dirty="0">
+                        <a:latin typeface="Georgia" panose="02040502050405020303" pitchFamily="18" charset="0"/>
+                      </a:endParaRPr>
+                    </a:p>
+                  </a:txBody>
+                  <a:tcPr/>
+                </a:tc>
+                <a:tc>
+                  <a:txBody>
+                    <a:bodyPr/>
+                    <a:lstStyle/>
+                    <a:p>
+                      <a:pPr algn="ctr"/>
+                      <a:r>
+                        <a:rPr lang="tr-TR" sz="2400" dirty="0">
+                          <a:latin typeface="Georgia" panose="02040502050405020303" pitchFamily="18" charset="0"/>
+                        </a:rPr>
+                        <a:t>84%</a:t>
+                      </a:r>
+                    </a:p>
+                  </a:txBody>
+                  <a:tcPr/>
+                </a:tc>
+                <a:tc>
+                  <a:txBody>
+                    <a:bodyPr/>
+                    <a:lstStyle/>
+                    <a:p>
+                      <a:pPr algn="ctr"/>
+                      <a:r>
+                        <a:rPr lang="tr-TR" sz="2400" dirty="0" err="1">
+                          <a:latin typeface="Georgia" panose="02040502050405020303" pitchFamily="18" charset="0"/>
+                        </a:rPr>
+                        <a:t>Classical</a:t>
+                      </a:r>
+                      <a:endParaRPr lang="tr-TR" sz="2400" dirty="0">
+                        <a:latin typeface="Georgia" panose="02040502050405020303" pitchFamily="18" charset="0"/>
+                      </a:endParaRPr>
+                    </a:p>
+                  </a:txBody>
+                  <a:tcPr/>
+                </a:tc>
+                <a:tc>
+                  <a:txBody>
+                    <a:bodyPr/>
+                    <a:lstStyle/>
+                    <a:p>
+                      <a:pPr algn="ctr"/>
+                      <a:r>
+                        <a:rPr lang="tr-TR" sz="2400" dirty="0">
+                          <a:latin typeface="Georgia" panose="02040502050405020303" pitchFamily="18" charset="0"/>
+                        </a:rPr>
+                        <a:t>Country</a:t>
+                      </a:r>
+                    </a:p>
+                  </a:txBody>
+                  <a:tcPr/>
+                </a:tc>
+                <a:extLst>
+                  <a:ext uri="{0D108BD9-81ED-4DB2-BD59-A6C34878D82A}">
+                    <a16:rowId xmlns:a16="http://schemas.microsoft.com/office/drawing/2014/main" val="1275742640"/>
+                  </a:ext>
+                </a:extLst>
+              </a:tr>
+              <a:tr h="1322089">
+                <a:tc>
+                  <a:txBody>
+                    <a:bodyPr/>
+                    <a:lstStyle/>
+                    <a:p>
+                      <a:pPr algn="ctr"/>
+                      <a:r>
+                        <a:rPr lang="tr-TR" sz="2400" dirty="0" err="1">
+                          <a:latin typeface="Georgia" panose="02040502050405020303" pitchFamily="18" charset="0"/>
+                        </a:rPr>
+                        <a:t>Gaussian</a:t>
+                      </a:r>
+                      <a:r>
+                        <a:rPr lang="tr-TR" sz="2400" dirty="0">
+                          <a:latin typeface="Georgia" panose="02040502050405020303" pitchFamily="18" charset="0"/>
+                        </a:rPr>
+                        <a:t> </a:t>
+                      </a:r>
+                      <a:r>
+                        <a:rPr lang="tr-TR" sz="2400" dirty="0" err="1">
+                          <a:latin typeface="Georgia" panose="02040502050405020303" pitchFamily="18" charset="0"/>
+                        </a:rPr>
+                        <a:t>Mixture</a:t>
+                      </a:r>
+                      <a:r>
+                        <a:rPr lang="tr-TR" sz="2400" dirty="0">
+                          <a:latin typeface="Georgia" panose="02040502050405020303" pitchFamily="18" charset="0"/>
+                        </a:rPr>
+                        <a:t> Model (GMM)</a:t>
+                      </a:r>
+                    </a:p>
+                  </a:txBody>
+                  <a:tcPr/>
+                </a:tc>
+                <a:tc>
+                  <a:txBody>
+                    <a:bodyPr/>
+                    <a:lstStyle/>
+                    <a:p>
+                      <a:pPr algn="ctr"/>
+                      <a:r>
+                        <a:rPr lang="tr-TR" sz="2400" dirty="0">
+                          <a:latin typeface="Georgia" panose="02040502050405020303" pitchFamily="18" charset="0"/>
+                        </a:rPr>
+                        <a:t>85%</a:t>
+                      </a:r>
+                    </a:p>
+                  </a:txBody>
+                  <a:tcPr/>
+                </a:tc>
+                <a:tc>
+                  <a:txBody>
+                    <a:bodyPr/>
+                    <a:lstStyle/>
+                    <a:p>
+                      <a:pPr algn="ctr"/>
+                      <a:r>
+                        <a:rPr lang="tr-TR" sz="2400" dirty="0">
+                          <a:latin typeface="Georgia" panose="02040502050405020303" pitchFamily="18" charset="0"/>
+                        </a:rPr>
+                        <a:t>Metal</a:t>
+                      </a:r>
+                    </a:p>
+                  </a:txBody>
+                  <a:tcPr/>
+                </a:tc>
+                <a:tc>
+                  <a:txBody>
+                    <a:bodyPr/>
+                    <a:lstStyle/>
+                    <a:p>
+                      <a:pPr algn="ctr"/>
+                      <a:r>
+                        <a:rPr lang="tr-TR" sz="2400" dirty="0" err="1">
+                          <a:latin typeface="Georgia" panose="02040502050405020303" pitchFamily="18" charset="0"/>
+                        </a:rPr>
+                        <a:t>Blues</a:t>
+                      </a:r>
+                      <a:endParaRPr lang="tr-TR" sz="2400" dirty="0">
+                        <a:latin typeface="Georgia" panose="02040502050405020303" pitchFamily="18" charset="0"/>
+                      </a:endParaRPr>
+                    </a:p>
+                  </a:txBody>
+                  <a:tcPr/>
+                </a:tc>
+                <a:extLst>
+                  <a:ext uri="{0D108BD9-81ED-4DB2-BD59-A6C34878D82A}">
+                    <a16:rowId xmlns:a16="http://schemas.microsoft.com/office/drawing/2014/main" val="2876209667"/>
+                  </a:ext>
+                </a:extLst>
+              </a:tr>
+              <a:tr h="1008373">
+                <a:tc>
+                  <a:txBody>
+                    <a:bodyPr/>
+                    <a:lstStyle/>
+                    <a:p>
+                      <a:pPr algn="ctr"/>
+                      <a:r>
+                        <a:rPr lang="tr-TR" sz="2400" dirty="0">
+                          <a:latin typeface="Georgia" panose="02040502050405020303" pitchFamily="18" charset="0"/>
+                        </a:rPr>
+                        <a:t>3-layer </a:t>
+                      </a:r>
+                      <a:r>
+                        <a:rPr lang="tr-TR" sz="2400" dirty="0" err="1">
+                          <a:latin typeface="Georgia" panose="02040502050405020303" pitchFamily="18" charset="0"/>
+                        </a:rPr>
+                        <a:t>Neural</a:t>
+                      </a:r>
+                      <a:r>
+                        <a:rPr lang="tr-TR" sz="2400" dirty="0">
+                          <a:latin typeface="Georgia" panose="02040502050405020303" pitchFamily="18" charset="0"/>
+                        </a:rPr>
+                        <a:t> Network</a:t>
+                      </a:r>
+                    </a:p>
+                  </a:txBody>
+                  <a:tcPr/>
+                </a:tc>
+                <a:tc>
+                  <a:txBody>
+                    <a:bodyPr/>
+                    <a:lstStyle/>
+                    <a:p>
+                      <a:pPr algn="ctr"/>
+                      <a:r>
+                        <a:rPr lang="tr-TR" sz="2400" dirty="0">
+                          <a:latin typeface="Georgia" panose="02040502050405020303" pitchFamily="18" charset="0"/>
+                        </a:rPr>
+                        <a:t>88%</a:t>
+                      </a:r>
+                    </a:p>
+                  </a:txBody>
+                  <a:tcPr/>
+                </a:tc>
+                <a:tc>
+                  <a:txBody>
+                    <a:bodyPr/>
+                    <a:lstStyle/>
+                    <a:p>
+                      <a:pPr algn="ctr"/>
+                      <a:r>
+                        <a:rPr lang="tr-TR" sz="2400" dirty="0" err="1">
+                          <a:latin typeface="Georgia" panose="02040502050405020303" pitchFamily="18" charset="0"/>
+                        </a:rPr>
+                        <a:t>Classical</a:t>
+                      </a:r>
+                      <a:endParaRPr lang="tr-TR" sz="2400" dirty="0">
+                        <a:latin typeface="Georgia" panose="02040502050405020303" pitchFamily="18" charset="0"/>
+                      </a:endParaRPr>
+                    </a:p>
+                  </a:txBody>
+                  <a:tcPr/>
+                </a:tc>
+                <a:tc>
+                  <a:txBody>
+                    <a:bodyPr/>
+                    <a:lstStyle/>
+                    <a:p>
+                      <a:pPr algn="ctr"/>
+                      <a:r>
+                        <a:rPr lang="tr-TR" sz="2400" dirty="0">
+                          <a:latin typeface="Georgia" panose="02040502050405020303" pitchFamily="18" charset="0"/>
+                        </a:rPr>
+                        <a:t>Pop</a:t>
+                      </a:r>
+                    </a:p>
+                  </a:txBody>
+                  <a:tcPr/>
+                </a:tc>
+                <a:extLst>
+                  <a:ext uri="{0D108BD9-81ED-4DB2-BD59-A6C34878D82A}">
+                    <a16:rowId xmlns:a16="http://schemas.microsoft.com/office/drawing/2014/main" val="951482586"/>
+                  </a:ext>
+                </a:extLst>
+              </a:tr>
+            </a:tbl>
+          </a:graphicData>
+        </a:graphic>
+      </p:graphicFrame>
     </p:spTree>
   </p:cSld>
   <p:clrMapOvr>

--- a/598_Poster.pptx
+++ b/598_Poster.pptx
@@ -7906,7 +7906,7 @@
               </a:spcBef>
             </a:pPr>
             <a:r>
-              <a:rPr lang="en-GB" sz="4000" b="1" u="sng">
+              <a:rPr lang="en-GB" sz="4000" b="1" u="sng" dirty="0">
                 <a:solidFill>
                   <a:srgbClr val="131F33"/>
                 </a:solidFill>
@@ -7915,11 +7915,11 @@
             </a:r>
           </a:p>
           <a:p>
-            <a:endParaRPr lang="en-US" sz="2800"/>
-          </a:p>
-          <a:p>
-            <a:r>
-              <a:rPr lang="en-US" sz="2800">
+            <a:endParaRPr lang="en-US" sz="2800" dirty="0"/>
+          </a:p>
+          <a:p>
+            <a:r>
+              <a:rPr lang="en-US" sz="2800" dirty="0">
                 <a:latin typeface="Georgia" charset="0"/>
                 <a:cs typeface="Georgia" charset="0"/>
               </a:rPr>
@@ -7927,19 +7927,23 @@
             </a:r>
           </a:p>
           <a:p>
-            <a:endParaRPr lang="en-US" sz="2800">
+            <a:endParaRPr lang="en-US" sz="2800" dirty="0">
               <a:latin typeface="Georgia" charset="0"/>
               <a:cs typeface="Georgia" charset="0"/>
             </a:endParaRPr>
           </a:p>
           <a:p>
             <a:r>
-              <a:rPr lang="en-US" sz="2800">
+              <a:rPr lang="en-US" sz="2800" dirty="0" err="1">
                 <a:latin typeface="Georgia" charset="0"/>
                 <a:cs typeface="Georgia" charset="0"/>
               </a:rPr>
               <a:t>creativeservices@illinois.edu</a:t>
             </a:r>
+            <a:endParaRPr lang="en-US" sz="2800" dirty="0">
+              <a:latin typeface="Georgia" charset="0"/>
+              <a:cs typeface="Georgia" charset="0"/>
+            </a:endParaRPr>
           </a:p>
         </p:txBody>
       </p:sp>
@@ -8113,8 +8117,8 @@
         </p:blipFill>
         <p:spPr>
           <a:xfrm>
-            <a:off x="27303868" y="18059400"/>
-            <a:ext cx="4880725" cy="4076745"/>
+            <a:off x="27303869" y="18059400"/>
+            <a:ext cx="4803634" cy="4076745"/>
           </a:xfrm>
           <a:prstGeom prst="rect">
             <a:avLst/>

--- a/598_Poster.pptx
+++ b/598_Poster.pptx
@@ -6826,8 +6826,8 @@
         </p:nvSpPr>
         <p:spPr bwMode="auto">
           <a:xfrm>
-            <a:off x="1181100" y="20421600"/>
-            <a:ext cx="9829800" cy="11506200"/>
+            <a:off x="1143000" y="20131608"/>
+            <a:ext cx="9829800" cy="11796192"/>
           </a:xfrm>
           <a:prstGeom prst="rect">
             <a:avLst/>
@@ -6885,13 +6885,6 @@
           </a:p>
           <a:p>
             <a:pPr algn="just"/>
-            <a:endParaRPr lang="en-US" sz="2800" dirty="0">
-              <a:latin typeface="Georgia" charset="0"/>
-              <a:cs typeface="Georgia" charset="0"/>
-            </a:endParaRPr>
-          </a:p>
-          <a:p>
-            <a:pPr algn="just"/>
             <a:r>
               <a:rPr lang="en-US" sz="2800" dirty="0">
                 <a:latin typeface="Georgia" charset="0"/>
@@ -6912,23 +6905,6 @@
                 <a:cs typeface="Georgia" charset="0"/>
               </a:rPr>
               <a:t>-spectrogram of each song. After that, we mapped the frequencies to cepstral coefficients and performed a Discrete Cosine Transform and used PCA to for dimensionality reduction, which produced significant results.</a:t>
-            </a:r>
-          </a:p>
-          <a:p>
-            <a:pPr algn="just"/>
-            <a:endParaRPr lang="en-US" sz="2800" dirty="0">
-              <a:latin typeface="Georgia" charset="0"/>
-              <a:cs typeface="Georgia" charset="0"/>
-            </a:endParaRPr>
-          </a:p>
-          <a:p>
-            <a:pPr algn="just"/>
-            <a:r>
-              <a:rPr lang="en-US" sz="2800" dirty="0">
-                <a:latin typeface="Georgia" charset="0"/>
-                <a:cs typeface="Georgia" charset="0"/>
-              </a:rPr>
-              <a:t>ADD SPECTOGRAMS OR MLFCC FLOW  </a:t>
             </a:r>
           </a:p>
           <a:p>
@@ -7810,54 +7786,38 @@
             </a:endParaRPr>
           </a:p>
           <a:p>
-            <a:r>
-              <a:rPr lang="en-US" sz="2800" dirty="0">
-                <a:latin typeface="Georgia" charset="0"/>
-                <a:ea typeface="Georgia" charset="0"/>
-                <a:cs typeface="Georgia" charset="0"/>
-              </a:rPr>
-              <a:t>Illini Union Document Services can print posters on a variety of materials, including fabric and polypropylene. For pricing and other information, contact Document Services at 217-333-9350 or </a:t>
-            </a:r>
-            <a:r>
-              <a:rPr lang="en-US" sz="2800" dirty="0">
-                <a:latin typeface="Georgia" charset="0"/>
-                <a:ea typeface="Georgia" charset="0"/>
-                <a:cs typeface="Georgia" charset="0"/>
-                <a:hlinkClick r:id="rId3"/>
-              </a:rPr>
-              <a:t>send an e-mail</a:t>
-            </a:r>
-            <a:r>
-              <a:rPr lang="en-US" sz="2800" dirty="0">
-                <a:latin typeface="Georgia" charset="0"/>
-                <a:ea typeface="Georgia" charset="0"/>
-                <a:cs typeface="Georgia" charset="0"/>
-              </a:rPr>
-              <a:t>.</a:t>
-            </a:r>
-          </a:p>
-          <a:p>
-            <a:r>
-              <a:rPr lang="en-US" sz="2800" dirty="0">
-                <a:latin typeface="Georgia" charset="0"/>
-                <a:ea typeface="Georgia" charset="0"/>
-                <a:cs typeface="Georgia" charset="0"/>
-              </a:rPr>
-              <a:t> </a:t>
-            </a:r>
-          </a:p>
-          <a:p>
-            <a:r>
-              <a:rPr lang="en-US" sz="2800" dirty="0">
-                <a:latin typeface="Georgia" charset="0"/>
-                <a:ea typeface="Georgia" charset="0"/>
-                <a:cs typeface="Georgia" charset="0"/>
-              </a:rPr>
-              <a:t>Plan ahead; allow three business days to complete the order. Other dimensions are available; the charge is by square foot. </a:t>
-            </a:r>
-          </a:p>
-          <a:p>
+            <a:pPr algn="just"/>
+            <a:r>
+              <a:rPr lang="en-US" sz="2800" dirty="0"/>
+              <a:t>We encountered some technical challenges for processing of data. As stated, the dataset contains 1000 tracks in .au format. We had to change each track to .wav format so that the script we wrote can read the file in the right way. Other than that, we first tried to split each song into 10ms frames, but that turned out to be a huge amount of data to process and we did not have enough computing power. Hence, we split each song into 128 frames and used that for our data. Finally, we had to clip some data points in some tracks so that each song or frame would have the same size. </a:t>
+            </a:r>
+          </a:p>
+          <a:p>
+            <a:pPr algn="just"/>
             <a:endParaRPr lang="en-US" sz="2800" dirty="0"/>
+          </a:p>
+          <a:p>
+            <a:pPr algn="just"/>
+            <a:r>
+              <a:rPr lang="en-US" sz="2800" dirty="0"/>
+              <a:t>Other than data processing issues, the biggest challenge we had in classifying was figuring out how to assign different genres to different clusters for k-Means clustering. Even though we are still working on that classification for better accuracy, we correlated the mean and covariance of each genre’s data with cluster’s mean and covariance values. Furthermore, another challenge we had was in </a:t>
+            </a:r>
+            <a:r>
+              <a:rPr lang="en-US" sz="2800" dirty="0" err="1"/>
+              <a:t>PyTorch</a:t>
+            </a:r>
+            <a:r>
+              <a:rPr lang="en-US" sz="2800" dirty="0"/>
+              <a:t> where we had to figure out how </a:t>
+            </a:r>
+            <a:r>
+              <a:rPr lang="en-US" sz="2800" dirty="0" err="1"/>
+              <a:t>tha</a:t>
+            </a:r>
+            <a:r>
+              <a:rPr lang="en-US" sz="2800" dirty="0"/>
+              <a:t> shapes of each tensor has to be before going onto convolutional network. As noted, we are still playing with our convolutional net to increase accuracy above 90%. </a:t>
+            </a:r>
           </a:p>
         </p:txBody>
       </p:sp>
@@ -7956,7 +7916,7 @@
           <p:nvPr/>
         </p:nvPicPr>
         <p:blipFill>
-          <a:blip r:embed="rId4">
+          <a:blip r:embed="rId3">
             <a:extLst>
               <a:ext uri="{28A0092B-C50C-407E-A947-70E740481C1C}">
                 <a14:useLocalDpi xmlns:a14="http://schemas.microsoft.com/office/drawing/2010/main" val="0"/>
@@ -7986,7 +7946,7 @@
           <p:nvPr/>
         </p:nvPicPr>
         <p:blipFill>
-          <a:blip r:embed="rId5"/>
+          <a:blip r:embed="rId4"/>
           <a:stretch>
             <a:fillRect/>
           </a:stretch>
@@ -8045,7 +8005,7 @@
           <p:nvPr/>
         </p:nvPicPr>
         <p:blipFill>
-          <a:blip r:embed="rId6"/>
+          <a:blip r:embed="rId5"/>
           <a:stretch>
             <a:fillRect/>
           </a:stretch>
@@ -8110,7 +8070,7 @@
           <p:nvPr/>
         </p:nvPicPr>
         <p:blipFill>
-          <a:blip r:embed="rId7"/>
+          <a:blip r:embed="rId6"/>
           <a:stretch>
             <a:fillRect/>
           </a:stretch>
@@ -8175,7 +8135,7 @@
           <p:nvPr/>
         </p:nvPicPr>
         <p:blipFill>
-          <a:blip r:embed="rId8"/>
+          <a:blip r:embed="rId7"/>
           <a:stretch>
             <a:fillRect/>
           </a:stretch>
@@ -8240,7 +8200,7 @@
           <p:nvPr/>
         </p:nvPicPr>
         <p:blipFill>
-          <a:blip r:embed="rId9"/>
+          <a:blip r:embed="rId8"/>
           <a:stretch>
             <a:fillRect/>
           </a:stretch>
@@ -8305,7 +8265,7 @@
           <p:nvPr/>
         </p:nvPicPr>
         <p:blipFill>
-          <a:blip r:embed="rId10"/>
+          <a:blip r:embed="rId9"/>
           <a:stretch>
             <a:fillRect/>
           </a:stretch>
@@ -8954,6 +8914,266 @@
           </a:graphicData>
         </a:graphic>
       </p:graphicFrame>
+      <p:pic>
+        <p:nvPicPr>
+          <p:cNvPr id="9" name="Picture 8">
+            <a:extLst>
+              <a:ext uri="{FF2B5EF4-FFF2-40B4-BE49-F238E27FC236}">
+                <a16:creationId xmlns:a16="http://schemas.microsoft.com/office/drawing/2014/main" id="{34DDC9CF-CDCA-D54E-92E6-79C737FF3CE1}"/>
+              </a:ext>
+            </a:extLst>
+          </p:cNvPr>
+          <p:cNvPicPr>
+            <a:picLocks noChangeAspect="1"/>
+          </p:cNvPicPr>
+          <p:nvPr/>
+        </p:nvPicPr>
+        <p:blipFill>
+          <a:blip r:embed="rId10"/>
+          <a:stretch>
+            <a:fillRect/>
+          </a:stretch>
+        </p:blipFill>
+        <p:spPr>
+          <a:xfrm>
+            <a:off x="1352907" y="25373206"/>
+            <a:ext cx="4166181" cy="3198935"/>
+          </a:xfrm>
+          <a:prstGeom prst="rect">
+            <a:avLst/>
+          </a:prstGeom>
+        </p:spPr>
+      </p:pic>
+      <p:pic>
+        <p:nvPicPr>
+          <p:cNvPr id="13" name="Picture 12">
+            <a:extLst>
+              <a:ext uri="{FF2B5EF4-FFF2-40B4-BE49-F238E27FC236}">
+                <a16:creationId xmlns:a16="http://schemas.microsoft.com/office/drawing/2014/main" id="{03336A3F-A037-924C-96C4-C2CC53FEAE2F}"/>
+              </a:ext>
+            </a:extLst>
+          </p:cNvPr>
+          <p:cNvPicPr>
+            <a:picLocks noChangeAspect="1"/>
+          </p:cNvPicPr>
+          <p:nvPr/>
+        </p:nvPicPr>
+        <p:blipFill>
+          <a:blip r:embed="rId11"/>
+          <a:stretch>
+            <a:fillRect/>
+          </a:stretch>
+        </p:blipFill>
+        <p:spPr>
+          <a:xfrm>
+            <a:off x="5911495" y="25355591"/>
+            <a:ext cx="4382305" cy="3131768"/>
+          </a:xfrm>
+          <a:prstGeom prst="rect">
+            <a:avLst/>
+          </a:prstGeom>
+        </p:spPr>
+      </p:pic>
+      <p:sp>
+        <p:nvSpPr>
+          <p:cNvPr id="27" name="TextBox 26">
+            <a:extLst>
+              <a:ext uri="{FF2B5EF4-FFF2-40B4-BE49-F238E27FC236}">
+                <a16:creationId xmlns:a16="http://schemas.microsoft.com/office/drawing/2014/main" id="{20D3FE09-283B-1B47-8EA8-39AEA4C8016C}"/>
+              </a:ext>
+            </a:extLst>
+          </p:cNvPr>
+          <p:cNvSpPr txBox="1"/>
+          <p:nvPr/>
+        </p:nvSpPr>
+        <p:spPr>
+          <a:xfrm>
+            <a:off x="1454664" y="28487359"/>
+            <a:ext cx="3990928" cy="369332"/>
+          </a:xfrm>
+          <a:prstGeom prst="rect">
+            <a:avLst/>
+          </a:prstGeom>
+          <a:noFill/>
+        </p:spPr>
+        <p:txBody>
+          <a:bodyPr wrap="square" rtlCol="0">
+            <a:spAutoFit/>
+          </a:bodyPr>
+          <a:lstStyle/>
+          <a:p>
+            <a:r>
+              <a:rPr lang="en-US" sz="1800" dirty="0"/>
+              <a:t>Figure 1. Metal genre spectrogram</a:t>
+            </a:r>
+          </a:p>
+        </p:txBody>
+      </p:sp>
+      <p:pic>
+        <p:nvPicPr>
+          <p:cNvPr id="16" name="Picture 15">
+            <a:extLst>
+              <a:ext uri="{FF2B5EF4-FFF2-40B4-BE49-F238E27FC236}">
+                <a16:creationId xmlns:a16="http://schemas.microsoft.com/office/drawing/2014/main" id="{817DC823-9A43-9544-B598-17D7D7070441}"/>
+              </a:ext>
+            </a:extLst>
+          </p:cNvPr>
+          <p:cNvPicPr>
+            <a:picLocks noChangeAspect="1"/>
+          </p:cNvPicPr>
+          <p:nvPr/>
+        </p:nvPicPr>
+        <p:blipFill>
+          <a:blip r:embed="rId12"/>
+          <a:stretch>
+            <a:fillRect/>
+          </a:stretch>
+        </p:blipFill>
+        <p:spPr>
+          <a:xfrm>
+            <a:off x="1328038" y="28854937"/>
+            <a:ext cx="4117554" cy="2860655"/>
+          </a:xfrm>
+          <a:prstGeom prst="rect">
+            <a:avLst/>
+          </a:prstGeom>
+        </p:spPr>
+      </p:pic>
+      <p:sp>
+        <p:nvSpPr>
+          <p:cNvPr id="33" name="TextBox 32">
+            <a:extLst>
+              <a:ext uri="{FF2B5EF4-FFF2-40B4-BE49-F238E27FC236}">
+                <a16:creationId xmlns:a16="http://schemas.microsoft.com/office/drawing/2014/main" id="{D6DF8C66-D8F7-0641-A17A-691D1DAE342D}"/>
+              </a:ext>
+            </a:extLst>
+          </p:cNvPr>
+          <p:cNvSpPr txBox="1"/>
+          <p:nvPr/>
+        </p:nvSpPr>
+        <p:spPr>
+          <a:xfrm>
+            <a:off x="1671684" y="31596912"/>
+            <a:ext cx="3621300" cy="369332"/>
+          </a:xfrm>
+          <a:prstGeom prst="rect">
+            <a:avLst/>
+          </a:prstGeom>
+          <a:noFill/>
+        </p:spPr>
+        <p:txBody>
+          <a:bodyPr wrap="square" rtlCol="0">
+            <a:spAutoFit/>
+          </a:bodyPr>
+          <a:lstStyle/>
+          <a:p>
+            <a:r>
+              <a:rPr lang="en-US" sz="1800" dirty="0"/>
+              <a:t>Figure 3. Pop genre spectrogram</a:t>
+            </a:r>
+          </a:p>
+        </p:txBody>
+      </p:sp>
+      <p:sp>
+        <p:nvSpPr>
+          <p:cNvPr id="30" name="TextBox 29">
+            <a:extLst>
+              <a:ext uri="{FF2B5EF4-FFF2-40B4-BE49-F238E27FC236}">
+                <a16:creationId xmlns:a16="http://schemas.microsoft.com/office/drawing/2014/main" id="{171ACE28-1336-E147-BB86-7CEFFE3D7055}"/>
+              </a:ext>
+            </a:extLst>
+          </p:cNvPr>
+          <p:cNvSpPr txBox="1"/>
+          <p:nvPr/>
+        </p:nvSpPr>
+        <p:spPr>
+          <a:xfrm>
+            <a:off x="5911495" y="28485605"/>
+            <a:ext cx="4084683" cy="369332"/>
+          </a:xfrm>
+          <a:prstGeom prst="rect">
+            <a:avLst/>
+          </a:prstGeom>
+          <a:noFill/>
+        </p:spPr>
+        <p:txBody>
+          <a:bodyPr wrap="square" rtlCol="0">
+            <a:spAutoFit/>
+          </a:bodyPr>
+          <a:lstStyle/>
+          <a:p>
+            <a:r>
+              <a:rPr lang="en-US" sz="1800" dirty="0"/>
+              <a:t>Figure 2. Classical genre spectrogram</a:t>
+            </a:r>
+          </a:p>
+        </p:txBody>
+      </p:sp>
+      <p:pic>
+        <p:nvPicPr>
+          <p:cNvPr id="18" name="Picture 17">
+            <a:extLst>
+              <a:ext uri="{FF2B5EF4-FFF2-40B4-BE49-F238E27FC236}">
+                <a16:creationId xmlns:a16="http://schemas.microsoft.com/office/drawing/2014/main" id="{9DF94E06-5713-CC4C-AA43-735E309C638F}"/>
+              </a:ext>
+            </a:extLst>
+          </p:cNvPr>
+          <p:cNvPicPr>
+            <a:picLocks noChangeAspect="1"/>
+          </p:cNvPicPr>
+          <p:nvPr/>
+        </p:nvPicPr>
+        <p:blipFill>
+          <a:blip r:embed="rId13"/>
+          <a:stretch>
+            <a:fillRect/>
+          </a:stretch>
+        </p:blipFill>
+        <p:spPr>
+          <a:xfrm>
+            <a:off x="6001401" y="28854937"/>
+            <a:ext cx="4143588" cy="2860655"/>
+          </a:xfrm>
+          <a:prstGeom prst="rect">
+            <a:avLst/>
+          </a:prstGeom>
+        </p:spPr>
+      </p:pic>
+      <p:sp>
+        <p:nvSpPr>
+          <p:cNvPr id="36" name="TextBox 35">
+            <a:extLst>
+              <a:ext uri="{FF2B5EF4-FFF2-40B4-BE49-F238E27FC236}">
+                <a16:creationId xmlns:a16="http://schemas.microsoft.com/office/drawing/2014/main" id="{EAC21A55-1D78-E547-BD06-04187D5F2A9A}"/>
+              </a:ext>
+            </a:extLst>
+          </p:cNvPr>
+          <p:cNvSpPr txBox="1"/>
+          <p:nvPr/>
+        </p:nvSpPr>
+        <p:spPr>
+          <a:xfrm>
+            <a:off x="6310572" y="31617373"/>
+            <a:ext cx="3983882" cy="369332"/>
+          </a:xfrm>
+          <a:prstGeom prst="rect">
+            <a:avLst/>
+          </a:prstGeom>
+          <a:noFill/>
+        </p:spPr>
+        <p:txBody>
+          <a:bodyPr wrap="square" rtlCol="0">
+            <a:spAutoFit/>
+          </a:bodyPr>
+          <a:lstStyle/>
+          <a:p>
+            <a:r>
+              <a:rPr lang="en-US" sz="1800" dirty="0"/>
+              <a:t>Figure 4. Blues genre spectrogram</a:t>
+            </a:r>
+          </a:p>
+        </p:txBody>
+      </p:sp>
     </p:spTree>
   </p:cSld>
   <p:clrMapOvr>

--- a/598_Poster.pptx
+++ b/598_Poster.pptx
@@ -260,7 +260,7 @@
               <a:pPr>
                 <a:defRPr/>
               </a:pPr>
-              <a:t>12/6/18</a:t>
+              <a:t>12/6/2018</a:t>
             </a:fld>
             <a:endParaRPr lang="en-US"/>
           </a:p>
@@ -837,7 +837,7 @@
               <a:pPr>
                 <a:defRPr/>
               </a:pPr>
-              <a:t>12/6/18</a:t>
+              <a:t>12/6/2018</a:t>
             </a:fld>
             <a:endParaRPr lang="en-US"/>
           </a:p>
@@ -1072,7 +1072,7 @@
               <a:pPr>
                 <a:defRPr/>
               </a:pPr>
-              <a:t>12/6/18</a:t>
+              <a:t>12/6/2018</a:t>
             </a:fld>
             <a:endParaRPr lang="en-US"/>
           </a:p>
@@ -1482,7 +1482,7 @@
               <a:pPr>
                 <a:defRPr/>
               </a:pPr>
-              <a:t>12/6/18</a:t>
+              <a:t>12/6/2018</a:t>
             </a:fld>
             <a:endParaRPr lang="en-US"/>
           </a:p>
@@ -1832,7 +1832,7 @@
               <a:pPr>
                 <a:defRPr/>
               </a:pPr>
-              <a:t>12/6/18</a:t>
+              <a:t>12/6/2018</a:t>
             </a:fld>
             <a:endParaRPr lang="en-US"/>
           </a:p>
@@ -2322,7 +2322,7 @@
               <a:pPr>
                 <a:defRPr/>
               </a:pPr>
-              <a:t>12/6/18</a:t>
+              <a:t>12/6/2018</a:t>
             </a:fld>
             <a:endParaRPr lang="en-US"/>
           </a:p>
@@ -2498,7 +2498,7 @@
               <a:pPr>
                 <a:defRPr/>
               </a:pPr>
-              <a:t>12/6/18</a:t>
+              <a:t>12/6/2018</a:t>
             </a:fld>
             <a:endParaRPr lang="en-US"/>
           </a:p>
@@ -2644,7 +2644,7 @@
               <a:pPr>
                 <a:defRPr/>
               </a:pPr>
-              <a:t>12/6/18</a:t>
+              <a:t>12/6/2018</a:t>
             </a:fld>
             <a:endParaRPr lang="en-US"/>
           </a:p>
@@ -2979,7 +2979,7 @@
               <a:pPr>
                 <a:defRPr/>
               </a:pPr>
-              <a:t>12/6/18</a:t>
+              <a:t>12/6/2018</a:t>
             </a:fld>
             <a:endParaRPr lang="en-US"/>
           </a:p>
@@ -3297,7 +3297,7 @@
               <a:pPr>
                 <a:defRPr/>
               </a:pPr>
-              <a:t>12/6/18</a:t>
+              <a:t>12/6/2018</a:t>
             </a:fld>
             <a:endParaRPr lang="en-US"/>
           </a:p>
@@ -3866,14 +3866,14 @@
           </a:ln>
           <a:extLst>
             <a:ext uri="{909E8E84-426E-40dd-AFC4-6F175D3DCCD1}">
-              <a14:hiddenFill xmlns="" xmlns:a14="http://schemas.microsoft.com/office/drawing/2010/main">
+              <a14:hiddenFill xmlns:a14="http://schemas.microsoft.com/office/drawing/2010/main" xmlns="">
                 <a:solidFill>
                   <a:srgbClr val="FFFFFF"/>
                 </a:solidFill>
               </a14:hiddenFill>
             </a:ext>
             <a:ext uri="{91240B29-F687-4f45-9708-019B960494DF}">
-              <a14:hiddenLine xmlns="" xmlns:a14="http://schemas.microsoft.com/office/drawing/2010/main" w="9525">
+              <a14:hiddenLine xmlns:a14="http://schemas.microsoft.com/office/drawing/2010/main" xmlns="" w="9525">
                 <a:solidFill>
                   <a:srgbClr val="000000"/>
                 </a:solidFill>
@@ -3901,6 +3901,13 @@
                 <a:cs typeface="Georgia" charset="0"/>
               </a:rPr>
               <a:t>Presenter name, Associates and Collaborators</a:t>
+            </a:r>
+            <a:r>
+              <a:rPr lang="en-US" sz="4800" b="1">
+                <a:latin typeface="Georgia" charset="0"/>
+                <a:cs typeface="Georgia" charset="0"/>
+              </a:rPr>
+              <a:t/>
             </a:r>
             <a:br>
               <a:rPr lang="en-US" sz="4800" b="1">
@@ -3940,14 +3947,14 @@
           </a:ln>
           <a:extLst>
             <a:ext uri="{909E8E84-426E-40dd-AFC4-6F175D3DCCD1}">
-              <a14:hiddenFill xmlns="" xmlns:a14="http://schemas.microsoft.com/office/drawing/2010/main">
+              <a14:hiddenFill xmlns:a14="http://schemas.microsoft.com/office/drawing/2010/main" xmlns="">
                 <a:solidFill>
                   <a:srgbClr val="FFFFFF"/>
                 </a:solidFill>
               </a14:hiddenFill>
             </a:ext>
             <a:ext uri="{91240B29-F687-4f45-9708-019B960494DF}">
-              <a14:hiddenLine xmlns="" xmlns:a14="http://schemas.microsoft.com/office/drawing/2010/main" w="9525">
+              <a14:hiddenLine xmlns:a14="http://schemas.microsoft.com/office/drawing/2010/main" xmlns="" w="9525">
                 <a:solidFill>
                   <a:srgbClr val="000000"/>
                 </a:solidFill>
@@ -4150,7 +4157,7 @@
           </a:ln>
           <a:extLst>
             <a:ext uri="{91240B29-F687-4f45-9708-019B960494DF}">
-              <a14:hiddenLine xmlns="" xmlns:a14="http://schemas.microsoft.com/office/drawing/2010/main" w="9525">
+              <a14:hiddenLine xmlns:a14="http://schemas.microsoft.com/office/drawing/2010/main" xmlns="" w="9525">
                 <a:solidFill>
                   <a:srgbClr val="000000"/>
                 </a:solidFill>
@@ -4240,7 +4247,7 @@
           </a:ln>
           <a:extLst>
             <a:ext uri="{91240B29-F687-4f45-9708-019B960494DF}">
-              <a14:hiddenLine xmlns="" xmlns:a14="http://schemas.microsoft.com/office/drawing/2010/main" w="9525">
+              <a14:hiddenLine xmlns:a14="http://schemas.microsoft.com/office/drawing/2010/main" xmlns="" w="9525">
                 <a:solidFill>
                   <a:srgbClr val="000000"/>
                 </a:solidFill>
@@ -4380,7 +4387,7 @@
           </a:ln>
           <a:extLst>
             <a:ext uri="{91240B29-F687-4f45-9708-019B960494DF}">
-              <a14:hiddenLine xmlns="" xmlns:a14="http://schemas.microsoft.com/office/drawing/2010/main" w="9525">
+              <a14:hiddenLine xmlns:a14="http://schemas.microsoft.com/office/drawing/2010/main" xmlns="" w="9525">
                 <a:solidFill>
                   <a:srgbClr val="000000"/>
                 </a:solidFill>
@@ -4586,7 +4593,7 @@
           </a:ln>
           <a:extLst>
             <a:ext uri="{91240B29-F687-4f45-9708-019B960494DF}">
-              <a14:hiddenLine xmlns="" xmlns:a14="http://schemas.microsoft.com/office/drawing/2010/main" w="9525">
+              <a14:hiddenLine xmlns:a14="http://schemas.microsoft.com/office/drawing/2010/main" xmlns="" w="9525">
                 <a:solidFill>
                   <a:srgbClr val="000000"/>
                 </a:solidFill>
@@ -4780,7 +4787,7 @@
           </a:ln>
           <a:extLst>
             <a:ext uri="{91240B29-F687-4f45-9708-019B960494DF}">
-              <a14:hiddenLine xmlns="" xmlns:a14="http://schemas.microsoft.com/office/drawing/2010/main" w="9525">
+              <a14:hiddenLine xmlns:a14="http://schemas.microsoft.com/office/drawing/2010/main" xmlns="" w="9525">
                 <a:solidFill>
                   <a:srgbClr val="000000"/>
                 </a:solidFill>
@@ -4990,7 +4997,7 @@
           </a:ln>
           <a:extLst>
             <a:ext uri="{91240B29-F687-4f45-9708-019B960494DF}">
-              <a14:hiddenLine xmlns="" xmlns:a14="http://schemas.microsoft.com/office/drawing/2010/main" w="9525">
+              <a14:hiddenLine xmlns:a14="http://schemas.microsoft.com/office/drawing/2010/main" xmlns="" w="9525">
                 <a:solidFill>
                   <a:srgbClr val="000000"/>
                 </a:solidFill>
@@ -5102,7 +5109,7 @@
           </a:ln>
           <a:extLst>
             <a:ext uri="{91240B29-F687-4f45-9708-019B960494DF}">
-              <a14:hiddenLine xmlns="" xmlns:a14="http://schemas.microsoft.com/office/drawing/2010/main" w="9525">
+              <a14:hiddenLine xmlns:a14="http://schemas.microsoft.com/office/drawing/2010/main" xmlns="" w="9525">
                 <a:solidFill>
                   <a:srgbClr val="000000"/>
                 </a:solidFill>
@@ -5222,14 +5229,14 @@
           </a:ln>
           <a:extLst>
             <a:ext uri="{909E8E84-426E-40dd-AFC4-6F175D3DCCD1}">
-              <a14:hiddenFill xmlns="" xmlns:a14="http://schemas.microsoft.com/office/drawing/2010/main">
+              <a14:hiddenFill xmlns:a14="http://schemas.microsoft.com/office/drawing/2010/main" xmlns="">
                 <a:solidFill>
                   <a:srgbClr val="FFFFFF"/>
                 </a:solidFill>
               </a14:hiddenFill>
             </a:ext>
             <a:ext uri="{91240B29-F687-4f45-9708-019B960494DF}">
-              <a14:hiddenLine xmlns="" xmlns:a14="http://schemas.microsoft.com/office/drawing/2010/main" w="9525">
+              <a14:hiddenLine xmlns:a14="http://schemas.microsoft.com/office/drawing/2010/main" xmlns="" w="9525">
                 <a:solidFill>
                   <a:srgbClr val="000000"/>
                 </a:solidFill>
@@ -5431,14 +5438,14 @@
           </a:ln>
           <a:extLst>
             <a:ext uri="{909E8E84-426E-40dd-AFC4-6F175D3DCCD1}">
-              <a14:hiddenFill xmlns="" xmlns:a14="http://schemas.microsoft.com/office/drawing/2010/main">
+              <a14:hiddenFill xmlns:a14="http://schemas.microsoft.com/office/drawing/2010/main" xmlns="">
                 <a:solidFill>
                   <a:srgbClr val="FFFFFF"/>
                 </a:solidFill>
               </a14:hiddenFill>
             </a:ext>
             <a:ext uri="{91240B29-F687-4f45-9708-019B960494DF}">
-              <a14:hiddenLine xmlns="" xmlns:a14="http://schemas.microsoft.com/office/drawing/2010/main" w="9525">
+              <a14:hiddenLine xmlns:a14="http://schemas.microsoft.com/office/drawing/2010/main" xmlns="" w="9525">
                 <a:solidFill>
                   <a:srgbClr val="000000"/>
                 </a:solidFill>
@@ -5604,14 +5611,14 @@
           </a:ln>
           <a:extLst>
             <a:ext uri="{909E8E84-426E-40dd-AFC4-6F175D3DCCD1}">
-              <a14:hiddenFill xmlns="" xmlns:a14="http://schemas.microsoft.com/office/drawing/2010/main">
+              <a14:hiddenFill xmlns:a14="http://schemas.microsoft.com/office/drawing/2010/main" xmlns="">
                 <a:solidFill>
                   <a:srgbClr val="FFFFFF"/>
                 </a:solidFill>
               </a14:hiddenFill>
             </a:ext>
             <a:ext uri="{91240B29-F687-4f45-9708-019B960494DF}">
-              <a14:hiddenLine xmlns="" xmlns:a14="http://schemas.microsoft.com/office/drawing/2010/main" w="9525">
+              <a14:hiddenLine xmlns:a14="http://schemas.microsoft.com/office/drawing/2010/main" xmlns="" w="9525">
                 <a:solidFill>
                   <a:srgbClr val="000000"/>
                 </a:solidFill>
@@ -5849,14 +5856,14 @@
           </a:ln>
           <a:extLst>
             <a:ext uri="{909E8E84-426E-40dd-AFC4-6F175D3DCCD1}">
-              <a14:hiddenFill xmlns="" xmlns:a14="http://schemas.microsoft.com/office/drawing/2010/main">
+              <a14:hiddenFill xmlns:a14="http://schemas.microsoft.com/office/drawing/2010/main" xmlns="">
                 <a:solidFill>
                   <a:srgbClr val="FFFFFF"/>
                 </a:solidFill>
               </a14:hiddenFill>
             </a:ext>
             <a:ext uri="{91240B29-F687-4f45-9708-019B960494DF}">
-              <a14:hiddenLine xmlns="" xmlns:a14="http://schemas.microsoft.com/office/drawing/2010/main" w="9525">
+              <a14:hiddenLine xmlns:a14="http://schemas.microsoft.com/office/drawing/2010/main" xmlns="" w="9525">
                 <a:solidFill>
                   <a:srgbClr val="000000"/>
                 </a:solidFill>
@@ -6058,14 +6065,14 @@
           </a:ln>
           <a:extLst>
             <a:ext uri="{909E8E84-426E-40dd-AFC4-6F175D3DCCD1}">
-              <a14:hiddenFill xmlns="" xmlns:a14="http://schemas.microsoft.com/office/drawing/2010/main">
+              <a14:hiddenFill xmlns:a14="http://schemas.microsoft.com/office/drawing/2010/main" xmlns="">
                 <a:solidFill>
                   <a:srgbClr val="FFFFFF"/>
                 </a:solidFill>
               </a14:hiddenFill>
             </a:ext>
             <a:ext uri="{91240B29-F687-4f45-9708-019B960494DF}">
-              <a14:hiddenLine xmlns="" xmlns:a14="http://schemas.microsoft.com/office/drawing/2010/main" w="9525">
+              <a14:hiddenLine xmlns:a14="http://schemas.microsoft.com/office/drawing/2010/main" xmlns="" w="9525">
                 <a:solidFill>
                   <a:srgbClr val="000000"/>
                 </a:solidFill>
@@ -6267,14 +6274,14 @@
           </a:ln>
           <a:extLst>
             <a:ext uri="{909E8E84-426E-40dd-AFC4-6F175D3DCCD1}">
-              <a14:hiddenFill xmlns="" xmlns:a14="http://schemas.microsoft.com/office/drawing/2010/main">
+              <a14:hiddenFill xmlns:a14="http://schemas.microsoft.com/office/drawing/2010/main" xmlns="">
                 <a:solidFill>
                   <a:srgbClr val="FFFFFF"/>
                 </a:solidFill>
               </a14:hiddenFill>
             </a:ext>
             <a:ext uri="{91240B29-F687-4f45-9708-019B960494DF}">
-              <a14:hiddenLine xmlns="" xmlns:a14="http://schemas.microsoft.com/office/drawing/2010/main" w="9525">
+              <a14:hiddenLine xmlns:a14="http://schemas.microsoft.com/office/drawing/2010/main" xmlns="" w="9525">
                 <a:solidFill>
                   <a:srgbClr val="000000"/>
                 </a:solidFill>
@@ -6495,14 +6502,14 @@
           </a:ln>
           <a:extLst>
             <a:ext uri="{909E8E84-426E-40dd-AFC4-6F175D3DCCD1}">
-              <a14:hiddenFill xmlns="" xmlns:a14="http://schemas.microsoft.com/office/drawing/2010/main">
+              <a14:hiddenFill xmlns:a14="http://schemas.microsoft.com/office/drawing/2010/main" xmlns="">
                 <a:solidFill>
                   <a:srgbClr val="FFFFFF"/>
                 </a:solidFill>
               </a14:hiddenFill>
             </a:ext>
             <a:ext uri="{91240B29-F687-4f45-9708-019B960494DF}">
-              <a14:hiddenLine xmlns="" xmlns:a14="http://schemas.microsoft.com/office/drawing/2010/main" w="9525">
+              <a14:hiddenLine xmlns:a14="http://schemas.microsoft.com/office/drawing/2010/main" xmlns="" w="9525">
                 <a:solidFill>
                   <a:srgbClr val="000000"/>
                 </a:solidFill>
@@ -6533,6 +6540,16 @@
                 <a:cs typeface="Georgia" charset="0"/>
               </a:rPr>
               <a:t>Hakan Tekgul, Raimi Shah</a:t>
+            </a:r>
+            <a:r>
+              <a:rPr lang="en-US" sz="4800" b="1" dirty="0">
+                <a:solidFill>
+                  <a:schemeClr val="tx2"/>
+                </a:solidFill>
+                <a:latin typeface="Georgia" charset="0"/>
+                <a:cs typeface="Georgia" charset="0"/>
+              </a:rPr>
+              <a:t/>
             </a:r>
             <a:br>
               <a:rPr lang="en-US" sz="4800" b="1" dirty="0">
@@ -6578,14 +6595,14 @@
           </a:ln>
           <a:extLst>
             <a:ext uri="{909E8E84-426E-40dd-AFC4-6F175D3DCCD1}">
-              <a14:hiddenFill xmlns="" xmlns:a14="http://schemas.microsoft.com/office/drawing/2010/main">
+              <a14:hiddenFill xmlns:a14="http://schemas.microsoft.com/office/drawing/2010/main" xmlns="">
                 <a:solidFill>
                   <a:srgbClr val="FFFFFF"/>
                 </a:solidFill>
               </a14:hiddenFill>
             </a:ext>
             <a:ext uri="{91240B29-F687-4f45-9708-019B960494DF}">
-              <a14:hiddenLine xmlns="" xmlns:a14="http://schemas.microsoft.com/office/drawing/2010/main" w="9525">
+              <a14:hiddenLine xmlns:a14="http://schemas.microsoft.com/office/drawing/2010/main" xmlns="" w="9525">
                 <a:solidFill>
                   <a:srgbClr val="000000"/>
                 </a:solidFill>
@@ -6743,7 +6760,7 @@
           </a:ln>
           <a:extLst>
             <a:ext uri="{91240B29-F687-4f45-9708-019B960494DF}">
-              <a14:hiddenLine xmlns="" xmlns:a14="http://schemas.microsoft.com/office/drawing/2010/main" w="9525">
+              <a14:hiddenLine xmlns:a14="http://schemas.microsoft.com/office/drawing/2010/main" xmlns="" w="9525">
                 <a:solidFill>
                   <a:srgbClr val="000000"/>
                 </a:solidFill>
@@ -6778,41 +6795,54 @@
             </a:endParaRPr>
           </a:p>
           <a:p>
-            <a:endParaRPr lang="en-US" sz="2800" dirty="0"/>
-          </a:p>
-          <a:p>
+            <a:r>
+              <a:rPr lang="en-US" sz="2800" dirty="0" smtClean="0"/>
+              <a:t>We would like to thank Professor </a:t>
+            </a:r>
+            <a:r>
+              <a:rPr lang="en-US" sz="2800" dirty="0" err="1" smtClean="0"/>
+              <a:t>Smaragdis</a:t>
+            </a:r>
+            <a:r>
+              <a:rPr lang="en-US" sz="2800" dirty="0" smtClean="0"/>
+              <a:t> and the course staff for CS 598.</a:t>
+            </a:r>
+          </a:p>
+          <a:p>
+            <a:r>
+              <a:rPr lang="en-US" sz="2800" dirty="0"/>
+              <a:t/>
+            </a:r>
+            <a:br>
+              <a:rPr lang="en-US" sz="2800" dirty="0"/>
+            </a:br>
+            <a:r>
+              <a:rPr lang="en-US" sz="2800" dirty="0" smtClean="0"/>
+              <a:t>We used the dataset </a:t>
+            </a:r>
+            <a:r>
+              <a:rPr lang="en-US" sz="2800" dirty="0"/>
+              <a:t>from </a:t>
+            </a:r>
             <a:r>
               <a:rPr lang="en-US" sz="2800" dirty="0">
-                <a:latin typeface="Georgia" charset="0"/>
-                <a:cs typeface="Georgia" charset="0"/>
-              </a:rPr>
-              <a:t>Check to make sure you</a:t>
-            </a:r>
-            <a:r>
-              <a:rPr lang="ja-JP" altLang="en-US" sz="2800">
-                <a:latin typeface="Georgia" charset="0"/>
-                <a:cs typeface="Georgia" charset="0"/>
-              </a:rPr>
-              <a:t>’</a:t>
-            </a:r>
-            <a:r>
-              <a:rPr lang="en-US" altLang="ja-JP" sz="2800" dirty="0" err="1">
-                <a:latin typeface="Georgia" charset="0"/>
-                <a:cs typeface="Georgia" charset="0"/>
-              </a:rPr>
-              <a:t>ve</a:t>
-            </a:r>
-            <a:r>
-              <a:rPr lang="en-US" altLang="ja-JP" sz="2800" dirty="0">
-                <a:latin typeface="Georgia" charset="0"/>
-                <a:cs typeface="Georgia" charset="0"/>
-              </a:rPr>
-              <a:t> acknowledged partner and funding agencies, either with text or with their logos.</a:t>
-            </a:r>
-            <a:endParaRPr lang="en-US" sz="2800" dirty="0">
-              <a:latin typeface="Georgia" charset="0"/>
-              <a:cs typeface="Georgia" charset="0"/>
-            </a:endParaRPr>
+                <a:hlinkClick r:id="rId2"/>
+              </a:rPr>
+              <a:t>http://</a:t>
+            </a:r>
+            <a:r>
+              <a:rPr lang="en-US" sz="2800">
+                <a:hlinkClick r:id="rId2"/>
+              </a:rPr>
+              <a:t>marsyasweb.appspot.com/download/data_sets</a:t>
+            </a:r>
+            <a:r>
+              <a:rPr lang="en-US" sz="2800" smtClean="0">
+                <a:hlinkClick r:id="rId2"/>
+              </a:rPr>
+              <a:t>/</a:t>
+            </a:r>
+            <a:endParaRPr lang="en-US" sz="2800" dirty="0" smtClean="0"/>
           </a:p>
         </p:txBody>
       </p:sp>
@@ -6840,7 +6870,7 @@
           </a:ln>
           <a:extLst>
             <a:ext uri="{91240B29-F687-4f45-9708-019B960494DF}">
-              <a14:hiddenLine xmlns="" xmlns:a14="http://schemas.microsoft.com/office/drawing/2010/main" w="9525">
+              <a14:hiddenLine xmlns:a14="http://schemas.microsoft.com/office/drawing/2010/main" xmlns="" w="9525">
                 <a:solidFill>
                   <a:srgbClr val="000000"/>
                 </a:solidFill>
@@ -6939,7 +6969,7 @@
           </a:ln>
           <a:extLst>
             <a:ext uri="{91240B29-F687-4f45-9708-019B960494DF}">
-              <a14:hiddenLine xmlns="" xmlns:a14="http://schemas.microsoft.com/office/drawing/2010/main" w="9525">
+              <a14:hiddenLine xmlns:a14="http://schemas.microsoft.com/office/drawing/2010/main" xmlns="" w="9525">
                 <a:solidFill>
                   <a:srgbClr val="000000"/>
                 </a:solidFill>
@@ -7056,8 +7086,8 @@
           </a:p>
         </p:txBody>
       </p:sp>
-      <mc:AlternateContent xmlns:mc="http://schemas.openxmlformats.org/markup-compatibility/2006" xmlns:a14="http://schemas.microsoft.com/office/drawing/2010/main">
-        <mc:Choice Requires="a14">
+      <mc:AlternateContent xmlns:mc="http://schemas.openxmlformats.org/markup-compatibility/2006">
+        <mc:Choice xmlns:a14="http://schemas.microsoft.com/office/drawing/2010/main" Requires="a14">
           <p:sp>
             <p:nvSpPr>
               <p:cNvPr id="15366" name="Rectangle 6"/>
@@ -7103,7 +7133,7 @@
                   </a:spcBef>
                 </a:pPr>
                 <a:r>
-                  <a:rPr lang="en-GB" sz="4000" b="1" u="sng" dirty="0">
+                  <a:rPr lang="en-GB" sz="4000" b="1" u="sng" dirty="0" smtClean="0">
                     <a:solidFill>
                       <a:srgbClr val="131F33"/>
                     </a:solidFill>
@@ -7161,6 +7191,271 @@
                   </a:rPr>
                   <a:t>Multi-Class Support Vector Machines: </a:t>
                 </a:r>
+                <a:endParaRPr lang="en-US" sz="2800" b="1" dirty="0" smtClean="0">
+                  <a:latin typeface="Georgia" charset="0"/>
+                  <a:cs typeface="Georgia" charset="0"/>
+                </a:endParaRPr>
+              </a:p>
+              <a:p>
+                <a:pPr marL="381000" indent="-381000"/>
+                <a:r>
+                  <a:rPr lang="en-US" sz="2800" b="1" dirty="0" smtClean="0">
+                    <a:latin typeface="Georgia" charset="0"/>
+                    <a:cs typeface="Georgia" charset="0"/>
+                  </a:rPr>
+                  <a:t>	</a:t>
+                </a:r>
+                <a:r>
+                  <a:rPr lang="en-US" sz="2800" dirty="0" smtClean="0">
+                    <a:latin typeface="Georgia" charset="0"/>
+                    <a:cs typeface="Georgia" charset="0"/>
+                  </a:rPr>
+                  <a:t>We used tried to use multiclass support vector machines with OVR, OVO, and crammer-singer loss. </a:t>
+                </a:r>
+                <a:r>
+                  <a:rPr lang="en-US" sz="2800" dirty="0" smtClean="0">
+                    <a:latin typeface="Georgia" charset="0"/>
+                    <a:cs typeface="Georgia" charset="0"/>
+                  </a:rPr>
+                  <a:t>Our best was with crammer-singer loss.</a:t>
+                </a:r>
+                <a:endParaRPr lang="en-US" sz="2800" b="0" i="1" dirty="0" smtClean="0">
+                  <a:latin typeface="Cambria Math" panose="02040503050406030204" pitchFamily="18" charset="0"/>
+                  <a:cs typeface="Georgia" charset="0"/>
+                </a:endParaRPr>
+              </a:p>
+              <a:p>
+                <a:pPr marL="381000" indent="-381000"/>
+                <a14:m>
+                  <m:oMathPara xmlns:m="http://schemas.openxmlformats.org/officeDocument/2006/math">
+                    <m:oMathParaPr>
+                      <m:jc m:val="centerGroup"/>
+                    </m:oMathParaPr>
+                    <m:oMath xmlns:m="http://schemas.openxmlformats.org/officeDocument/2006/math">
+                      <m:r>
+                        <a:rPr lang="en-US" sz="2800" b="0" i="1" smtClean="0">
+                          <a:latin typeface="Cambria Math" panose="02040503050406030204" pitchFamily="18" charset="0"/>
+                          <a:cs typeface="Georgia" charset="0"/>
+                        </a:rPr>
+                        <m:t>𝑙</m:t>
+                      </m:r>
+                      <m:r>
+                        <a:rPr lang="en-US" sz="2800" b="0" i="1" smtClean="0">
+                          <a:latin typeface="Cambria Math" panose="02040503050406030204" pitchFamily="18" charset="0"/>
+                          <a:cs typeface="Georgia" charset="0"/>
+                        </a:rPr>
+                        <m:t>(</m:t>
+                      </m:r>
+                      <m:r>
+                        <a:rPr lang="en-US" sz="2800" b="0" i="1" smtClean="0">
+                          <a:latin typeface="Cambria Math" panose="02040503050406030204" pitchFamily="18" charset="0"/>
+                          <a:cs typeface="Georgia" charset="0"/>
+                        </a:rPr>
+                        <m:t>𝑦</m:t>
+                      </m:r>
+                      <m:r>
+                        <a:rPr lang="en-US" sz="2800" b="0" i="1" smtClean="0">
+                          <a:latin typeface="Cambria Math" panose="02040503050406030204" pitchFamily="18" charset="0"/>
+                          <a:cs typeface="Georgia" charset="0"/>
+                        </a:rPr>
+                        <m:t>)=</m:t>
+                      </m:r>
+                      <m:func>
+                        <m:funcPr>
+                          <m:ctrlPr>
+                            <a:rPr lang="en-US" sz="2800" b="0" i="1" smtClean="0">
+                              <a:latin typeface="Cambria Math" panose="02040503050406030204" pitchFamily="18" charset="0"/>
+                              <a:cs typeface="Georgia" charset="0"/>
+                            </a:rPr>
+                          </m:ctrlPr>
+                        </m:funcPr>
+                        <m:fName>
+                          <m:r>
+                            <m:rPr>
+                              <m:sty m:val="p"/>
+                            </m:rPr>
+                            <a:rPr lang="en-US" sz="2800" b="0" i="0" smtClean="0">
+                              <a:latin typeface="Cambria Math" panose="02040503050406030204" pitchFamily="18" charset="0"/>
+                              <a:cs typeface="Georgia" charset="0"/>
+                            </a:rPr>
+                            <m:t>max</m:t>
+                          </m:r>
+                        </m:fName>
+                        <m:e>
+                          <m:d>
+                            <m:dPr>
+                              <m:endChr m:val="}"/>
+                              <m:ctrlPr>
+                                <a:rPr lang="en-US" sz="2800" b="0" i="1" smtClean="0">
+                                  <a:latin typeface="Cambria Math" panose="02040503050406030204" pitchFamily="18" charset="0"/>
+                                  <a:cs typeface="Georgia" charset="0"/>
+                                </a:rPr>
+                              </m:ctrlPr>
+                            </m:dPr>
+                            <m:e>
+                              <m:r>
+                                <a:rPr lang="en-US" sz="2800" b="0" i="1" smtClean="0">
+                                  <a:latin typeface="Cambria Math" panose="02040503050406030204" pitchFamily="18" charset="0"/>
+                                  <a:cs typeface="Georgia" charset="0"/>
+                                </a:rPr>
+                                <m:t>0, 1+</m:t>
+                              </m:r>
+                              <m:func>
+                                <m:funcPr>
+                                  <m:ctrlPr>
+                                    <a:rPr lang="en-US" sz="2800" b="0" i="1" smtClean="0">
+                                      <a:latin typeface="Cambria Math" panose="02040503050406030204" pitchFamily="18" charset="0"/>
+                                      <a:cs typeface="Georgia" charset="0"/>
+                                    </a:rPr>
+                                  </m:ctrlPr>
+                                </m:funcPr>
+                                <m:fName>
+                                  <m:limLow>
+                                    <m:limLowPr>
+                                      <m:ctrlPr>
+                                        <a:rPr lang="en-US" sz="2800" b="0" i="1" smtClean="0">
+                                          <a:latin typeface="Cambria Math" panose="02040503050406030204" pitchFamily="18" charset="0"/>
+                                          <a:cs typeface="Georgia" charset="0"/>
+                                        </a:rPr>
+                                      </m:ctrlPr>
+                                    </m:limLowPr>
+                                    <m:e>
+                                      <m:r>
+                                        <m:rPr>
+                                          <m:sty m:val="p"/>
+                                        </m:rPr>
+                                        <a:rPr lang="en-US" sz="2800" b="0" i="0" smtClean="0">
+                                          <a:latin typeface="Cambria Math" panose="02040503050406030204" pitchFamily="18" charset="0"/>
+                                          <a:cs typeface="Georgia" charset="0"/>
+                                        </a:rPr>
+                                        <m:t>max</m:t>
+                                      </m:r>
+                                    </m:e>
+                                    <m:lim>
+                                      <m:r>
+                                        <a:rPr lang="en-US" sz="2800" b="0" i="1" smtClean="0">
+                                          <a:latin typeface="Cambria Math" panose="02040503050406030204" pitchFamily="18" charset="0"/>
+                                          <a:cs typeface="Georgia" charset="0"/>
+                                        </a:rPr>
+                                        <m:t>𝑦</m:t>
+                                      </m:r>
+                                      <m:r>
+                                        <a:rPr lang="en-US" sz="2800" b="0" i="1" smtClean="0">
+                                          <a:latin typeface="Cambria Math" panose="02040503050406030204" pitchFamily="18" charset="0"/>
+                                          <a:ea typeface="Cambria Math" panose="02040503050406030204" pitchFamily="18" charset="0"/>
+                                          <a:cs typeface="Georgia" charset="0"/>
+                                        </a:rPr>
+                                        <m:t>≠</m:t>
+                                      </m:r>
+                                      <m:r>
+                                        <a:rPr lang="en-US" sz="2800" b="0" i="1" smtClean="0">
+                                          <a:latin typeface="Cambria Math" panose="02040503050406030204" pitchFamily="18" charset="0"/>
+                                          <a:ea typeface="Cambria Math" panose="02040503050406030204" pitchFamily="18" charset="0"/>
+                                          <a:cs typeface="Georgia" charset="0"/>
+                                        </a:rPr>
+                                        <m:t>𝑡</m:t>
+                                      </m:r>
+                                    </m:lim>
+                                  </m:limLow>
+                                </m:fName>
+                                <m:e>
+                                  <m:sSub>
+                                    <m:sSubPr>
+                                      <m:ctrlPr>
+                                        <a:rPr lang="en-US" sz="2800" b="0" i="1" smtClean="0">
+                                          <a:latin typeface="Cambria Math" panose="02040503050406030204" pitchFamily="18" charset="0"/>
+                                          <a:cs typeface="Georgia" charset="0"/>
+                                        </a:rPr>
+                                      </m:ctrlPr>
+                                    </m:sSubPr>
+                                    <m:e>
+                                      <m:r>
+                                        <a:rPr lang="en-US" sz="2800" b="0" i="1" smtClean="0">
+                                          <a:latin typeface="Cambria Math" panose="02040503050406030204" pitchFamily="18" charset="0"/>
+                                          <a:cs typeface="Georgia" charset="0"/>
+                                        </a:rPr>
+                                        <m:t>𝑤</m:t>
+                                      </m:r>
+                                    </m:e>
+                                    <m:sub>
+                                      <m:r>
+                                        <a:rPr lang="en-US" sz="2800" b="0" i="1" smtClean="0">
+                                          <a:latin typeface="Cambria Math" panose="02040503050406030204" pitchFamily="18" charset="0"/>
+                                          <a:cs typeface="Georgia" charset="0"/>
+                                        </a:rPr>
+                                        <m:t>𝑦</m:t>
+                                      </m:r>
+                                    </m:sub>
+                                  </m:sSub>
+                                  <m:r>
+                                    <a:rPr lang="en-US" sz="2800" b="0" i="1" smtClean="0">
+                                      <a:latin typeface="Cambria Math" panose="02040503050406030204" pitchFamily="18" charset="0"/>
+                                      <a:cs typeface="Georgia" charset="0"/>
+                                    </a:rPr>
+                                    <m:t>𝑥</m:t>
+                                  </m:r>
+                                  <m:r>
+                                    <a:rPr lang="en-US" sz="2800" b="0" i="1" smtClean="0">
+                                      <a:latin typeface="Cambria Math" panose="02040503050406030204" pitchFamily="18" charset="0"/>
+                                      <a:cs typeface="Georgia" charset="0"/>
+                                    </a:rPr>
+                                    <m:t>−</m:t>
+                                  </m:r>
+                                  <m:sSub>
+                                    <m:sSubPr>
+                                      <m:ctrlPr>
+                                        <a:rPr lang="en-US" sz="2800" b="0" i="1" smtClean="0">
+                                          <a:latin typeface="Cambria Math" panose="02040503050406030204" pitchFamily="18" charset="0"/>
+                                          <a:cs typeface="Georgia" charset="0"/>
+                                        </a:rPr>
+                                      </m:ctrlPr>
+                                    </m:sSubPr>
+                                    <m:e>
+                                      <m:r>
+                                        <a:rPr lang="en-US" sz="2800" b="0" i="1" smtClean="0">
+                                          <a:latin typeface="Cambria Math" panose="02040503050406030204" pitchFamily="18" charset="0"/>
+                                          <a:cs typeface="Georgia" charset="0"/>
+                                        </a:rPr>
+                                        <m:t>𝑤</m:t>
+                                      </m:r>
+                                    </m:e>
+                                    <m:sub>
+                                      <m:r>
+                                        <a:rPr lang="en-US" sz="2800" b="0" i="1" smtClean="0">
+                                          <a:latin typeface="Cambria Math" panose="02040503050406030204" pitchFamily="18" charset="0"/>
+                                          <a:cs typeface="Georgia" charset="0"/>
+                                        </a:rPr>
+                                        <m:t>𝑡</m:t>
+                                      </m:r>
+                                    </m:sub>
+                                  </m:sSub>
+                                  <m:r>
+                                    <a:rPr lang="en-US" sz="2800" b="0" i="1" smtClean="0">
+                                      <a:latin typeface="Cambria Math" panose="02040503050406030204" pitchFamily="18" charset="0"/>
+                                      <a:cs typeface="Georgia" charset="0"/>
+                                    </a:rPr>
+                                    <m:t>𝑥</m:t>
+                                  </m:r>
+                                </m:e>
+                              </m:func>
+                            </m:e>
+                          </m:d>
+                        </m:e>
+                      </m:func>
+                    </m:oMath>
+                  </m:oMathPara>
+                </a14:m>
+                <a:endParaRPr lang="en-US" sz="2800" dirty="0" smtClean="0">
+                  <a:latin typeface="Georgia" charset="0"/>
+                  <a:cs typeface="Georgia" charset="0"/>
+                </a:endParaRPr>
+              </a:p>
+              <a:p>
+                <a:pPr marL="381000" indent="-381000"/>
+                <a:endParaRPr lang="en-US" sz="2800" b="1" dirty="0">
+                  <a:latin typeface="Georgia" charset="0"/>
+                  <a:cs typeface="Georgia" charset="0"/>
+                </a:endParaRPr>
               </a:p>
               <a:p>
                 <a:pPr marL="381000" indent="-381000"/>
@@ -7508,8 +7803,46 @@
                     <a:latin typeface="Georgia" charset="0"/>
                     <a:cs typeface="Georgia" charset="0"/>
                   </a:rPr>
-                  <a:t> nonlinearity.</a:t>
+                  <a:t> nonlinearity</a:t>
                 </a:r>
+                <a:r>
+                  <a:rPr lang="en-US" sz="2800" dirty="0" smtClean="0">
+                    <a:latin typeface="Georgia" charset="0"/>
+                    <a:cs typeface="Georgia" charset="0"/>
+                  </a:rPr>
+                  <a:t>.</a:t>
+                </a:r>
+              </a:p>
+              <a:p>
+                <a:pPr marL="381000" indent="-381000"/>
+                <a:endParaRPr lang="en-US" sz="2800" b="1" dirty="0">
+                  <a:latin typeface="Georgia" charset="0"/>
+                  <a:cs typeface="Georgia" charset="0"/>
+                </a:endParaRPr>
+              </a:p>
+              <a:p>
+                <a:pPr marL="381000" indent="-381000"/>
+                <a:endParaRPr lang="en-US" sz="2800" b="1" dirty="0" smtClean="0">
+                  <a:latin typeface="Georgia" charset="0"/>
+                  <a:cs typeface="Georgia" charset="0"/>
+                </a:endParaRPr>
+              </a:p>
+              <a:p>
+                <a:pPr marL="381000" indent="-381000"/>
+                <a:endParaRPr lang="en-US" sz="2800" b="1" dirty="0">
+                  <a:latin typeface="Georgia" charset="0"/>
+                  <a:cs typeface="Georgia" charset="0"/>
+                </a:endParaRPr>
+              </a:p>
+              <a:p>
+                <a:pPr marL="381000" indent="-381000"/>
+                <a:endParaRPr lang="en-US" sz="2800" b="1" dirty="0" smtClean="0">
+                  <a:latin typeface="Georgia" charset="0"/>
+                  <a:cs typeface="Georgia" charset="0"/>
+                </a:endParaRPr>
+              </a:p>
+              <a:p>
+                <a:pPr marL="381000" indent="-381000"/>
                 <a:endParaRPr lang="en-US" sz="2800" b="1" dirty="0">
                   <a:latin typeface="Georgia" charset="0"/>
                   <a:cs typeface="Georgia" charset="0"/>
@@ -7524,6 +7857,24 @@
                   </a:rPr>
                   <a:t> </a:t>
                 </a:r>
+                <a:endParaRPr lang="en-US" sz="2800" b="1" dirty="0" smtClean="0">
+                  <a:latin typeface="Georgia" charset="0"/>
+                  <a:cs typeface="Georgia" charset="0"/>
+                </a:endParaRPr>
+              </a:p>
+              <a:p>
+                <a:pPr marL="381000" indent="-381000"/>
+                <a:endParaRPr lang="en-US" sz="2800" b="1" dirty="0">
+                  <a:latin typeface="Georgia" charset="0"/>
+                  <a:cs typeface="Georgia" charset="0"/>
+                </a:endParaRPr>
+              </a:p>
+              <a:p>
+                <a:pPr marL="381000" indent="-381000"/>
+                <a:endParaRPr lang="en-US" sz="2800" b="1" dirty="0">
+                  <a:latin typeface="Georgia" charset="0"/>
+                  <a:cs typeface="Georgia" charset="0"/>
+                </a:endParaRPr>
               </a:p>
               <a:p>
                 <a:pPr marL="381000" indent="-381000"/>
@@ -7579,7 +7930,7 @@
             </p:txBody>
           </p:sp>
         </mc:Choice>
-        <mc:Fallback xmlns="">
+        <mc:Fallback>
           <p:sp>
             <p:nvSpPr>
               <p:cNvPr id="15366" name="Rectangle 6"/>
@@ -7596,8 +7947,8 @@
               <a:prstGeom prst="rect">
                 <a:avLst/>
               </a:prstGeom>
-              <a:blipFill>
-                <a:blip r:embed="rId2"/>
+              <a:blipFill rotWithShape="0">
+                <a:blip r:embed="rId3"/>
                 <a:stretch>
                   <a:fillRect/>
                 </a:stretch>
@@ -7623,7 +7974,7 @@
               <a:lstStyle/>
               <a:p>
                 <a:r>
-                  <a:rPr lang="tr-TR">
+                  <a:rPr lang="en-US">
                     <a:noFill/>
                   </a:rPr>
                   <a:t> </a:t>
@@ -7657,7 +8008,7 @@
           </a:ln>
           <a:extLst>
             <a:ext uri="{91240B29-F687-4f45-9708-019B960494DF}">
-              <a14:hiddenLine xmlns="" xmlns:a14="http://schemas.microsoft.com/office/drawing/2010/main" w="9525">
+              <a14:hiddenLine xmlns:a14="http://schemas.microsoft.com/office/drawing/2010/main" xmlns="" w="9525">
                 <a:solidFill>
                   <a:srgbClr val="000000"/>
                 </a:solidFill>
@@ -7750,7 +8101,7 @@
           </a:ln>
           <a:extLst>
             <a:ext uri="{91240B29-F687-4f45-9708-019B960494DF}">
-              <a14:hiddenLine xmlns="" xmlns:a14="http://schemas.microsoft.com/office/drawing/2010/main" w="9525">
+              <a14:hiddenLine xmlns:a14="http://schemas.microsoft.com/office/drawing/2010/main" xmlns="" w="9525">
                 <a:solidFill>
                   <a:srgbClr val="000000"/>
                 </a:solidFill>
@@ -7845,7 +8196,7 @@
           </a:ln>
           <a:extLst>
             <a:ext uri="{91240B29-F687-4f45-9708-019B960494DF}">
-              <a14:hiddenLine xmlns="" xmlns:a14="http://schemas.microsoft.com/office/drawing/2010/main" w="9525">
+              <a14:hiddenLine xmlns:a14="http://schemas.microsoft.com/office/drawing/2010/main" xmlns="" w="9525">
                 <a:solidFill>
                   <a:srgbClr val="000000"/>
                 </a:solidFill>
@@ -7875,35 +8226,19 @@
             </a:r>
           </a:p>
           <a:p>
+            <a:r>
+              <a:rPr lang="en-US" sz="2800" dirty="0"/>
+              <a:t>In conclusion, our goal by the end of this project is to get around 92% accuracy for classification of 5 musical genres. We are still working on our convolutional net and k-Means clustering. The results we have right now suggest that it is easy to beat the 80% accuracy limit with different type of classifiers and the easiest genres to classify are metal and classical. This is because metal music is usually very loud and might occur in high frequencies, whereas classical music usually has a very smooth spectrogram with low </a:t>
+            </a:r>
+            <a:r>
+              <a:rPr lang="en-US" sz="2800" dirty="0" err="1"/>
+              <a:t>mel</a:t>
+            </a:r>
+            <a:r>
+              <a:rPr lang="en-US" sz="2800" dirty="0"/>
+              <a:t>-frequencies.</a:t>
+            </a:r>
             <a:endParaRPr lang="en-US" sz="2800" dirty="0"/>
-          </a:p>
-          <a:p>
-            <a:r>
-              <a:rPr lang="en-US" sz="2800" dirty="0">
-                <a:latin typeface="Georgia" charset="0"/>
-                <a:cs typeface="Georgia" charset="0"/>
-              </a:rPr>
-              <a:t>We have created this template with scientific researchers in mind and with the help of feedback we have received.  We encourage any comments or suggestions so that we can continue to update and improve this template. To make a suggestion contact:</a:t>
-            </a:r>
-          </a:p>
-          <a:p>
-            <a:endParaRPr lang="en-US" sz="2800" dirty="0">
-              <a:latin typeface="Georgia" charset="0"/>
-              <a:cs typeface="Georgia" charset="0"/>
-            </a:endParaRPr>
-          </a:p>
-          <a:p>
-            <a:r>
-              <a:rPr lang="en-US" sz="2800" dirty="0" err="1">
-                <a:latin typeface="Georgia" charset="0"/>
-                <a:cs typeface="Georgia" charset="0"/>
-              </a:rPr>
-              <a:t>creativeservices@illinois.edu</a:t>
-            </a:r>
-            <a:endParaRPr lang="en-US" sz="2800" dirty="0">
-              <a:latin typeface="Georgia" charset="0"/>
-              <a:cs typeface="Georgia" charset="0"/>
-            </a:endParaRPr>
           </a:p>
         </p:txBody>
       </p:sp>
@@ -7916,7 +8251,7 @@
           <p:nvPr/>
         </p:nvPicPr>
         <p:blipFill>
-          <a:blip r:embed="rId3">
+          <a:blip r:embed="rId4">
             <a:extLst>
               <a:ext uri="{28A0092B-C50C-407E-A947-70E740481C1C}">
                 <a14:useLocalDpi xmlns:a14="http://schemas.microsoft.com/office/drawing/2010/main" val="0"/>
@@ -7940,65 +8275,6 @@
       <p:pic>
         <p:nvPicPr>
           <p:cNvPr id="3" name="Picture 2"/>
-          <p:cNvPicPr>
-            <a:picLocks noChangeAspect="1"/>
-          </p:cNvPicPr>
-          <p:nvPr/>
-        </p:nvPicPr>
-        <p:blipFill>
-          <a:blip r:embed="rId4"/>
-          <a:stretch>
-            <a:fillRect/>
-          </a:stretch>
-        </p:blipFill>
-        <p:spPr>
-          <a:xfrm>
-            <a:off x="27113029" y="6282510"/>
-            <a:ext cx="5043371" cy="3775405"/>
-          </a:xfrm>
-          <a:prstGeom prst="rect">
-            <a:avLst/>
-          </a:prstGeom>
-        </p:spPr>
-      </p:pic>
-      <p:sp>
-        <p:nvSpPr>
-          <p:cNvPr id="4" name="TextBox 3"/>
-          <p:cNvSpPr txBox="1"/>
-          <p:nvPr/>
-        </p:nvSpPr>
-        <p:spPr>
-          <a:xfrm>
-            <a:off x="27091175" y="10234474"/>
-            <a:ext cx="5093418" cy="523220"/>
-          </a:xfrm>
-          <a:prstGeom prst="rect">
-            <a:avLst/>
-          </a:prstGeom>
-          <a:noFill/>
-        </p:spPr>
-        <p:txBody>
-          <a:bodyPr wrap="square" rtlCol="0">
-            <a:spAutoFit/>
-          </a:bodyPr>
-          <a:lstStyle/>
-          <a:p>
-            <a:r>
-              <a:rPr lang="en-US" sz="2800" dirty="0"/>
-              <a:t>Data reduced to 3 dimensions</a:t>
-            </a:r>
-          </a:p>
-        </p:txBody>
-      </p:sp>
-      <p:pic>
-        <p:nvPicPr>
-          <p:cNvPr id="6" name="Picture 5">
-            <a:extLst>
-              <a:ext uri="{FF2B5EF4-FFF2-40B4-BE49-F238E27FC236}">
-                <a16:creationId xmlns:a16="http://schemas.microsoft.com/office/drawing/2014/main" id="{FF1009FD-E928-DD4A-AFCB-B2FDEBC325D6}"/>
-              </a:ext>
-            </a:extLst>
-          </p:cNvPr>
           <p:cNvPicPr>
             <a:picLocks noChangeAspect="1"/>
           </p:cNvPicPr>
@@ -8012,8 +8288,8 @@
         </p:blipFill>
         <p:spPr>
           <a:xfrm>
-            <a:off x="22439549" y="18059400"/>
-            <a:ext cx="4927784" cy="4075672"/>
+            <a:off x="27113029" y="6282510"/>
+            <a:ext cx="5043371" cy="3775405"/>
           </a:xfrm>
           <a:prstGeom prst="rect">
             <a:avLst/>
@@ -8022,20 +8298,14 @@
       </p:pic>
       <p:sp>
         <p:nvSpPr>
-          <p:cNvPr id="22" name="TextBox 21">
-            <a:extLst>
-              <a:ext uri="{FF2B5EF4-FFF2-40B4-BE49-F238E27FC236}">
-                <a16:creationId xmlns:a16="http://schemas.microsoft.com/office/drawing/2014/main" id="{8059BE91-239C-C944-9904-6A5963AAF874}"/>
-              </a:ext>
-            </a:extLst>
-          </p:cNvPr>
+          <p:cNvPr id="4" name="TextBox 3"/>
           <p:cNvSpPr txBox="1"/>
           <p:nvPr/>
         </p:nvSpPr>
         <p:spPr>
           <a:xfrm>
-            <a:off x="23923775" y="22104334"/>
-            <a:ext cx="2285106" cy="523220"/>
+            <a:off x="27091175" y="10234474"/>
+            <a:ext cx="5093418" cy="523220"/>
           </a:xfrm>
           <a:prstGeom prst="rect">
             <a:avLst/>
@@ -8050,17 +8320,17 @@
           <a:p>
             <a:r>
               <a:rPr lang="en-US" sz="2800" dirty="0"/>
-              <a:t>k-NN 81%</a:t>
+              <a:t>Data reduced to 3 dimensions</a:t>
             </a:r>
           </a:p>
         </p:txBody>
       </p:sp>
       <p:pic>
         <p:nvPicPr>
-          <p:cNvPr id="8" name="Picture 7">
+          <p:cNvPr id="6" name="Picture 5">
             <a:extLst>
               <a:ext uri="{FF2B5EF4-FFF2-40B4-BE49-F238E27FC236}">
-                <a16:creationId xmlns:a16="http://schemas.microsoft.com/office/drawing/2014/main" id="{F53EEA8C-CB4B-7846-8FD1-C945C28EC753}"/>
+                <a16:creationId xmlns:a16="http://schemas.microsoft.com/office/drawing/2014/main" xmlns="" id="{FF1009FD-E928-DD4A-AFCB-B2FDEBC325D6}"/>
               </a:ext>
             </a:extLst>
           </p:cNvPr>
@@ -8077,8 +8347,8 @@
         </p:blipFill>
         <p:spPr>
           <a:xfrm>
-            <a:off x="27303869" y="18059400"/>
-            <a:ext cx="4803634" cy="4076745"/>
+            <a:off x="22439549" y="18059400"/>
+            <a:ext cx="4927784" cy="4075672"/>
           </a:xfrm>
           <a:prstGeom prst="rect">
             <a:avLst/>
@@ -8087,10 +8357,10 @@
       </p:pic>
       <p:sp>
         <p:nvSpPr>
-          <p:cNvPr id="25" name="TextBox 24">
+          <p:cNvPr id="22" name="TextBox 21">
             <a:extLst>
               <a:ext uri="{FF2B5EF4-FFF2-40B4-BE49-F238E27FC236}">
-                <a16:creationId xmlns:a16="http://schemas.microsoft.com/office/drawing/2014/main" id="{CEE1A563-FA37-9143-9886-7511BBD88EFF}"/>
+                <a16:creationId xmlns:a16="http://schemas.microsoft.com/office/drawing/2014/main" xmlns="" id="{8059BE91-239C-C944-9904-6A5963AAF874}"/>
               </a:ext>
             </a:extLst>
           </p:cNvPr>
@@ -8099,7 +8369,7 @@
         </p:nvSpPr>
         <p:spPr>
           <a:xfrm>
-            <a:off x="28794446" y="22151321"/>
+            <a:off x="23923775" y="22104334"/>
             <a:ext cx="2285106" cy="523220"/>
           </a:xfrm>
           <a:prstGeom prst="rect">
@@ -8115,17 +8385,17 @@
           <a:p>
             <a:r>
               <a:rPr lang="en-US" sz="2800" dirty="0"/>
-              <a:t>SVM 84%</a:t>
+              <a:t>k-NN 81%</a:t>
             </a:r>
           </a:p>
         </p:txBody>
       </p:sp>
       <p:pic>
         <p:nvPicPr>
-          <p:cNvPr id="10" name="Picture 9">
+          <p:cNvPr id="8" name="Picture 7">
             <a:extLst>
               <a:ext uri="{FF2B5EF4-FFF2-40B4-BE49-F238E27FC236}">
-                <a16:creationId xmlns:a16="http://schemas.microsoft.com/office/drawing/2014/main" id="{B4621072-E207-4E41-A58F-FEC4F97B2819}"/>
+                <a16:creationId xmlns:a16="http://schemas.microsoft.com/office/drawing/2014/main" xmlns="" id="{F53EEA8C-CB4B-7846-8FD1-C945C28EC753}"/>
               </a:ext>
             </a:extLst>
           </p:cNvPr>
@@ -8142,8 +8412,8 @@
         </p:blipFill>
         <p:spPr>
           <a:xfrm>
-            <a:off x="27396188" y="23107723"/>
-            <a:ext cx="4711314" cy="4079982"/>
+            <a:off x="27303869" y="18059400"/>
+            <a:ext cx="4803634" cy="4076745"/>
           </a:xfrm>
           <a:prstGeom prst="rect">
             <a:avLst/>
@@ -8152,10 +8422,10 @@
       </p:pic>
       <p:sp>
         <p:nvSpPr>
-          <p:cNvPr id="28" name="TextBox 27">
+          <p:cNvPr id="25" name="TextBox 24">
             <a:extLst>
               <a:ext uri="{FF2B5EF4-FFF2-40B4-BE49-F238E27FC236}">
-                <a16:creationId xmlns:a16="http://schemas.microsoft.com/office/drawing/2014/main" id="{DFD90288-D91C-864E-AFE3-9B4CDAB7DAC8}"/>
+                <a16:creationId xmlns:a16="http://schemas.microsoft.com/office/drawing/2014/main" xmlns="" id="{CEE1A563-FA37-9143-9886-7511BBD88EFF}"/>
               </a:ext>
             </a:extLst>
           </p:cNvPr>
@@ -8164,8 +8434,8 @@
         </p:nvSpPr>
         <p:spPr>
           <a:xfrm>
-            <a:off x="23598001" y="27137421"/>
-            <a:ext cx="2610880" cy="523220"/>
+            <a:off x="28794446" y="22151321"/>
+            <a:ext cx="2285106" cy="523220"/>
           </a:xfrm>
           <a:prstGeom prst="rect">
             <a:avLst/>
@@ -8180,17 +8450,17 @@
           <a:p>
             <a:r>
               <a:rPr lang="en-US" sz="2800" dirty="0"/>
-              <a:t>Gaussian 85%</a:t>
+              <a:t>SVM 84%</a:t>
             </a:r>
           </a:p>
         </p:txBody>
       </p:sp>
       <p:pic>
         <p:nvPicPr>
-          <p:cNvPr id="12" name="Picture 11">
+          <p:cNvPr id="10" name="Picture 9">
             <a:extLst>
               <a:ext uri="{FF2B5EF4-FFF2-40B4-BE49-F238E27FC236}">
-                <a16:creationId xmlns:a16="http://schemas.microsoft.com/office/drawing/2014/main" id="{37B458A6-CF92-1146-A24B-A209DE5C2A30}"/>
+                <a16:creationId xmlns:a16="http://schemas.microsoft.com/office/drawing/2014/main" xmlns="" id="{B4621072-E207-4E41-A58F-FEC4F97B2819}"/>
               </a:ext>
             </a:extLst>
           </p:cNvPr>
@@ -8207,8 +8477,8 @@
         </p:blipFill>
         <p:spPr>
           <a:xfrm>
-            <a:off x="22367262" y="6297234"/>
-            <a:ext cx="4924092" cy="3713518"/>
+            <a:off x="27396188" y="23107723"/>
+            <a:ext cx="4711314" cy="4079982"/>
           </a:xfrm>
           <a:prstGeom prst="rect">
             <a:avLst/>
@@ -8217,10 +8487,10 @@
       </p:pic>
       <p:sp>
         <p:nvSpPr>
-          <p:cNvPr id="31" name="TextBox 30">
+          <p:cNvPr id="28" name="TextBox 27">
             <a:extLst>
               <a:ext uri="{FF2B5EF4-FFF2-40B4-BE49-F238E27FC236}">
-                <a16:creationId xmlns:a16="http://schemas.microsoft.com/office/drawing/2014/main" id="{1C1BC384-0934-C248-99E0-C3CC457072CB}"/>
+                <a16:creationId xmlns:a16="http://schemas.microsoft.com/office/drawing/2014/main" xmlns="" id="{DFD90288-D91C-864E-AFE3-9B4CDAB7DAC8}"/>
               </a:ext>
             </a:extLst>
           </p:cNvPr>
@@ -8229,8 +8499,8 @@
         </p:nvSpPr>
         <p:spPr>
           <a:xfrm>
-            <a:off x="22298407" y="10230308"/>
-            <a:ext cx="5093418" cy="523220"/>
+            <a:off x="23598001" y="27137421"/>
+            <a:ext cx="2610880" cy="523220"/>
           </a:xfrm>
           <a:prstGeom prst="rect">
             <a:avLst/>
@@ -8245,17 +8515,17 @@
           <a:p>
             <a:r>
               <a:rPr lang="en-US" sz="2800" dirty="0"/>
-              <a:t>Data reduced to 2 dimensions</a:t>
+              <a:t>Gaussian 85%</a:t>
             </a:r>
           </a:p>
         </p:txBody>
       </p:sp>
       <p:pic>
         <p:nvPicPr>
-          <p:cNvPr id="14" name="Picture 13">
+          <p:cNvPr id="12" name="Picture 11">
             <a:extLst>
               <a:ext uri="{FF2B5EF4-FFF2-40B4-BE49-F238E27FC236}">
-                <a16:creationId xmlns:a16="http://schemas.microsoft.com/office/drawing/2014/main" id="{D025AAA8-75A6-0C40-AD3C-C4E8D450015B}"/>
+                <a16:creationId xmlns:a16="http://schemas.microsoft.com/office/drawing/2014/main" xmlns="" id="{37B458A6-CF92-1146-A24B-A209DE5C2A30}"/>
               </a:ext>
             </a:extLst>
           </p:cNvPr>
@@ -8272,8 +8542,8 @@
         </p:blipFill>
         <p:spPr>
           <a:xfrm>
-            <a:off x="22518685" y="23161491"/>
-            <a:ext cx="4572490" cy="3972446"/>
+            <a:off x="22367262" y="6297234"/>
+            <a:ext cx="4924092" cy="3713518"/>
           </a:xfrm>
           <a:prstGeom prst="rect">
             <a:avLst/>
@@ -8282,10 +8552,10 @@
       </p:pic>
       <p:sp>
         <p:nvSpPr>
-          <p:cNvPr id="34" name="TextBox 33">
+          <p:cNvPr id="31" name="TextBox 30">
             <a:extLst>
               <a:ext uri="{FF2B5EF4-FFF2-40B4-BE49-F238E27FC236}">
-                <a16:creationId xmlns:a16="http://schemas.microsoft.com/office/drawing/2014/main" id="{CF82B09D-0455-774B-AEBF-2B6CDD0BA95D}"/>
+                <a16:creationId xmlns:a16="http://schemas.microsoft.com/office/drawing/2014/main" xmlns="" id="{1C1BC384-0934-C248-99E0-C3CC457072CB}"/>
               </a:ext>
             </a:extLst>
           </p:cNvPr>
@@ -8294,6 +8564,71 @@
         </p:nvSpPr>
         <p:spPr>
           <a:xfrm>
+            <a:off x="22298407" y="10230308"/>
+            <a:ext cx="5093418" cy="523220"/>
+          </a:xfrm>
+          <a:prstGeom prst="rect">
+            <a:avLst/>
+          </a:prstGeom>
+          <a:noFill/>
+        </p:spPr>
+        <p:txBody>
+          <a:bodyPr wrap="square" rtlCol="0">
+            <a:spAutoFit/>
+          </a:bodyPr>
+          <a:lstStyle/>
+          <a:p>
+            <a:r>
+              <a:rPr lang="en-US" sz="2800" dirty="0"/>
+              <a:t>Data reduced to 2 dimensions</a:t>
+            </a:r>
+          </a:p>
+        </p:txBody>
+      </p:sp>
+      <p:pic>
+        <p:nvPicPr>
+          <p:cNvPr id="14" name="Picture 13">
+            <a:extLst>
+              <a:ext uri="{FF2B5EF4-FFF2-40B4-BE49-F238E27FC236}">
+                <a16:creationId xmlns:a16="http://schemas.microsoft.com/office/drawing/2014/main" xmlns="" id="{D025AAA8-75A6-0C40-AD3C-C4E8D450015B}"/>
+              </a:ext>
+            </a:extLst>
+          </p:cNvPr>
+          <p:cNvPicPr>
+            <a:picLocks noChangeAspect="1"/>
+          </p:cNvPicPr>
+          <p:nvPr/>
+        </p:nvPicPr>
+        <p:blipFill>
+          <a:blip r:embed="rId10"/>
+          <a:stretch>
+            <a:fillRect/>
+          </a:stretch>
+        </p:blipFill>
+        <p:spPr>
+          <a:xfrm>
+            <a:off x="22518685" y="23161491"/>
+            <a:ext cx="4572490" cy="3972446"/>
+          </a:xfrm>
+          <a:prstGeom prst="rect">
+            <a:avLst/>
+          </a:prstGeom>
+        </p:spPr>
+      </p:pic>
+      <p:sp>
+        <p:nvSpPr>
+          <p:cNvPr id="34" name="TextBox 33">
+            <a:extLst>
+              <a:ext uri="{FF2B5EF4-FFF2-40B4-BE49-F238E27FC236}">
+                <a16:creationId xmlns:a16="http://schemas.microsoft.com/office/drawing/2014/main" xmlns="" id="{CF82B09D-0455-774B-AEBF-2B6CDD0BA95D}"/>
+              </a:ext>
+            </a:extLst>
+          </p:cNvPr>
+          <p:cNvSpPr txBox="1"/>
+          <p:nvPr/>
+        </p:nvSpPr>
+        <p:spPr>
+          <a:xfrm>
             <a:off x="28189876" y="27202881"/>
             <a:ext cx="2889676" cy="523220"/>
           </a:xfrm>
@@ -8320,7 +8655,7 @@
           <p:cNvPr id="5" name="Table 4">
             <a:extLst>
               <a:ext uri="{FF2B5EF4-FFF2-40B4-BE49-F238E27FC236}">
-                <a16:creationId xmlns:a16="http://schemas.microsoft.com/office/drawing/2014/main" id="{F6D81889-0CFC-9243-96DE-31F21EE480D1}"/>
+                <a16:creationId xmlns:a16="http://schemas.microsoft.com/office/drawing/2014/main" xmlns="" id="{F6D81889-0CFC-9243-96DE-31F21EE480D1}"/>
               </a:ext>
             </a:extLst>
           </p:cNvPr>
@@ -8349,28 +8684,28 @@
                 <a:gridCol w="2180436">
                   <a:extLst>
                     <a:ext uri="{9D8B030D-6E8A-4147-A177-3AD203B41FA5}">
-                      <a16:colId xmlns:a16="http://schemas.microsoft.com/office/drawing/2014/main" val="1248475809"/>
+                      <a16:colId xmlns:a16="http://schemas.microsoft.com/office/drawing/2014/main" xmlns="" val="1248475809"/>
                     </a:ext>
                   </a:extLst>
                 </a:gridCol>
                 <a:gridCol w="2180436">
                   <a:extLst>
                     <a:ext uri="{9D8B030D-6E8A-4147-A177-3AD203B41FA5}">
-                      <a16:colId xmlns:a16="http://schemas.microsoft.com/office/drawing/2014/main" val="2543370198"/>
+                      <a16:colId xmlns:a16="http://schemas.microsoft.com/office/drawing/2014/main" xmlns="" val="2543370198"/>
                     </a:ext>
                   </a:extLst>
                 </a:gridCol>
                 <a:gridCol w="2180436">
                   <a:extLst>
                     <a:ext uri="{9D8B030D-6E8A-4147-A177-3AD203B41FA5}">
-                      <a16:colId xmlns:a16="http://schemas.microsoft.com/office/drawing/2014/main" val="468071448"/>
+                      <a16:colId xmlns:a16="http://schemas.microsoft.com/office/drawing/2014/main" xmlns="" val="468071448"/>
                     </a:ext>
                   </a:extLst>
                 </a:gridCol>
                 <a:gridCol w="2180436">
                   <a:extLst>
                     <a:ext uri="{9D8B030D-6E8A-4147-A177-3AD203B41FA5}">
-                      <a16:colId xmlns:a16="http://schemas.microsoft.com/office/drawing/2014/main" val="157706253"/>
+                      <a16:colId xmlns:a16="http://schemas.microsoft.com/office/drawing/2014/main" xmlns="" val="157706253"/>
                     </a:ext>
                   </a:extLst>
                 </a:gridCol>
@@ -8532,7 +8867,7 @@
                 </a:tc>
                 <a:extLst>
                   <a:ext uri="{0D108BD9-81ED-4DB2-BD59-A6C34878D82A}">
-                    <a16:rowId xmlns:a16="http://schemas.microsoft.com/office/drawing/2014/main" val="619836131"/>
+                    <a16:rowId xmlns:a16="http://schemas.microsoft.com/office/drawing/2014/main" xmlns="" val="619836131"/>
                   </a:ext>
                 </a:extLst>
               </a:tr>
@@ -8627,7 +8962,7 @@
                 </a:tc>
                 <a:extLst>
                   <a:ext uri="{0D108BD9-81ED-4DB2-BD59-A6C34878D82A}">
-                    <a16:rowId xmlns:a16="http://schemas.microsoft.com/office/drawing/2014/main" val="3620790994"/>
+                    <a16:rowId xmlns:a16="http://schemas.microsoft.com/office/drawing/2014/main" xmlns="" val="3620790994"/>
                   </a:ext>
                 </a:extLst>
               </a:tr>
@@ -8728,7 +9063,7 @@
                 </a:tc>
                 <a:extLst>
                   <a:ext uri="{0D108BD9-81ED-4DB2-BD59-A6C34878D82A}">
-                    <a16:rowId xmlns:a16="http://schemas.microsoft.com/office/drawing/2014/main" val="1275742640"/>
+                    <a16:rowId xmlns:a16="http://schemas.microsoft.com/office/drawing/2014/main" xmlns="" val="1275742640"/>
                   </a:ext>
                 </a:extLst>
               </a:tr>
@@ -8820,7 +9155,7 @@
                 </a:tc>
                 <a:extLst>
                   <a:ext uri="{0D108BD9-81ED-4DB2-BD59-A6C34878D82A}">
-                    <a16:rowId xmlns:a16="http://schemas.microsoft.com/office/drawing/2014/main" val="2876209667"/>
+                    <a16:rowId xmlns:a16="http://schemas.microsoft.com/office/drawing/2014/main" xmlns="" val="2876209667"/>
                   </a:ext>
                 </a:extLst>
               </a:tr>
@@ -8906,7 +9241,7 @@
                 </a:tc>
                 <a:extLst>
                   <a:ext uri="{0D108BD9-81ED-4DB2-BD59-A6C34878D82A}">
-                    <a16:rowId xmlns:a16="http://schemas.microsoft.com/office/drawing/2014/main" val="951482586"/>
+                    <a16:rowId xmlns:a16="http://schemas.microsoft.com/office/drawing/2014/main" xmlns="" val="951482586"/>
                   </a:ext>
                 </a:extLst>
               </a:tr>
@@ -8919,37 +9254,7 @@
           <p:cNvPr id="9" name="Picture 8">
             <a:extLst>
               <a:ext uri="{FF2B5EF4-FFF2-40B4-BE49-F238E27FC236}">
-                <a16:creationId xmlns:a16="http://schemas.microsoft.com/office/drawing/2014/main" id="{34DDC9CF-CDCA-D54E-92E6-79C737FF3CE1}"/>
-              </a:ext>
-            </a:extLst>
-          </p:cNvPr>
-          <p:cNvPicPr>
-            <a:picLocks noChangeAspect="1"/>
-          </p:cNvPicPr>
-          <p:nvPr/>
-        </p:nvPicPr>
-        <p:blipFill>
-          <a:blip r:embed="rId10"/>
-          <a:stretch>
-            <a:fillRect/>
-          </a:stretch>
-        </p:blipFill>
-        <p:spPr>
-          <a:xfrm>
-            <a:off x="1352907" y="25373206"/>
-            <a:ext cx="4166181" cy="3198935"/>
-          </a:xfrm>
-          <a:prstGeom prst="rect">
-            <a:avLst/>
-          </a:prstGeom>
-        </p:spPr>
-      </p:pic>
-      <p:pic>
-        <p:nvPicPr>
-          <p:cNvPr id="13" name="Picture 12">
-            <a:extLst>
-              <a:ext uri="{FF2B5EF4-FFF2-40B4-BE49-F238E27FC236}">
-                <a16:creationId xmlns:a16="http://schemas.microsoft.com/office/drawing/2014/main" id="{03336A3F-A037-924C-96C4-C2CC53FEAE2F}"/>
+                <a16:creationId xmlns:a16="http://schemas.microsoft.com/office/drawing/2014/main" xmlns="" id="{34DDC9CF-CDCA-D54E-92E6-79C737FF3CE1}"/>
               </a:ext>
             </a:extLst>
           </p:cNvPr>
@@ -8966,55 +9271,20 @@
         </p:blipFill>
         <p:spPr>
           <a:xfrm>
-            <a:off x="5911495" y="25355591"/>
-            <a:ext cx="4382305" cy="3131768"/>
+            <a:off x="1352907" y="25373206"/>
+            <a:ext cx="4166181" cy="3198935"/>
           </a:xfrm>
           <a:prstGeom prst="rect">
             <a:avLst/>
           </a:prstGeom>
         </p:spPr>
       </p:pic>
-      <p:sp>
-        <p:nvSpPr>
-          <p:cNvPr id="27" name="TextBox 26">
+      <p:pic>
+        <p:nvPicPr>
+          <p:cNvPr id="13" name="Picture 12">
             <a:extLst>
               <a:ext uri="{FF2B5EF4-FFF2-40B4-BE49-F238E27FC236}">
-                <a16:creationId xmlns:a16="http://schemas.microsoft.com/office/drawing/2014/main" id="{20D3FE09-283B-1B47-8EA8-39AEA4C8016C}"/>
-              </a:ext>
-            </a:extLst>
-          </p:cNvPr>
-          <p:cNvSpPr txBox="1"/>
-          <p:nvPr/>
-        </p:nvSpPr>
-        <p:spPr>
-          <a:xfrm>
-            <a:off x="1454664" y="28487359"/>
-            <a:ext cx="3990928" cy="369332"/>
-          </a:xfrm>
-          <a:prstGeom prst="rect">
-            <a:avLst/>
-          </a:prstGeom>
-          <a:noFill/>
-        </p:spPr>
-        <p:txBody>
-          <a:bodyPr wrap="square" rtlCol="0">
-            <a:spAutoFit/>
-          </a:bodyPr>
-          <a:lstStyle/>
-          <a:p>
-            <a:r>
-              <a:rPr lang="en-US" sz="1800" dirty="0"/>
-              <a:t>Figure 1. Metal genre spectrogram</a:t>
-            </a:r>
-          </a:p>
-        </p:txBody>
-      </p:sp>
-      <p:pic>
-        <p:nvPicPr>
-          <p:cNvPr id="16" name="Picture 15">
-            <a:extLst>
-              <a:ext uri="{FF2B5EF4-FFF2-40B4-BE49-F238E27FC236}">
-                <a16:creationId xmlns:a16="http://schemas.microsoft.com/office/drawing/2014/main" id="{817DC823-9A43-9544-B598-17D7D7070441}"/>
+                <a16:creationId xmlns:a16="http://schemas.microsoft.com/office/drawing/2014/main" xmlns="" id="{03336A3F-A037-924C-96C4-C2CC53FEAE2F}"/>
               </a:ext>
             </a:extLst>
           </p:cNvPr>
@@ -9031,8 +9301,8 @@
         </p:blipFill>
         <p:spPr>
           <a:xfrm>
-            <a:off x="1328038" y="28854937"/>
-            <a:ext cx="4117554" cy="2860655"/>
+            <a:off x="5911495" y="25355591"/>
+            <a:ext cx="4382305" cy="3131768"/>
           </a:xfrm>
           <a:prstGeom prst="rect">
             <a:avLst/>
@@ -9041,10 +9311,10 @@
       </p:pic>
       <p:sp>
         <p:nvSpPr>
-          <p:cNvPr id="33" name="TextBox 32">
+          <p:cNvPr id="27" name="TextBox 26">
             <a:extLst>
               <a:ext uri="{FF2B5EF4-FFF2-40B4-BE49-F238E27FC236}">
-                <a16:creationId xmlns:a16="http://schemas.microsoft.com/office/drawing/2014/main" id="{D6DF8C66-D8F7-0641-A17A-691D1DAE342D}"/>
+                <a16:creationId xmlns:a16="http://schemas.microsoft.com/office/drawing/2014/main" xmlns="" id="{20D3FE09-283B-1B47-8EA8-39AEA4C8016C}"/>
               </a:ext>
             </a:extLst>
           </p:cNvPr>
@@ -9053,8 +9323,8 @@
         </p:nvSpPr>
         <p:spPr>
           <a:xfrm>
-            <a:off x="1671684" y="31596912"/>
-            <a:ext cx="3621300" cy="369332"/>
+            <a:off x="1454664" y="28487359"/>
+            <a:ext cx="3990928" cy="369332"/>
           </a:xfrm>
           <a:prstGeom prst="rect">
             <a:avLst/>
@@ -9069,52 +9339,17 @@
           <a:p>
             <a:r>
               <a:rPr lang="en-US" sz="1800" dirty="0"/>
-              <a:t>Figure 3. Pop genre spectrogram</a:t>
-            </a:r>
-          </a:p>
-        </p:txBody>
-      </p:sp>
-      <p:sp>
-        <p:nvSpPr>
-          <p:cNvPr id="30" name="TextBox 29">
-            <a:extLst>
-              <a:ext uri="{FF2B5EF4-FFF2-40B4-BE49-F238E27FC236}">
-                <a16:creationId xmlns:a16="http://schemas.microsoft.com/office/drawing/2014/main" id="{171ACE28-1336-E147-BB86-7CEFFE3D7055}"/>
-              </a:ext>
-            </a:extLst>
-          </p:cNvPr>
-          <p:cNvSpPr txBox="1"/>
-          <p:nvPr/>
-        </p:nvSpPr>
-        <p:spPr>
-          <a:xfrm>
-            <a:off x="5911495" y="28485605"/>
-            <a:ext cx="4084683" cy="369332"/>
-          </a:xfrm>
-          <a:prstGeom prst="rect">
-            <a:avLst/>
-          </a:prstGeom>
-          <a:noFill/>
-        </p:spPr>
-        <p:txBody>
-          <a:bodyPr wrap="square" rtlCol="0">
-            <a:spAutoFit/>
-          </a:bodyPr>
-          <a:lstStyle/>
-          <a:p>
-            <a:r>
-              <a:rPr lang="en-US" sz="1800" dirty="0"/>
-              <a:t>Figure 2. Classical genre spectrogram</a:t>
+              <a:t>Figure 1. Metal genre spectrogram</a:t>
             </a:r>
           </a:p>
         </p:txBody>
       </p:sp>
       <p:pic>
         <p:nvPicPr>
-          <p:cNvPr id="18" name="Picture 17">
+          <p:cNvPr id="16" name="Picture 15">
             <a:extLst>
               <a:ext uri="{FF2B5EF4-FFF2-40B4-BE49-F238E27FC236}">
-                <a16:creationId xmlns:a16="http://schemas.microsoft.com/office/drawing/2014/main" id="{9DF94E06-5713-CC4C-AA43-735E309C638F}"/>
+                <a16:creationId xmlns:a16="http://schemas.microsoft.com/office/drawing/2014/main" xmlns="" id="{817DC823-9A43-9544-B598-17D7D7070441}"/>
               </a:ext>
             </a:extLst>
           </p:cNvPr>
@@ -9131,8 +9366,8 @@
         </p:blipFill>
         <p:spPr>
           <a:xfrm>
-            <a:off x="6001401" y="28854937"/>
-            <a:ext cx="4143588" cy="2860655"/>
+            <a:off x="1328038" y="28854937"/>
+            <a:ext cx="4117554" cy="2860655"/>
           </a:xfrm>
           <a:prstGeom prst="rect">
             <a:avLst/>
@@ -9141,10 +9376,10 @@
       </p:pic>
       <p:sp>
         <p:nvSpPr>
-          <p:cNvPr id="36" name="TextBox 35">
+          <p:cNvPr id="33" name="TextBox 32">
             <a:extLst>
               <a:ext uri="{FF2B5EF4-FFF2-40B4-BE49-F238E27FC236}">
-                <a16:creationId xmlns:a16="http://schemas.microsoft.com/office/drawing/2014/main" id="{EAC21A55-1D78-E547-BD06-04187D5F2A9A}"/>
+                <a16:creationId xmlns:a16="http://schemas.microsoft.com/office/drawing/2014/main" xmlns="" id="{D6DF8C66-D8F7-0641-A17A-691D1DAE342D}"/>
               </a:ext>
             </a:extLst>
           </p:cNvPr>
@@ -9153,8 +9388,8 @@
         </p:nvSpPr>
         <p:spPr>
           <a:xfrm>
-            <a:off x="6310572" y="31617373"/>
-            <a:ext cx="3983882" cy="369332"/>
+            <a:off x="1671684" y="31596912"/>
+            <a:ext cx="3621300" cy="369332"/>
           </a:xfrm>
           <a:prstGeom prst="rect">
             <a:avLst/>
@@ -9169,16 +9404,205 @@
           <a:p>
             <a:r>
               <a:rPr lang="en-US" sz="1800" dirty="0"/>
-              <a:t>Figure 4. Blues genre spectrogram</a:t>
+              <a:t>Figure 3. Pop genre spectrogram</a:t>
             </a:r>
           </a:p>
         </p:txBody>
       </p:sp>
+      <p:sp>
+        <p:nvSpPr>
+          <p:cNvPr id="30" name="TextBox 29">
+            <a:extLst>
+              <a:ext uri="{FF2B5EF4-FFF2-40B4-BE49-F238E27FC236}">
+                <a16:creationId xmlns:a16="http://schemas.microsoft.com/office/drawing/2014/main" xmlns="" id="{171ACE28-1336-E147-BB86-7CEFFE3D7055}"/>
+              </a:ext>
+            </a:extLst>
+          </p:cNvPr>
+          <p:cNvSpPr txBox="1"/>
+          <p:nvPr/>
+        </p:nvSpPr>
+        <p:spPr>
+          <a:xfrm>
+            <a:off x="5911495" y="28485605"/>
+            <a:ext cx="4084683" cy="369332"/>
+          </a:xfrm>
+          <a:prstGeom prst="rect">
+            <a:avLst/>
+          </a:prstGeom>
+          <a:noFill/>
+        </p:spPr>
+        <p:txBody>
+          <a:bodyPr wrap="square" rtlCol="0">
+            <a:spAutoFit/>
+          </a:bodyPr>
+          <a:lstStyle/>
+          <a:p>
+            <a:r>
+              <a:rPr lang="en-US" sz="1800" dirty="0"/>
+              <a:t>Figure 2. Classical genre spectrogram</a:t>
+            </a:r>
+          </a:p>
+        </p:txBody>
+      </p:sp>
+      <p:pic>
+        <p:nvPicPr>
+          <p:cNvPr id="18" name="Picture 17">
+            <a:extLst>
+              <a:ext uri="{FF2B5EF4-FFF2-40B4-BE49-F238E27FC236}">
+                <a16:creationId xmlns:a16="http://schemas.microsoft.com/office/drawing/2014/main" xmlns="" id="{9DF94E06-5713-CC4C-AA43-735E309C638F}"/>
+              </a:ext>
+            </a:extLst>
+          </p:cNvPr>
+          <p:cNvPicPr>
+            <a:picLocks noChangeAspect="1"/>
+          </p:cNvPicPr>
+          <p:nvPr/>
+        </p:nvPicPr>
+        <p:blipFill>
+          <a:blip r:embed="rId14"/>
+          <a:stretch>
+            <a:fillRect/>
+          </a:stretch>
+        </p:blipFill>
+        <p:spPr>
+          <a:xfrm>
+            <a:off x="6001401" y="28854937"/>
+            <a:ext cx="4143588" cy="2860655"/>
+          </a:xfrm>
+          <a:prstGeom prst="rect">
+            <a:avLst/>
+          </a:prstGeom>
+        </p:spPr>
+      </p:pic>
+      <p:sp>
+        <p:nvSpPr>
+          <p:cNvPr id="36" name="TextBox 35">
+            <a:extLst>
+              <a:ext uri="{FF2B5EF4-FFF2-40B4-BE49-F238E27FC236}">
+                <a16:creationId xmlns:a16="http://schemas.microsoft.com/office/drawing/2014/main" xmlns="" id="{EAC21A55-1D78-E547-BD06-04187D5F2A9A}"/>
+              </a:ext>
+            </a:extLst>
+          </p:cNvPr>
+          <p:cNvSpPr txBox="1"/>
+          <p:nvPr/>
+        </p:nvSpPr>
+        <p:spPr>
+          <a:xfrm>
+            <a:off x="6310572" y="31617373"/>
+            <a:ext cx="3983882" cy="369332"/>
+          </a:xfrm>
+          <a:prstGeom prst="rect">
+            <a:avLst/>
+          </a:prstGeom>
+          <a:noFill/>
+        </p:spPr>
+        <p:txBody>
+          <a:bodyPr wrap="square" rtlCol="0">
+            <a:spAutoFit/>
+          </a:bodyPr>
+          <a:lstStyle/>
+          <a:p>
+            <a:r>
+              <a:rPr lang="en-US" sz="1800" dirty="0"/>
+              <a:t>Figure 4. Blues genre spectrogram</a:t>
+            </a:r>
+          </a:p>
+        </p:txBody>
+      </p:sp>
+      <p:pic>
+        <p:nvPicPr>
+          <p:cNvPr id="1026" name="Picture 2" descr="https://scontent-ort2-1.xx.fbcdn.net/v/t1.15752-9/47577028_1056375907893788_4356348580592615424_n.png?_nc_cat=110&amp;_nc_ht=scontent-ort2-1.xx&amp;oh=2315843263e85d48b78c5a4c0f28a6d9&amp;oe=5C98AD6B"/>
+          <p:cNvPicPr>
+            <a:picLocks noChangeAspect="1" noChangeArrowheads="1"/>
+          </p:cNvPicPr>
+          <p:nvPr/>
+        </p:nvPicPr>
+        <p:blipFill>
+          <a:blip r:embed="rId15">
+            <a:extLst>
+              <a:ext uri="{28A0092B-C50C-407E-A947-70E740481C1C}">
+                <a14:useLocalDpi xmlns:a14="http://schemas.microsoft.com/office/drawing/2010/main" val="0"/>
+              </a:ext>
+            </a:extLst>
+          </a:blip>
+          <a:srcRect/>
+          <a:stretch>
+            <a:fillRect/>
+          </a:stretch>
+        </p:blipFill>
+        <p:spPr bwMode="auto">
+          <a:xfrm>
+            <a:off x="12596812" y="28262151"/>
+            <a:ext cx="8105775" cy="3171826"/>
+          </a:xfrm>
+          <a:prstGeom prst="rect">
+            <a:avLst/>
+          </a:prstGeom>
+          <a:noFill/>
+          <a:extLst>
+            <a:ext uri="{909E8E84-426E-40DD-AFC4-6F175D3DCCD1}">
+              <a14:hiddenFill xmlns:a14="http://schemas.microsoft.com/office/drawing/2010/main">
+                <a:solidFill>
+                  <a:srgbClr val="FFFFFF"/>
+                </a:solidFill>
+              </a14:hiddenFill>
+            </a:ext>
+          </a:extLst>
+        </p:spPr>
+      </p:pic>
+      <p:pic>
+        <p:nvPicPr>
+          <p:cNvPr id="1038" name="Picture 14" descr="https://scontent.xx.fbcdn.net/v/t1.15752-9/47684105_788776754815443_1967594998710927360_n.png?_nc_cat=105&amp;_nc_ad=z-m&amp;_nc_cid=0&amp;_nc_ht=scontent.xx&amp;oh=1b2c47aa86794e621e7284be2aeb1f50&amp;oe=5C9F725A"/>
+          <p:cNvPicPr>
+            <a:picLocks noChangeAspect="1" noChangeArrowheads="1"/>
+          </p:cNvPicPr>
+          <p:nvPr/>
+        </p:nvPicPr>
+        <p:blipFill>
+          <a:blip r:embed="rId16">
+            <a:extLst>
+              <a:ext uri="{28A0092B-C50C-407E-A947-70E740481C1C}">
+                <a14:useLocalDpi xmlns:a14="http://schemas.microsoft.com/office/drawing/2010/main" val="0"/>
+              </a:ext>
+            </a:extLst>
+          </a:blip>
+          <a:srcRect/>
+          <a:stretch>
+            <a:fillRect/>
+          </a:stretch>
+        </p:blipFill>
+        <p:spPr bwMode="auto">
+          <a:xfrm>
+            <a:off x="13426753" y="21279492"/>
+            <a:ext cx="5904656" cy="2696123"/>
+          </a:xfrm>
+          <a:prstGeom prst="rect">
+            <a:avLst/>
+          </a:prstGeom>
+          <a:noFill/>
+          <a:extLst>
+            <a:ext uri="{909E8E84-426E-40DD-AFC4-6F175D3DCCD1}">
+              <a14:hiddenFill xmlns:a14="http://schemas.microsoft.com/office/drawing/2010/main">
+                <a:solidFill>
+                  <a:srgbClr val="FFFFFF"/>
+                </a:solidFill>
+              </a14:hiddenFill>
+            </a:ext>
+          </a:extLst>
+        </p:spPr>
+      </p:pic>
     </p:spTree>
   </p:cSld>
   <p:clrMapOvr>
     <a:masterClrMapping/>
   </p:clrMapOvr>
+  <p:timing>
+    <p:tnLst>
+      <p:par>
+        <p:cTn id="1" dur="indefinite" restart="never" nodeType="tmRoot"/>
+      </p:par>
+    </p:tnLst>
+  </p:timing>
 </p:sld>
 </file>
 

--- a/598_Poster.pptx
+++ b/598_Poster.pptx
@@ -260,7 +260,7 @@
               <a:pPr>
                 <a:defRPr/>
               </a:pPr>
-              <a:t>12/6/2018</a:t>
+              <a:t>12/6/18</a:t>
             </a:fld>
             <a:endParaRPr lang="en-US"/>
           </a:p>
@@ -837,7 +837,7 @@
               <a:pPr>
                 <a:defRPr/>
               </a:pPr>
-              <a:t>12/6/2018</a:t>
+              <a:t>12/6/18</a:t>
             </a:fld>
             <a:endParaRPr lang="en-US"/>
           </a:p>
@@ -1072,7 +1072,7 @@
               <a:pPr>
                 <a:defRPr/>
               </a:pPr>
-              <a:t>12/6/2018</a:t>
+              <a:t>12/6/18</a:t>
             </a:fld>
             <a:endParaRPr lang="en-US"/>
           </a:p>
@@ -1482,7 +1482,7 @@
               <a:pPr>
                 <a:defRPr/>
               </a:pPr>
-              <a:t>12/6/2018</a:t>
+              <a:t>12/6/18</a:t>
             </a:fld>
             <a:endParaRPr lang="en-US"/>
           </a:p>
@@ -1832,7 +1832,7 @@
               <a:pPr>
                 <a:defRPr/>
               </a:pPr>
-              <a:t>12/6/2018</a:t>
+              <a:t>12/6/18</a:t>
             </a:fld>
             <a:endParaRPr lang="en-US"/>
           </a:p>
@@ -2322,7 +2322,7 @@
               <a:pPr>
                 <a:defRPr/>
               </a:pPr>
-              <a:t>12/6/2018</a:t>
+              <a:t>12/6/18</a:t>
             </a:fld>
             <a:endParaRPr lang="en-US"/>
           </a:p>
@@ -2498,7 +2498,7 @@
               <a:pPr>
                 <a:defRPr/>
               </a:pPr>
-              <a:t>12/6/2018</a:t>
+              <a:t>12/6/18</a:t>
             </a:fld>
             <a:endParaRPr lang="en-US"/>
           </a:p>
@@ -2644,7 +2644,7 @@
               <a:pPr>
                 <a:defRPr/>
               </a:pPr>
-              <a:t>12/6/2018</a:t>
+              <a:t>12/6/18</a:t>
             </a:fld>
             <a:endParaRPr lang="en-US"/>
           </a:p>
@@ -2979,7 +2979,7 @@
               <a:pPr>
                 <a:defRPr/>
               </a:pPr>
-              <a:t>12/6/2018</a:t>
+              <a:t>12/6/18</a:t>
             </a:fld>
             <a:endParaRPr lang="en-US"/>
           </a:p>
@@ -3297,7 +3297,7 @@
               <a:pPr>
                 <a:defRPr/>
               </a:pPr>
-              <a:t>12/6/2018</a:t>
+              <a:t>12/6/18</a:t>
             </a:fld>
             <a:endParaRPr lang="en-US"/>
           </a:p>
@@ -3866,14 +3866,14 @@
           </a:ln>
           <a:extLst>
             <a:ext uri="{909E8E84-426E-40dd-AFC4-6F175D3DCCD1}">
-              <a14:hiddenFill xmlns:a14="http://schemas.microsoft.com/office/drawing/2010/main" xmlns="">
+              <a14:hiddenFill xmlns="" xmlns:a14="http://schemas.microsoft.com/office/drawing/2010/main">
                 <a:solidFill>
                   <a:srgbClr val="FFFFFF"/>
                 </a:solidFill>
               </a14:hiddenFill>
             </a:ext>
             <a:ext uri="{91240B29-F687-4f45-9708-019B960494DF}">
-              <a14:hiddenLine xmlns:a14="http://schemas.microsoft.com/office/drawing/2010/main" xmlns="" w="9525">
+              <a14:hiddenLine xmlns="" xmlns:a14="http://schemas.microsoft.com/office/drawing/2010/main" w="9525">
                 <a:solidFill>
                   <a:srgbClr val="000000"/>
                 </a:solidFill>
@@ -3901,13 +3901,6 @@
                 <a:cs typeface="Georgia" charset="0"/>
               </a:rPr>
               <a:t>Presenter name, Associates and Collaborators</a:t>
-            </a:r>
-            <a:r>
-              <a:rPr lang="en-US" sz="4800" b="1">
-                <a:latin typeface="Georgia" charset="0"/>
-                <a:cs typeface="Georgia" charset="0"/>
-              </a:rPr>
-              <a:t/>
             </a:r>
             <a:br>
               <a:rPr lang="en-US" sz="4800" b="1">
@@ -3947,14 +3940,14 @@
           </a:ln>
           <a:extLst>
             <a:ext uri="{909E8E84-426E-40dd-AFC4-6F175D3DCCD1}">
-              <a14:hiddenFill xmlns:a14="http://schemas.microsoft.com/office/drawing/2010/main" xmlns="">
+              <a14:hiddenFill xmlns="" xmlns:a14="http://schemas.microsoft.com/office/drawing/2010/main">
                 <a:solidFill>
                   <a:srgbClr val="FFFFFF"/>
                 </a:solidFill>
               </a14:hiddenFill>
             </a:ext>
             <a:ext uri="{91240B29-F687-4f45-9708-019B960494DF}">
-              <a14:hiddenLine xmlns:a14="http://schemas.microsoft.com/office/drawing/2010/main" xmlns="" w="9525">
+              <a14:hiddenLine xmlns="" xmlns:a14="http://schemas.microsoft.com/office/drawing/2010/main" w="9525">
                 <a:solidFill>
                   <a:srgbClr val="000000"/>
                 </a:solidFill>
@@ -4157,7 +4150,7 @@
           </a:ln>
           <a:extLst>
             <a:ext uri="{91240B29-F687-4f45-9708-019B960494DF}">
-              <a14:hiddenLine xmlns:a14="http://schemas.microsoft.com/office/drawing/2010/main" xmlns="" w="9525">
+              <a14:hiddenLine xmlns="" xmlns:a14="http://schemas.microsoft.com/office/drawing/2010/main" w="9525">
                 <a:solidFill>
                   <a:srgbClr val="000000"/>
                 </a:solidFill>
@@ -4247,7 +4240,7 @@
           </a:ln>
           <a:extLst>
             <a:ext uri="{91240B29-F687-4f45-9708-019B960494DF}">
-              <a14:hiddenLine xmlns:a14="http://schemas.microsoft.com/office/drawing/2010/main" xmlns="" w="9525">
+              <a14:hiddenLine xmlns="" xmlns:a14="http://schemas.microsoft.com/office/drawing/2010/main" w="9525">
                 <a:solidFill>
                   <a:srgbClr val="000000"/>
                 </a:solidFill>
@@ -4387,7 +4380,7 @@
           </a:ln>
           <a:extLst>
             <a:ext uri="{91240B29-F687-4f45-9708-019B960494DF}">
-              <a14:hiddenLine xmlns:a14="http://schemas.microsoft.com/office/drawing/2010/main" xmlns="" w="9525">
+              <a14:hiddenLine xmlns="" xmlns:a14="http://schemas.microsoft.com/office/drawing/2010/main" w="9525">
                 <a:solidFill>
                   <a:srgbClr val="000000"/>
                 </a:solidFill>
@@ -4593,7 +4586,7 @@
           </a:ln>
           <a:extLst>
             <a:ext uri="{91240B29-F687-4f45-9708-019B960494DF}">
-              <a14:hiddenLine xmlns:a14="http://schemas.microsoft.com/office/drawing/2010/main" xmlns="" w="9525">
+              <a14:hiddenLine xmlns="" xmlns:a14="http://schemas.microsoft.com/office/drawing/2010/main" w="9525">
                 <a:solidFill>
                   <a:srgbClr val="000000"/>
                 </a:solidFill>
@@ -4787,7 +4780,7 @@
           </a:ln>
           <a:extLst>
             <a:ext uri="{91240B29-F687-4f45-9708-019B960494DF}">
-              <a14:hiddenLine xmlns:a14="http://schemas.microsoft.com/office/drawing/2010/main" xmlns="" w="9525">
+              <a14:hiddenLine xmlns="" xmlns:a14="http://schemas.microsoft.com/office/drawing/2010/main" w="9525">
                 <a:solidFill>
                   <a:srgbClr val="000000"/>
                 </a:solidFill>
@@ -4997,7 +4990,7 @@
           </a:ln>
           <a:extLst>
             <a:ext uri="{91240B29-F687-4f45-9708-019B960494DF}">
-              <a14:hiddenLine xmlns:a14="http://schemas.microsoft.com/office/drawing/2010/main" xmlns="" w="9525">
+              <a14:hiddenLine xmlns="" xmlns:a14="http://schemas.microsoft.com/office/drawing/2010/main" w="9525">
                 <a:solidFill>
                   <a:srgbClr val="000000"/>
                 </a:solidFill>
@@ -5109,7 +5102,7 @@
           </a:ln>
           <a:extLst>
             <a:ext uri="{91240B29-F687-4f45-9708-019B960494DF}">
-              <a14:hiddenLine xmlns:a14="http://schemas.microsoft.com/office/drawing/2010/main" xmlns="" w="9525">
+              <a14:hiddenLine xmlns="" xmlns:a14="http://schemas.microsoft.com/office/drawing/2010/main" w="9525">
                 <a:solidFill>
                   <a:srgbClr val="000000"/>
                 </a:solidFill>
@@ -5229,14 +5222,14 @@
           </a:ln>
           <a:extLst>
             <a:ext uri="{909E8E84-426E-40dd-AFC4-6F175D3DCCD1}">
-              <a14:hiddenFill xmlns:a14="http://schemas.microsoft.com/office/drawing/2010/main" xmlns="">
+              <a14:hiddenFill xmlns="" xmlns:a14="http://schemas.microsoft.com/office/drawing/2010/main">
                 <a:solidFill>
                   <a:srgbClr val="FFFFFF"/>
                 </a:solidFill>
               </a14:hiddenFill>
             </a:ext>
             <a:ext uri="{91240B29-F687-4f45-9708-019B960494DF}">
-              <a14:hiddenLine xmlns:a14="http://schemas.microsoft.com/office/drawing/2010/main" xmlns="" w="9525">
+              <a14:hiddenLine xmlns="" xmlns:a14="http://schemas.microsoft.com/office/drawing/2010/main" w="9525">
                 <a:solidFill>
                   <a:srgbClr val="000000"/>
                 </a:solidFill>
@@ -5438,14 +5431,14 @@
           </a:ln>
           <a:extLst>
             <a:ext uri="{909E8E84-426E-40dd-AFC4-6F175D3DCCD1}">
-              <a14:hiddenFill xmlns:a14="http://schemas.microsoft.com/office/drawing/2010/main" xmlns="">
+              <a14:hiddenFill xmlns="" xmlns:a14="http://schemas.microsoft.com/office/drawing/2010/main">
                 <a:solidFill>
                   <a:srgbClr val="FFFFFF"/>
                 </a:solidFill>
               </a14:hiddenFill>
             </a:ext>
             <a:ext uri="{91240B29-F687-4f45-9708-019B960494DF}">
-              <a14:hiddenLine xmlns:a14="http://schemas.microsoft.com/office/drawing/2010/main" xmlns="" w="9525">
+              <a14:hiddenLine xmlns="" xmlns:a14="http://schemas.microsoft.com/office/drawing/2010/main" w="9525">
                 <a:solidFill>
                   <a:srgbClr val="000000"/>
                 </a:solidFill>
@@ -5611,14 +5604,14 @@
           </a:ln>
           <a:extLst>
             <a:ext uri="{909E8E84-426E-40dd-AFC4-6F175D3DCCD1}">
-              <a14:hiddenFill xmlns:a14="http://schemas.microsoft.com/office/drawing/2010/main" xmlns="">
+              <a14:hiddenFill xmlns="" xmlns:a14="http://schemas.microsoft.com/office/drawing/2010/main">
                 <a:solidFill>
                   <a:srgbClr val="FFFFFF"/>
                 </a:solidFill>
               </a14:hiddenFill>
             </a:ext>
             <a:ext uri="{91240B29-F687-4f45-9708-019B960494DF}">
-              <a14:hiddenLine xmlns:a14="http://schemas.microsoft.com/office/drawing/2010/main" xmlns="" w="9525">
+              <a14:hiddenLine xmlns="" xmlns:a14="http://schemas.microsoft.com/office/drawing/2010/main" w="9525">
                 <a:solidFill>
                   <a:srgbClr val="000000"/>
                 </a:solidFill>
@@ -5856,14 +5849,14 @@
           </a:ln>
           <a:extLst>
             <a:ext uri="{909E8E84-426E-40dd-AFC4-6F175D3DCCD1}">
-              <a14:hiddenFill xmlns:a14="http://schemas.microsoft.com/office/drawing/2010/main" xmlns="">
+              <a14:hiddenFill xmlns="" xmlns:a14="http://schemas.microsoft.com/office/drawing/2010/main">
                 <a:solidFill>
                   <a:srgbClr val="FFFFFF"/>
                 </a:solidFill>
               </a14:hiddenFill>
             </a:ext>
             <a:ext uri="{91240B29-F687-4f45-9708-019B960494DF}">
-              <a14:hiddenLine xmlns:a14="http://schemas.microsoft.com/office/drawing/2010/main" xmlns="" w="9525">
+              <a14:hiddenLine xmlns="" xmlns:a14="http://schemas.microsoft.com/office/drawing/2010/main" w="9525">
                 <a:solidFill>
                   <a:srgbClr val="000000"/>
                 </a:solidFill>
@@ -6065,14 +6058,14 @@
           </a:ln>
           <a:extLst>
             <a:ext uri="{909E8E84-426E-40dd-AFC4-6F175D3DCCD1}">
-              <a14:hiddenFill xmlns:a14="http://schemas.microsoft.com/office/drawing/2010/main" xmlns="">
+              <a14:hiddenFill xmlns="" xmlns:a14="http://schemas.microsoft.com/office/drawing/2010/main">
                 <a:solidFill>
                   <a:srgbClr val="FFFFFF"/>
                 </a:solidFill>
               </a14:hiddenFill>
             </a:ext>
             <a:ext uri="{91240B29-F687-4f45-9708-019B960494DF}">
-              <a14:hiddenLine xmlns:a14="http://schemas.microsoft.com/office/drawing/2010/main" xmlns="" w="9525">
+              <a14:hiddenLine xmlns="" xmlns:a14="http://schemas.microsoft.com/office/drawing/2010/main" w="9525">
                 <a:solidFill>
                   <a:srgbClr val="000000"/>
                 </a:solidFill>
@@ -6274,14 +6267,14 @@
           </a:ln>
           <a:extLst>
             <a:ext uri="{909E8E84-426E-40dd-AFC4-6F175D3DCCD1}">
-              <a14:hiddenFill xmlns:a14="http://schemas.microsoft.com/office/drawing/2010/main" xmlns="">
+              <a14:hiddenFill xmlns="" xmlns:a14="http://schemas.microsoft.com/office/drawing/2010/main">
                 <a:solidFill>
                   <a:srgbClr val="FFFFFF"/>
                 </a:solidFill>
               </a14:hiddenFill>
             </a:ext>
             <a:ext uri="{91240B29-F687-4f45-9708-019B960494DF}">
-              <a14:hiddenLine xmlns:a14="http://schemas.microsoft.com/office/drawing/2010/main" xmlns="" w="9525">
+              <a14:hiddenLine xmlns="" xmlns:a14="http://schemas.microsoft.com/office/drawing/2010/main" w="9525">
                 <a:solidFill>
                   <a:srgbClr val="000000"/>
                 </a:solidFill>
@@ -6502,14 +6495,14 @@
           </a:ln>
           <a:extLst>
             <a:ext uri="{909E8E84-426E-40dd-AFC4-6F175D3DCCD1}">
-              <a14:hiddenFill xmlns:a14="http://schemas.microsoft.com/office/drawing/2010/main" xmlns="">
+              <a14:hiddenFill xmlns="" xmlns:a14="http://schemas.microsoft.com/office/drawing/2010/main">
                 <a:solidFill>
                   <a:srgbClr val="FFFFFF"/>
                 </a:solidFill>
               </a14:hiddenFill>
             </a:ext>
             <a:ext uri="{91240B29-F687-4f45-9708-019B960494DF}">
-              <a14:hiddenLine xmlns:a14="http://schemas.microsoft.com/office/drawing/2010/main" xmlns="" w="9525">
+              <a14:hiddenLine xmlns="" xmlns:a14="http://schemas.microsoft.com/office/drawing/2010/main" w="9525">
                 <a:solidFill>
                   <a:srgbClr val="000000"/>
                 </a:solidFill>
@@ -6540,16 +6533,6 @@
                 <a:cs typeface="Georgia" charset="0"/>
               </a:rPr>
               <a:t>Hakan Tekgul, Raimi Shah</a:t>
-            </a:r>
-            <a:r>
-              <a:rPr lang="en-US" sz="4800" b="1" dirty="0">
-                <a:solidFill>
-                  <a:schemeClr val="tx2"/>
-                </a:solidFill>
-                <a:latin typeface="Georgia" charset="0"/>
-                <a:cs typeface="Georgia" charset="0"/>
-              </a:rPr>
-              <a:t/>
             </a:r>
             <a:br>
               <a:rPr lang="en-US" sz="4800" b="1" dirty="0">
@@ -6595,14 +6578,14 @@
           </a:ln>
           <a:extLst>
             <a:ext uri="{909E8E84-426E-40dd-AFC4-6F175D3DCCD1}">
-              <a14:hiddenFill xmlns:a14="http://schemas.microsoft.com/office/drawing/2010/main" xmlns="">
+              <a14:hiddenFill xmlns="" xmlns:a14="http://schemas.microsoft.com/office/drawing/2010/main">
                 <a:solidFill>
                   <a:srgbClr val="FFFFFF"/>
                 </a:solidFill>
               </a14:hiddenFill>
             </a:ext>
             <a:ext uri="{91240B29-F687-4f45-9708-019B960494DF}">
-              <a14:hiddenLine xmlns:a14="http://schemas.microsoft.com/office/drawing/2010/main" xmlns="" w="9525">
+              <a14:hiddenLine xmlns="" xmlns:a14="http://schemas.microsoft.com/office/drawing/2010/main" w="9525">
                 <a:solidFill>
                   <a:srgbClr val="000000"/>
                 </a:solidFill>
@@ -6760,7 +6743,7 @@
           </a:ln>
           <a:extLst>
             <a:ext uri="{91240B29-F687-4f45-9708-019B960494DF}">
-              <a14:hiddenLine xmlns:a14="http://schemas.microsoft.com/office/drawing/2010/main" xmlns="" w="9525">
+              <a14:hiddenLine xmlns="" xmlns:a14="http://schemas.microsoft.com/office/drawing/2010/main" w="9525">
                 <a:solidFill>
                   <a:srgbClr val="000000"/>
                 </a:solidFill>
@@ -6796,53 +6779,33 @@
           </a:p>
           <a:p>
             <a:r>
-              <a:rPr lang="en-US" sz="2800" dirty="0" smtClean="0"/>
+              <a:rPr lang="en-US" sz="2800" dirty="0"/>
               <a:t>We would like to thank Professor </a:t>
             </a:r>
             <a:r>
-              <a:rPr lang="en-US" sz="2800" dirty="0" err="1" smtClean="0"/>
+              <a:rPr lang="en-US" sz="2800" dirty="0" err="1"/>
               <a:t>Smaragdis</a:t>
             </a:r>
             <a:r>
-              <a:rPr lang="en-US" sz="2800" dirty="0" smtClean="0"/>
+              <a:rPr lang="en-US" sz="2800" dirty="0"/>
               <a:t> and the course staff for CS 598.</a:t>
             </a:r>
           </a:p>
           <a:p>
-            <a:r>
-              <a:rPr lang="en-US" sz="2800" dirty="0"/>
-              <a:t/>
-            </a:r>
             <a:br>
               <a:rPr lang="en-US" sz="2800" dirty="0"/>
             </a:br>
             <a:r>
-              <a:rPr lang="en-US" sz="2800" dirty="0" smtClean="0"/>
-              <a:t>We used the dataset </a:t>
-            </a:r>
-            <a:r>
               <a:rPr lang="en-US" sz="2800" dirty="0"/>
-              <a:t>from </a:t>
+              <a:t>We used the dataset from </a:t>
             </a:r>
             <a:r>
               <a:rPr lang="en-US" sz="2800" dirty="0">
                 <a:hlinkClick r:id="rId2"/>
               </a:rPr>
-              <a:t>http://</a:t>
-            </a:r>
-            <a:r>
-              <a:rPr lang="en-US" sz="2800">
-                <a:hlinkClick r:id="rId2"/>
-              </a:rPr>
-              <a:t>marsyasweb.appspot.com/download/data_sets</a:t>
-            </a:r>
-            <a:r>
-              <a:rPr lang="en-US" sz="2800" smtClean="0">
-                <a:hlinkClick r:id="rId2"/>
-              </a:rPr>
-              <a:t>/</a:t>
-            </a:r>
-            <a:endParaRPr lang="en-US" sz="2800" dirty="0" smtClean="0"/>
+              <a:t>http://marsyasweb.appspot.com/download/data_sets/</a:t>
+            </a:r>
+            <a:endParaRPr lang="en-US" sz="2800" dirty="0"/>
           </a:p>
         </p:txBody>
       </p:sp>
@@ -6870,7 +6833,7 @@
           </a:ln>
           <a:extLst>
             <a:ext uri="{91240B29-F687-4f45-9708-019B960494DF}">
-              <a14:hiddenLine xmlns:a14="http://schemas.microsoft.com/office/drawing/2010/main" xmlns="" w="9525">
+              <a14:hiddenLine xmlns="" xmlns:a14="http://schemas.microsoft.com/office/drawing/2010/main" w="9525">
                 <a:solidFill>
                   <a:srgbClr val="000000"/>
                 </a:solidFill>
@@ -6910,7 +6873,21 @@
                 <a:latin typeface="Georgia" charset="0"/>
                 <a:cs typeface="Georgia" charset="0"/>
               </a:rPr>
-              <a:t>For this project, we chose five distinct genres; classical, metal, blues, pop, country. Hence, our dataset was 500 songs total, from which we used 80% for training and 20% for testing. </a:t>
+              <a:t>For this project, we chose five distinct genres; </a:t>
+            </a:r>
+            <a:r>
+              <a:rPr lang="en-US" sz="2800" b="1" dirty="0">
+                <a:latin typeface="Georgia" charset="0"/>
+                <a:cs typeface="Georgia" charset="0"/>
+              </a:rPr>
+              <a:t>classical, metal, blues, pop, country</a:t>
+            </a:r>
+            <a:r>
+              <a:rPr lang="en-US" sz="2800" dirty="0">
+                <a:latin typeface="Georgia" charset="0"/>
+                <a:cs typeface="Georgia" charset="0"/>
+              </a:rPr>
+              <a:t>. Hence, our dataset was 500 songs total, from which we used 80% for training and 20% for testing. </a:t>
             </a:r>
           </a:p>
           <a:p>
@@ -6969,7 +6946,7 @@
           </a:ln>
           <a:extLst>
             <a:ext uri="{91240B29-F687-4f45-9708-019B960494DF}">
-              <a14:hiddenLine xmlns:a14="http://schemas.microsoft.com/office/drawing/2010/main" xmlns="" w="9525">
+              <a14:hiddenLine xmlns="" xmlns:a14="http://schemas.microsoft.com/office/drawing/2010/main" w="9525">
                 <a:solidFill>
                   <a:srgbClr val="000000"/>
                 </a:solidFill>
@@ -7133,7 +7110,7 @@
                   </a:spcBef>
                 </a:pPr>
                 <a:r>
-                  <a:rPr lang="en-GB" sz="4000" b="1" u="sng" dirty="0" smtClean="0">
+                  <a:rPr lang="en-GB" sz="4000" b="1" u="sng" dirty="0">
                     <a:solidFill>
                       <a:srgbClr val="131F33"/>
                     </a:solidFill>
@@ -7191,35 +7168,24 @@
                   </a:rPr>
                   <a:t>Multi-Class Support Vector Machines: </a:t>
                 </a:r>
-                <a:endParaRPr lang="en-US" sz="2800" b="1" dirty="0" smtClean="0">
-                  <a:latin typeface="Georgia" charset="0"/>
-                  <a:cs typeface="Georgia" charset="0"/>
-                </a:endParaRPr>
               </a:p>
               <a:p>
                 <a:pPr marL="381000" indent="-381000"/>
                 <a:r>
-                  <a:rPr lang="en-US" sz="2800" b="1" dirty="0" smtClean="0">
+                  <a:rPr lang="en-US" sz="2800" b="1" dirty="0">
                     <a:latin typeface="Georgia" charset="0"/>
                     <a:cs typeface="Georgia" charset="0"/>
                   </a:rPr>
                   <a:t>	</a:t>
                 </a:r>
                 <a:r>
-                  <a:rPr lang="en-US" sz="2800" dirty="0" smtClean="0">
+                  <a:rPr lang="en-US" sz="2800" dirty="0">
                     <a:latin typeface="Georgia" charset="0"/>
                     <a:cs typeface="Georgia" charset="0"/>
                   </a:rPr>
-                  <a:t>We used tried to use multiclass support vector machines with OVR, OVO, and crammer-singer loss. </a:t>
+                  <a:t>We tried to use multiclass support vector machines with OVR, OVO, and crammer-singer loss. Our best was with crammer-singer loss.</a:t>
                 </a:r>
-                <a:r>
-                  <a:rPr lang="en-US" sz="2800" dirty="0" smtClean="0">
-                    <a:latin typeface="Georgia" charset="0"/>
-                    <a:cs typeface="Georgia" charset="0"/>
-                  </a:rPr>
-                  <a:t>Our best was with crammer-singer loss.</a:t>
-                </a:r>
-                <a:endParaRPr lang="en-US" sz="2800" b="0" i="1" dirty="0" smtClean="0">
+                <a:endParaRPr lang="en-US" sz="2800" b="0" i="1" dirty="0">
                   <a:latin typeface="Cambria Math" panose="02040503050406030204" pitchFamily="18" charset="0"/>
                   <a:cs typeface="Georgia" charset="0"/>
                 </a:endParaRPr>
@@ -7445,7 +7411,7 @@
                     </m:oMath>
                   </m:oMathPara>
                 </a14:m>
-                <a:endParaRPr lang="en-US" sz="2800" dirty="0" smtClean="0">
+                <a:endParaRPr lang="en-US" sz="2800" dirty="0">
                   <a:latin typeface="Georgia" charset="0"/>
                   <a:cs typeface="Georgia" charset="0"/>
                 </a:endParaRPr>
@@ -7488,21 +7454,7 @@
                     <a:latin typeface="Georgia" charset="0"/>
                     <a:cs typeface="Georgia" charset="0"/>
                   </a:rPr>
-                  <a:t>We experimented using </a:t>
-                </a:r>
-                <a:r>
-                  <a:rPr lang="en-US" sz="2800" dirty="0" err="1">
-                    <a:latin typeface="Georgia" charset="0"/>
-                    <a:cs typeface="Georgia" charset="0"/>
-                  </a:rPr>
-                  <a:t>KMeans</a:t>
-                </a:r>
-                <a:r>
-                  <a:rPr lang="en-US" sz="2800" dirty="0">
-                    <a:latin typeface="Georgia" charset="0"/>
-                    <a:cs typeface="Georgia" charset="0"/>
-                  </a:rPr>
-                  <a:t> clustering for an unsupervised method to group our music classes. Using the objective function:</a:t>
+                  <a:t>We experimented using K-Means clustering for an unsupervised method to group our music classes. Using the objective function:</a:t>
                 </a:r>
               </a:p>
               <a:p>
@@ -7789,7 +7741,7 @@
                     <a:latin typeface="Georgia" charset="0"/>
                     <a:cs typeface="Georgia" charset="0"/>
                   </a:rPr>
-                  <a:t>We then decided it would be best to utilize a couple of deep learning methods. To being, we created a simple 2 layer neural network with </a:t>
+                  <a:t>We then decided it would be best to utilize a couple of deep learning methods. To being, we created a simple 3 layer neural network with </a:t>
                 </a:r>
                 <a:r>
                   <a:rPr lang="en-US" sz="2800" dirty="0" err="1">
@@ -7803,26 +7755,12 @@
                     <a:latin typeface="Georgia" charset="0"/>
                     <a:cs typeface="Georgia" charset="0"/>
                   </a:rPr>
-                  <a:t> nonlinearity</a:t>
-                </a:r>
-                <a:r>
-                  <a:rPr lang="en-US" sz="2800" dirty="0" smtClean="0">
-                    <a:latin typeface="Georgia" charset="0"/>
-                    <a:cs typeface="Georgia" charset="0"/>
-                  </a:rPr>
-                  <a:t>.</a:t>
+                  <a:t> nonlinearity.</a:t>
                 </a:r>
               </a:p>
               <a:p>
                 <a:pPr marL="381000" indent="-381000"/>
                 <a:endParaRPr lang="en-US" sz="2800" b="1" dirty="0">
-                  <a:latin typeface="Georgia" charset="0"/>
-                  <a:cs typeface="Georgia" charset="0"/>
-                </a:endParaRPr>
-              </a:p>
-              <a:p>
-                <a:pPr marL="381000" indent="-381000"/>
-                <a:endParaRPr lang="en-US" sz="2800" b="1" dirty="0" smtClean="0">
                   <a:latin typeface="Georgia" charset="0"/>
                   <a:cs typeface="Georgia" charset="0"/>
                 </a:endParaRPr>
@@ -7836,7 +7774,14 @@
               </a:p>
               <a:p>
                 <a:pPr marL="381000" indent="-381000"/>
-                <a:endParaRPr lang="en-US" sz="2800" b="1" dirty="0" smtClean="0">
+                <a:endParaRPr lang="en-US" sz="2800" b="1" dirty="0">
+                  <a:latin typeface="Georgia" charset="0"/>
+                  <a:cs typeface="Georgia" charset="0"/>
+                </a:endParaRPr>
+              </a:p>
+              <a:p>
+                <a:pPr marL="381000" indent="-381000"/>
+                <a:endParaRPr lang="en-US" sz="2800" b="1" dirty="0">
                   <a:latin typeface="Georgia" charset="0"/>
                   <a:cs typeface="Georgia" charset="0"/>
                 </a:endParaRPr>
@@ -7857,10 +7802,6 @@
                   </a:rPr>
                   <a:t> </a:t>
                 </a:r>
-                <a:endParaRPr lang="en-US" sz="2800" b="1" dirty="0" smtClean="0">
-                  <a:latin typeface="Georgia" charset="0"/>
-                  <a:cs typeface="Georgia" charset="0"/>
-                </a:endParaRPr>
               </a:p>
               <a:p>
                 <a:pPr marL="381000" indent="-381000"/>
@@ -7900,7 +7841,7 @@
                     <a:latin typeface="Georgia" charset="0"/>
                     <a:cs typeface="Georgia" charset="0"/>
                   </a:rPr>
-                  <a:t>	To finish out our experiments, we tried a couple of different convolutional neural network architectures.</a:t>
+                  <a:t>	To finish out our experiments, we tried a couple of different convolutional neural network architectures. We are still working on CNN experiments to increase accuracy. </a:t>
                 </a:r>
               </a:p>
               <a:p>
@@ -7909,23 +7850,6 @@
                   <a:latin typeface="Georgia" charset="0"/>
                   <a:cs typeface="Georgia" charset="0"/>
                 </a:endParaRPr>
-              </a:p>
-              <a:p>
-                <a:pPr marL="381000" indent="-381000"/>
-                <a:endParaRPr lang="en-US" sz="2800" dirty="0">
-                  <a:latin typeface="Georgia" charset="0"/>
-                  <a:cs typeface="Georgia" charset="0"/>
-                </a:endParaRPr>
-              </a:p>
-              <a:p>
-                <a:pPr marL="381000" indent="-381000"/>
-                <a:r>
-                  <a:rPr lang="en-US" sz="2800" dirty="0">
-                    <a:latin typeface="Georgia" charset="0"/>
-                    <a:cs typeface="Georgia" charset="0"/>
-                  </a:rPr>
-                  <a:t># Add Neural Network Architectures and some plots</a:t>
-                </a:r>
               </a:p>
             </p:txBody>
           </p:sp>
@@ -7947,7 +7871,7 @@
               <a:prstGeom prst="rect">
                 <a:avLst/>
               </a:prstGeom>
-              <a:blipFill rotWithShape="0">
+              <a:blipFill>
                 <a:blip r:embed="rId3"/>
                 <a:stretch>
                   <a:fillRect/>
@@ -7974,7 +7898,7 @@
               <a:lstStyle/>
               <a:p>
                 <a:r>
-                  <a:rPr lang="en-US">
+                  <a:rPr lang="tr-TR">
                     <a:noFill/>
                   </a:rPr>
                   <a:t> </a:t>
@@ -8008,7 +7932,7 @@
           </a:ln>
           <a:extLst>
             <a:ext uri="{91240B29-F687-4f45-9708-019B960494DF}">
-              <a14:hiddenLine xmlns:a14="http://schemas.microsoft.com/office/drawing/2010/main" xmlns="" w="9525">
+              <a14:hiddenLine xmlns="" xmlns:a14="http://schemas.microsoft.com/office/drawing/2010/main" w="9525">
                 <a:solidFill>
                   <a:srgbClr val="000000"/>
                 </a:solidFill>
@@ -8034,34 +7958,8 @@
                   <a:srgbClr val="131F33"/>
                 </a:solidFill>
               </a:rPr>
-              <a:t>RESULTS</a:t>
-            </a:r>
-            <a:endParaRPr lang="en-GB" sz="4000" b="1" dirty="0">
-              <a:solidFill>
-                <a:srgbClr val="131F33"/>
-              </a:solidFill>
-            </a:endParaRPr>
-          </a:p>
-          <a:p>
-            <a:r>
-              <a:rPr lang="en-US" sz="2800" dirty="0">
-                <a:latin typeface="Georgia" charset="0"/>
-                <a:cs typeface="Georgia" charset="0"/>
-              </a:rPr>
-              <a:t> </a:t>
-            </a:r>
-          </a:p>
-          <a:p>
-            <a:endParaRPr lang="en-US" sz="2800" dirty="0">
-              <a:latin typeface="Georgia" charset="0"/>
-              <a:cs typeface="Georgia" charset="0"/>
-            </a:endParaRPr>
-          </a:p>
-          <a:p>
-            <a:endParaRPr lang="en-US" sz="2800" dirty="0">
-              <a:latin typeface="Georgia" charset="0"/>
-              <a:cs typeface="Georgia" charset="0"/>
-            </a:endParaRPr>
+              <a:t>RESULTS:</a:t>
+            </a:r>
           </a:p>
           <a:p>
             <a:pPr>
@@ -8069,6 +7967,61 @@
                 <a:spcPct val="50000"/>
               </a:spcBef>
             </a:pPr>
+            <a:r>
+              <a:rPr lang="en-GB" sz="4000" b="1" u="sng" dirty="0">
+                <a:solidFill>
+                  <a:srgbClr val="131F33"/>
+                </a:solidFill>
+              </a:rPr>
+              <a:t>    </a:t>
+            </a:r>
+            <a:r>
+              <a:rPr lang="en-GB" sz="4000" b="1" u="sng" dirty="0" err="1">
+                <a:solidFill>
+                  <a:srgbClr val="131F33"/>
+                </a:solidFill>
+              </a:rPr>
+              <a:t>plt.xlabel</a:t>
+            </a:r>
+            <a:r>
+              <a:rPr lang="en-GB" sz="4000" b="1" u="sng" dirty="0">
+                <a:solidFill>
+                  <a:srgbClr val="131F33"/>
+                </a:solidFill>
+              </a:rPr>
+              <a:t>('Number of Epochs')</a:t>
+            </a:r>
+          </a:p>
+          <a:p>
+            <a:pPr>
+              <a:spcBef>
+                <a:spcPct val="50000"/>
+              </a:spcBef>
+            </a:pPr>
+            <a:r>
+              <a:rPr lang="en-GB" sz="4000" b="1" u="sng" dirty="0">
+                <a:solidFill>
+                  <a:srgbClr val="131F33"/>
+                </a:solidFill>
+              </a:rPr>
+              <a:t>    </a:t>
+            </a:r>
+            <a:r>
+              <a:rPr lang="en-GB" sz="4000" b="1" u="sng" dirty="0" err="1">
+                <a:solidFill>
+                  <a:srgbClr val="131F33"/>
+                </a:solidFill>
+              </a:rPr>
+              <a:t>plt.ylabel</a:t>
+            </a:r>
+            <a:r>
+              <a:rPr lang="en-GB" sz="4000" b="1" u="sng" dirty="0">
+                <a:solidFill>
+                  <a:srgbClr val="131F33"/>
+                </a:solidFill>
+              </a:rPr>
+              <a:t>('Loss')</a:t>
+            </a:r>
             <a:endParaRPr lang="en-US" sz="4000" b="1" dirty="0">
               <a:solidFill>
                 <a:srgbClr val="CC3300"/>
@@ -8088,7 +8041,7 @@
         <p:spPr bwMode="auto">
           <a:xfrm>
             <a:off x="32918400" y="5181600"/>
-            <a:ext cx="9829800" cy="12192000"/>
+            <a:ext cx="9829800" cy="11851381"/>
           </a:xfrm>
           <a:prstGeom prst="rect">
             <a:avLst/>
@@ -8101,7 +8054,7 @@
           </a:ln>
           <a:extLst>
             <a:ext uri="{91240B29-F687-4f45-9708-019B960494DF}">
-              <a14:hiddenLine xmlns:a14="http://schemas.microsoft.com/office/drawing/2010/main" xmlns="" w="9525">
+              <a14:hiddenLine xmlns="" xmlns:a14="http://schemas.microsoft.com/office/drawing/2010/main" w="9525">
                 <a:solidFill>
                   <a:srgbClr val="000000"/>
                 </a:solidFill>
@@ -8130,8 +8083,6 @@
               </a:rPr>
               <a:t>CHALLENGES:</a:t>
             </a:r>
-          </a:p>
-          <a:p>
             <a:endParaRPr lang="en-US" sz="4000" dirty="0">
               <a:latin typeface="+mn-lt"/>
             </a:endParaRPr>
@@ -8159,15 +8110,7 @@
             </a:r>
             <a:r>
               <a:rPr lang="en-US" sz="2800" dirty="0"/>
-              <a:t> where we had to figure out how </a:t>
-            </a:r>
-            <a:r>
-              <a:rPr lang="en-US" sz="2800" dirty="0" err="1"/>
-              <a:t>tha</a:t>
-            </a:r>
-            <a:r>
-              <a:rPr lang="en-US" sz="2800" dirty="0"/>
-              <a:t> shapes of each tensor has to be before going onto convolutional network. As noted, we are still playing with our convolutional net to increase accuracy above 90%. </a:t>
+              <a:t> where we had to figure out how the shapes of each tensor has to be before going onto convolutional network. As noted, we are still playing with our convolutional net to increase accuracy above 90%. </a:t>
             </a:r>
           </a:p>
         </p:txBody>
@@ -8196,7 +8139,7 @@
           </a:ln>
           <a:extLst>
             <a:ext uri="{91240B29-F687-4f45-9708-019B960494DF}">
-              <a14:hiddenLine xmlns:a14="http://schemas.microsoft.com/office/drawing/2010/main" xmlns="" w="9525">
+              <a14:hiddenLine xmlns="" xmlns:a14="http://schemas.microsoft.com/office/drawing/2010/main" w="9525">
                 <a:solidFill>
                   <a:srgbClr val="000000"/>
                 </a:solidFill>
@@ -8226,6 +8169,7 @@
             </a:r>
           </a:p>
           <a:p>
+            <a:pPr algn="just"/>
             <a:r>
               <a:rPr lang="en-US" sz="2800" dirty="0"/>
               <a:t>In conclusion, our goal by the end of this project is to get around 92% accuracy for classification of 5 musical genres. We are still working on our convolutional net and k-Means clustering. The results we have right now suggest that it is easy to beat the 80% accuracy limit with different type of classifiers and the easiest genres to classify are metal and classical. This is because metal music is usually very loud and might occur in high frequencies, whereas classical music usually has a very smooth spectrogram with low </a:t>
@@ -8238,7 +8182,6 @@
               <a:rPr lang="en-US" sz="2800" dirty="0"/>
               <a:t>-frequencies.</a:t>
             </a:r>
-            <a:endParaRPr lang="en-US" sz="2800" dirty="0"/>
           </a:p>
         </p:txBody>
       </p:sp>
@@ -8304,8 +8247,8 @@
         </p:nvSpPr>
         <p:spPr>
           <a:xfrm>
-            <a:off x="27091175" y="10234474"/>
-            <a:ext cx="5093418" cy="523220"/>
+            <a:off x="27799076" y="10192697"/>
+            <a:ext cx="3953621" cy="400110"/>
           </a:xfrm>
           <a:prstGeom prst="rect">
             <a:avLst/>
@@ -8319,8 +8262,8 @@
           <a:lstStyle/>
           <a:p>
             <a:r>
-              <a:rPr lang="en-US" sz="2800" dirty="0"/>
-              <a:t>Data reduced to 3 dimensions</a:t>
+              <a:rPr lang="en-US" sz="2000" dirty="0"/>
+              <a:t>Figure 6. 3-d plot of reduced data</a:t>
             </a:r>
           </a:p>
         </p:txBody>
@@ -8330,7 +8273,7 @@
           <p:cNvPr id="6" name="Picture 5">
             <a:extLst>
               <a:ext uri="{FF2B5EF4-FFF2-40B4-BE49-F238E27FC236}">
-                <a16:creationId xmlns:a16="http://schemas.microsoft.com/office/drawing/2014/main" xmlns="" id="{FF1009FD-E928-DD4A-AFCB-B2FDEBC325D6}"/>
+                <a16:creationId xmlns:a16="http://schemas.microsoft.com/office/drawing/2014/main" id="{FF1009FD-E928-DD4A-AFCB-B2FDEBC325D6}"/>
               </a:ext>
             </a:extLst>
           </p:cNvPr>
@@ -8360,7 +8303,7 @@
           <p:cNvPr id="22" name="TextBox 21">
             <a:extLst>
               <a:ext uri="{FF2B5EF4-FFF2-40B4-BE49-F238E27FC236}">
-                <a16:creationId xmlns:a16="http://schemas.microsoft.com/office/drawing/2014/main" xmlns="" id="{8059BE91-239C-C944-9904-6A5963AAF874}"/>
+                <a16:creationId xmlns:a16="http://schemas.microsoft.com/office/drawing/2014/main" id="{8059BE91-239C-C944-9904-6A5963AAF874}"/>
               </a:ext>
             </a:extLst>
           </p:cNvPr>
@@ -8369,8 +8312,8 @@
         </p:nvSpPr>
         <p:spPr>
           <a:xfrm>
-            <a:off x="23923775" y="22104334"/>
-            <a:ext cx="2285106" cy="523220"/>
+            <a:off x="22819124" y="22048116"/>
+            <a:ext cx="4266101" cy="400110"/>
           </a:xfrm>
           <a:prstGeom prst="rect">
             <a:avLst/>
@@ -8384,8 +8327,8 @@
           <a:lstStyle/>
           <a:p>
             <a:r>
-              <a:rPr lang="en-US" sz="2800" dirty="0"/>
-              <a:t>k-NN 81%</a:t>
+              <a:rPr lang="en-US" sz="2000" dirty="0"/>
+              <a:t>Figure 7. Confusion matrix for k-NN</a:t>
             </a:r>
           </a:p>
         </p:txBody>
@@ -8395,7 +8338,7 @@
           <p:cNvPr id="8" name="Picture 7">
             <a:extLst>
               <a:ext uri="{FF2B5EF4-FFF2-40B4-BE49-F238E27FC236}">
-                <a16:creationId xmlns:a16="http://schemas.microsoft.com/office/drawing/2014/main" xmlns="" id="{F53EEA8C-CB4B-7846-8FD1-C945C28EC753}"/>
+                <a16:creationId xmlns:a16="http://schemas.microsoft.com/office/drawing/2014/main" id="{F53EEA8C-CB4B-7846-8FD1-C945C28EC753}"/>
               </a:ext>
             </a:extLst>
           </p:cNvPr>
@@ -8425,7 +8368,7 @@
           <p:cNvPr id="25" name="TextBox 24">
             <a:extLst>
               <a:ext uri="{FF2B5EF4-FFF2-40B4-BE49-F238E27FC236}">
-                <a16:creationId xmlns:a16="http://schemas.microsoft.com/office/drawing/2014/main" xmlns="" id="{CEE1A563-FA37-9143-9886-7511BBD88EFF}"/>
+                <a16:creationId xmlns:a16="http://schemas.microsoft.com/office/drawing/2014/main" id="{CEE1A563-FA37-9143-9886-7511BBD88EFF}"/>
               </a:ext>
             </a:extLst>
           </p:cNvPr>
@@ -8434,8 +8377,8 @@
         </p:nvSpPr>
         <p:spPr>
           <a:xfrm>
-            <a:off x="28794446" y="22151321"/>
-            <a:ext cx="2285106" cy="523220"/>
+            <a:off x="27801242" y="22120953"/>
+            <a:ext cx="4355158" cy="400110"/>
           </a:xfrm>
           <a:prstGeom prst="rect">
             <a:avLst/>
@@ -8449,8 +8392,8 @@
           <a:lstStyle/>
           <a:p>
             <a:r>
-              <a:rPr lang="en-US" sz="2800" dirty="0"/>
-              <a:t>SVM 84%</a:t>
+              <a:rPr lang="en-US" sz="2000" dirty="0"/>
+              <a:t>Figure 8. Confusion matrix for SVM</a:t>
             </a:r>
           </a:p>
         </p:txBody>
@@ -8460,7 +8403,7 @@
           <p:cNvPr id="10" name="Picture 9">
             <a:extLst>
               <a:ext uri="{FF2B5EF4-FFF2-40B4-BE49-F238E27FC236}">
-                <a16:creationId xmlns:a16="http://schemas.microsoft.com/office/drawing/2014/main" xmlns="" id="{B4621072-E207-4E41-A58F-FEC4F97B2819}"/>
+                <a16:creationId xmlns:a16="http://schemas.microsoft.com/office/drawing/2014/main" id="{B4621072-E207-4E41-A58F-FEC4F97B2819}"/>
               </a:ext>
             </a:extLst>
           </p:cNvPr>
@@ -8490,7 +8433,7 @@
           <p:cNvPr id="28" name="TextBox 27">
             <a:extLst>
               <a:ext uri="{FF2B5EF4-FFF2-40B4-BE49-F238E27FC236}">
-                <a16:creationId xmlns:a16="http://schemas.microsoft.com/office/drawing/2014/main" xmlns="" id="{DFD90288-D91C-864E-AFE3-9B4CDAB7DAC8}"/>
+                <a16:creationId xmlns:a16="http://schemas.microsoft.com/office/drawing/2014/main" id="{DFD90288-D91C-864E-AFE3-9B4CDAB7DAC8}"/>
               </a:ext>
             </a:extLst>
           </p:cNvPr>
@@ -8499,8 +8442,8 @@
         </p:nvSpPr>
         <p:spPr>
           <a:xfrm>
-            <a:off x="23598001" y="27137421"/>
-            <a:ext cx="2610880" cy="523220"/>
+            <a:off x="23036180" y="27213958"/>
+            <a:ext cx="4255174" cy="400110"/>
           </a:xfrm>
           <a:prstGeom prst="rect">
             <a:avLst/>
@@ -8514,8 +8457,8 @@
           <a:lstStyle/>
           <a:p>
             <a:r>
-              <a:rPr lang="en-US" sz="2800" dirty="0"/>
-              <a:t>Gaussian 85%</a:t>
+              <a:rPr lang="en-US" sz="2000" dirty="0"/>
+              <a:t>Figure 9. Confusion matrix for GMM</a:t>
             </a:r>
           </a:p>
         </p:txBody>
@@ -8525,7 +8468,7 @@
           <p:cNvPr id="12" name="Picture 11">
             <a:extLst>
               <a:ext uri="{FF2B5EF4-FFF2-40B4-BE49-F238E27FC236}">
-                <a16:creationId xmlns:a16="http://schemas.microsoft.com/office/drawing/2014/main" xmlns="" id="{37B458A6-CF92-1146-A24B-A209DE5C2A30}"/>
+                <a16:creationId xmlns:a16="http://schemas.microsoft.com/office/drawing/2014/main" id="{37B458A6-CF92-1146-A24B-A209DE5C2A30}"/>
               </a:ext>
             </a:extLst>
           </p:cNvPr>
@@ -8555,7 +8498,7 @@
           <p:cNvPr id="31" name="TextBox 30">
             <a:extLst>
               <a:ext uri="{FF2B5EF4-FFF2-40B4-BE49-F238E27FC236}">
-                <a16:creationId xmlns:a16="http://schemas.microsoft.com/office/drawing/2014/main" xmlns="" id="{1C1BC384-0934-C248-99E0-C3CC457072CB}"/>
+                <a16:creationId xmlns:a16="http://schemas.microsoft.com/office/drawing/2014/main" id="{1C1BC384-0934-C248-99E0-C3CC457072CB}"/>
               </a:ext>
             </a:extLst>
           </p:cNvPr>
@@ -8564,8 +8507,8 @@
         </p:nvSpPr>
         <p:spPr>
           <a:xfrm>
-            <a:off x="22298407" y="10230308"/>
-            <a:ext cx="5093418" cy="523220"/>
+            <a:off x="22356732" y="10192697"/>
+            <a:ext cx="5093418" cy="400110"/>
           </a:xfrm>
           <a:prstGeom prst="rect">
             <a:avLst/>
@@ -8578,9 +8521,10 @@
           </a:bodyPr>
           <a:lstStyle/>
           <a:p>
-            <a:r>
-              <a:rPr lang="en-US" sz="2800" dirty="0"/>
-              <a:t>Data reduced to 2 dimensions</a:t>
+            <a:pPr algn="ctr"/>
+            <a:r>
+              <a:rPr lang="en-US" sz="2000" dirty="0"/>
+              <a:t>Figure 5. 2-d scatter plot</a:t>
             </a:r>
           </a:p>
         </p:txBody>
@@ -8590,7 +8534,7 @@
           <p:cNvPr id="14" name="Picture 13">
             <a:extLst>
               <a:ext uri="{FF2B5EF4-FFF2-40B4-BE49-F238E27FC236}">
-                <a16:creationId xmlns:a16="http://schemas.microsoft.com/office/drawing/2014/main" xmlns="" id="{D025AAA8-75A6-0C40-AD3C-C4E8D450015B}"/>
+                <a16:creationId xmlns:a16="http://schemas.microsoft.com/office/drawing/2014/main" id="{D025AAA8-75A6-0C40-AD3C-C4E8D450015B}"/>
               </a:ext>
             </a:extLst>
           </p:cNvPr>
@@ -8620,7 +8564,7 @@
           <p:cNvPr id="34" name="TextBox 33">
             <a:extLst>
               <a:ext uri="{FF2B5EF4-FFF2-40B4-BE49-F238E27FC236}">
-                <a16:creationId xmlns:a16="http://schemas.microsoft.com/office/drawing/2014/main" xmlns="" id="{CF82B09D-0455-774B-AEBF-2B6CDD0BA95D}"/>
+                <a16:creationId xmlns:a16="http://schemas.microsoft.com/office/drawing/2014/main" id="{CF82B09D-0455-774B-AEBF-2B6CDD0BA95D}"/>
               </a:ext>
             </a:extLst>
           </p:cNvPr>
@@ -8629,8 +8573,8 @@
         </p:nvSpPr>
         <p:spPr>
           <a:xfrm>
-            <a:off x="28189876" y="27202881"/>
-            <a:ext cx="2889676" cy="523220"/>
+            <a:off x="27245396" y="27166374"/>
+            <a:ext cx="5060980" cy="411187"/>
           </a:xfrm>
           <a:prstGeom prst="rect">
             <a:avLst/>
@@ -8644,8 +8588,8 @@
           <a:lstStyle/>
           <a:p>
             <a:r>
-              <a:rPr lang="en-US" sz="2800" dirty="0"/>
-              <a:t>3-layer NN 88%</a:t>
+              <a:rPr lang="en-US" sz="2000" dirty="0"/>
+              <a:t>Figure 10. Confusion matrix for 3-layer NN</a:t>
             </a:r>
           </a:p>
         </p:txBody>
@@ -8655,7 +8599,7 @@
           <p:cNvPr id="5" name="Table 4">
             <a:extLst>
               <a:ext uri="{FF2B5EF4-FFF2-40B4-BE49-F238E27FC236}">
-                <a16:creationId xmlns:a16="http://schemas.microsoft.com/office/drawing/2014/main" xmlns="" id="{F6D81889-0CFC-9243-96DE-31F21EE480D1}"/>
+                <a16:creationId xmlns:a16="http://schemas.microsoft.com/office/drawing/2014/main" id="{F6D81889-0CFC-9243-96DE-31F21EE480D1}"/>
               </a:ext>
             </a:extLst>
           </p:cNvPr>
@@ -8684,28 +8628,28 @@
                 <a:gridCol w="2180436">
                   <a:extLst>
                     <a:ext uri="{9D8B030D-6E8A-4147-A177-3AD203B41FA5}">
-                      <a16:colId xmlns:a16="http://schemas.microsoft.com/office/drawing/2014/main" xmlns="" val="1248475809"/>
+                      <a16:colId xmlns:a16="http://schemas.microsoft.com/office/drawing/2014/main" val="1248475809"/>
                     </a:ext>
                   </a:extLst>
                 </a:gridCol>
                 <a:gridCol w="2180436">
                   <a:extLst>
                     <a:ext uri="{9D8B030D-6E8A-4147-A177-3AD203B41FA5}">
-                      <a16:colId xmlns:a16="http://schemas.microsoft.com/office/drawing/2014/main" xmlns="" val="2543370198"/>
+                      <a16:colId xmlns:a16="http://schemas.microsoft.com/office/drawing/2014/main" val="2543370198"/>
                     </a:ext>
                   </a:extLst>
                 </a:gridCol>
                 <a:gridCol w="2180436">
                   <a:extLst>
                     <a:ext uri="{9D8B030D-6E8A-4147-A177-3AD203B41FA5}">
-                      <a16:colId xmlns:a16="http://schemas.microsoft.com/office/drawing/2014/main" xmlns="" val="468071448"/>
+                      <a16:colId xmlns:a16="http://schemas.microsoft.com/office/drawing/2014/main" val="468071448"/>
                     </a:ext>
                   </a:extLst>
                 </a:gridCol>
                 <a:gridCol w="2180436">
                   <a:extLst>
                     <a:ext uri="{9D8B030D-6E8A-4147-A177-3AD203B41FA5}">
-                      <a16:colId xmlns:a16="http://schemas.microsoft.com/office/drawing/2014/main" xmlns="" val="157706253"/>
+                      <a16:colId xmlns:a16="http://schemas.microsoft.com/office/drawing/2014/main" val="157706253"/>
                     </a:ext>
                   </a:extLst>
                 </a:gridCol>
@@ -8867,7 +8811,7 @@
                 </a:tc>
                 <a:extLst>
                   <a:ext uri="{0D108BD9-81ED-4DB2-BD59-A6C34878D82A}">
-                    <a16:rowId xmlns:a16="http://schemas.microsoft.com/office/drawing/2014/main" xmlns="" val="619836131"/>
+                    <a16:rowId xmlns:a16="http://schemas.microsoft.com/office/drawing/2014/main" val="619836131"/>
                   </a:ext>
                 </a:extLst>
               </a:tr>
@@ -8962,7 +8906,7 @@
                 </a:tc>
                 <a:extLst>
                   <a:ext uri="{0D108BD9-81ED-4DB2-BD59-A6C34878D82A}">
-                    <a16:rowId xmlns:a16="http://schemas.microsoft.com/office/drawing/2014/main" xmlns="" val="3620790994"/>
+                    <a16:rowId xmlns:a16="http://schemas.microsoft.com/office/drawing/2014/main" val="3620790994"/>
                   </a:ext>
                 </a:extLst>
               </a:tr>
@@ -9063,7 +9007,7 @@
                 </a:tc>
                 <a:extLst>
                   <a:ext uri="{0D108BD9-81ED-4DB2-BD59-A6C34878D82A}">
-                    <a16:rowId xmlns:a16="http://schemas.microsoft.com/office/drawing/2014/main" xmlns="" val="1275742640"/>
+                    <a16:rowId xmlns:a16="http://schemas.microsoft.com/office/drawing/2014/main" val="1275742640"/>
                   </a:ext>
                 </a:extLst>
               </a:tr>
@@ -9155,7 +9099,7 @@
                 </a:tc>
                 <a:extLst>
                   <a:ext uri="{0D108BD9-81ED-4DB2-BD59-A6C34878D82A}">
-                    <a16:rowId xmlns:a16="http://schemas.microsoft.com/office/drawing/2014/main" xmlns="" val="2876209667"/>
+                    <a16:rowId xmlns:a16="http://schemas.microsoft.com/office/drawing/2014/main" val="2876209667"/>
                   </a:ext>
                 </a:extLst>
               </a:tr>
@@ -9241,7 +9185,7 @@
                 </a:tc>
                 <a:extLst>
                   <a:ext uri="{0D108BD9-81ED-4DB2-BD59-A6C34878D82A}">
-                    <a16:rowId xmlns:a16="http://schemas.microsoft.com/office/drawing/2014/main" xmlns="" val="951482586"/>
+                    <a16:rowId xmlns:a16="http://schemas.microsoft.com/office/drawing/2014/main" val="951482586"/>
                   </a:ext>
                 </a:extLst>
               </a:tr>
@@ -9254,7 +9198,7 @@
           <p:cNvPr id="9" name="Picture 8">
             <a:extLst>
               <a:ext uri="{FF2B5EF4-FFF2-40B4-BE49-F238E27FC236}">
-                <a16:creationId xmlns:a16="http://schemas.microsoft.com/office/drawing/2014/main" xmlns="" id="{34DDC9CF-CDCA-D54E-92E6-79C737FF3CE1}"/>
+                <a16:creationId xmlns:a16="http://schemas.microsoft.com/office/drawing/2014/main" id="{34DDC9CF-CDCA-D54E-92E6-79C737FF3CE1}"/>
               </a:ext>
             </a:extLst>
           </p:cNvPr>
@@ -9284,7 +9228,7 @@
           <p:cNvPr id="13" name="Picture 12">
             <a:extLst>
               <a:ext uri="{FF2B5EF4-FFF2-40B4-BE49-F238E27FC236}">
-                <a16:creationId xmlns:a16="http://schemas.microsoft.com/office/drawing/2014/main" xmlns="" id="{03336A3F-A037-924C-96C4-C2CC53FEAE2F}"/>
+                <a16:creationId xmlns:a16="http://schemas.microsoft.com/office/drawing/2014/main" id="{03336A3F-A037-924C-96C4-C2CC53FEAE2F}"/>
               </a:ext>
             </a:extLst>
           </p:cNvPr>
@@ -9314,7 +9258,7 @@
           <p:cNvPr id="27" name="TextBox 26">
             <a:extLst>
               <a:ext uri="{FF2B5EF4-FFF2-40B4-BE49-F238E27FC236}">
-                <a16:creationId xmlns:a16="http://schemas.microsoft.com/office/drawing/2014/main" xmlns="" id="{20D3FE09-283B-1B47-8EA8-39AEA4C8016C}"/>
+                <a16:creationId xmlns:a16="http://schemas.microsoft.com/office/drawing/2014/main" id="{20D3FE09-283B-1B47-8EA8-39AEA4C8016C}"/>
               </a:ext>
             </a:extLst>
           </p:cNvPr>
@@ -9349,7 +9293,7 @@
           <p:cNvPr id="16" name="Picture 15">
             <a:extLst>
               <a:ext uri="{FF2B5EF4-FFF2-40B4-BE49-F238E27FC236}">
-                <a16:creationId xmlns:a16="http://schemas.microsoft.com/office/drawing/2014/main" xmlns="" id="{817DC823-9A43-9544-B598-17D7D7070441}"/>
+                <a16:creationId xmlns:a16="http://schemas.microsoft.com/office/drawing/2014/main" id="{817DC823-9A43-9544-B598-17D7D7070441}"/>
               </a:ext>
             </a:extLst>
           </p:cNvPr>
@@ -9379,7 +9323,7 @@
           <p:cNvPr id="33" name="TextBox 32">
             <a:extLst>
               <a:ext uri="{FF2B5EF4-FFF2-40B4-BE49-F238E27FC236}">
-                <a16:creationId xmlns:a16="http://schemas.microsoft.com/office/drawing/2014/main" xmlns="" id="{D6DF8C66-D8F7-0641-A17A-691D1DAE342D}"/>
+                <a16:creationId xmlns:a16="http://schemas.microsoft.com/office/drawing/2014/main" id="{D6DF8C66-D8F7-0641-A17A-691D1DAE342D}"/>
               </a:ext>
             </a:extLst>
           </p:cNvPr>
@@ -9414,7 +9358,7 @@
           <p:cNvPr id="30" name="TextBox 29">
             <a:extLst>
               <a:ext uri="{FF2B5EF4-FFF2-40B4-BE49-F238E27FC236}">
-                <a16:creationId xmlns:a16="http://schemas.microsoft.com/office/drawing/2014/main" xmlns="" id="{171ACE28-1336-E147-BB86-7CEFFE3D7055}"/>
+                <a16:creationId xmlns:a16="http://schemas.microsoft.com/office/drawing/2014/main" id="{171ACE28-1336-E147-BB86-7CEFFE3D7055}"/>
               </a:ext>
             </a:extLst>
           </p:cNvPr>
@@ -9449,7 +9393,7 @@
           <p:cNvPr id="18" name="Picture 17">
             <a:extLst>
               <a:ext uri="{FF2B5EF4-FFF2-40B4-BE49-F238E27FC236}">
-                <a16:creationId xmlns:a16="http://schemas.microsoft.com/office/drawing/2014/main" xmlns="" id="{9DF94E06-5713-CC4C-AA43-735E309C638F}"/>
+                <a16:creationId xmlns:a16="http://schemas.microsoft.com/office/drawing/2014/main" id="{9DF94E06-5713-CC4C-AA43-735E309C638F}"/>
               </a:ext>
             </a:extLst>
           </p:cNvPr>
@@ -9479,7 +9423,7 @@
           <p:cNvPr id="36" name="TextBox 35">
             <a:extLst>
               <a:ext uri="{FF2B5EF4-FFF2-40B4-BE49-F238E27FC236}">
-                <a16:creationId xmlns:a16="http://schemas.microsoft.com/office/drawing/2014/main" xmlns="" id="{EAC21A55-1D78-E547-BD06-04187D5F2A9A}"/>
+                <a16:creationId xmlns:a16="http://schemas.microsoft.com/office/drawing/2014/main" id="{EAC21A55-1D78-E547-BD06-04187D5F2A9A}"/>
               </a:ext>
             </a:extLst>
           </p:cNvPr>
@@ -9488,7 +9432,7 @@
         </p:nvSpPr>
         <p:spPr>
           <a:xfrm>
-            <a:off x="6310572" y="31617373"/>
+            <a:off x="6309918" y="31557591"/>
             <a:ext cx="3983882" cy="369332"/>
           </a:xfrm>
           <a:prstGeom prst="rect">
@@ -9532,7 +9476,7 @@
         </p:blipFill>
         <p:spPr bwMode="auto">
           <a:xfrm>
-            <a:off x="12596812" y="28262151"/>
+            <a:off x="12278210" y="27084358"/>
             <a:ext cx="8105775" cy="3171826"/>
           </a:xfrm>
           <a:prstGeom prst="rect">
@@ -9591,18 +9535,112 @@
           </a:extLst>
         </p:spPr>
       </p:pic>
+      <p:pic>
+        <p:nvPicPr>
+          <p:cNvPr id="11" name="Picture 10">
+            <a:extLst>
+              <a:ext uri="{FF2B5EF4-FFF2-40B4-BE49-F238E27FC236}">
+                <a16:creationId xmlns:a16="http://schemas.microsoft.com/office/drawing/2014/main" id="{55FBE715-F47A-AD41-862F-0F893C9E1842}"/>
+              </a:ext>
+            </a:extLst>
+          </p:cNvPr>
+          <p:cNvPicPr>
+            <a:picLocks noChangeAspect="1"/>
+          </p:cNvPicPr>
+          <p:nvPr/>
+        </p:nvPicPr>
+        <p:blipFill>
+          <a:blip r:embed="rId17"/>
+          <a:stretch>
+            <a:fillRect/>
+          </a:stretch>
+        </p:blipFill>
+        <p:spPr>
+          <a:xfrm>
+            <a:off x="24952175" y="27667874"/>
+            <a:ext cx="4879299" cy="3846138"/>
+          </a:xfrm>
+          <a:prstGeom prst="rect">
+            <a:avLst/>
+          </a:prstGeom>
+        </p:spPr>
+      </p:pic>
+      <p:sp>
+        <p:nvSpPr>
+          <p:cNvPr id="37" name="TextBox 36">
+            <a:extLst>
+              <a:ext uri="{FF2B5EF4-FFF2-40B4-BE49-F238E27FC236}">
+                <a16:creationId xmlns:a16="http://schemas.microsoft.com/office/drawing/2014/main" id="{AABA80A5-D933-1C4C-9CAC-BE30D8E0F490}"/>
+              </a:ext>
+            </a:extLst>
+          </p:cNvPr>
+          <p:cNvSpPr txBox="1"/>
+          <p:nvPr/>
+        </p:nvSpPr>
+        <p:spPr>
+          <a:xfrm>
+            <a:off x="23030953" y="17149616"/>
+            <a:ext cx="8332797" cy="400110"/>
+          </a:xfrm>
+          <a:prstGeom prst="rect">
+            <a:avLst/>
+          </a:prstGeom>
+          <a:noFill/>
+        </p:spPr>
+        <p:txBody>
+          <a:bodyPr wrap="square" rtlCol="0">
+            <a:spAutoFit/>
+          </a:bodyPr>
+          <a:lstStyle/>
+          <a:p>
+            <a:pPr algn="ctr"/>
+            <a:r>
+              <a:rPr lang="en-US" sz="2000" dirty="0"/>
+              <a:t>Table 1. Different classifiers we used and their final accuracies</a:t>
+            </a:r>
+          </a:p>
+        </p:txBody>
+      </p:sp>
+      <p:sp>
+        <p:nvSpPr>
+          <p:cNvPr id="38" name="TextBox 37">
+            <a:extLst>
+              <a:ext uri="{FF2B5EF4-FFF2-40B4-BE49-F238E27FC236}">
+                <a16:creationId xmlns:a16="http://schemas.microsoft.com/office/drawing/2014/main" id="{B1222E82-1F02-DD4D-8769-2D6391189489}"/>
+              </a:ext>
+            </a:extLst>
+          </p:cNvPr>
+          <p:cNvSpPr txBox="1"/>
+          <p:nvPr/>
+        </p:nvSpPr>
+        <p:spPr>
+          <a:xfrm>
+            <a:off x="25141518" y="31467597"/>
+            <a:ext cx="5060980" cy="411187"/>
+          </a:xfrm>
+          <a:prstGeom prst="rect">
+            <a:avLst/>
+          </a:prstGeom>
+          <a:noFill/>
+        </p:spPr>
+        <p:txBody>
+          <a:bodyPr wrap="square" rtlCol="0">
+            <a:spAutoFit/>
+          </a:bodyPr>
+          <a:lstStyle/>
+          <a:p>
+            <a:r>
+              <a:rPr lang="en-US" sz="2000" dirty="0"/>
+              <a:t>Figure 11. Training loss for 3-layer NN</a:t>
+            </a:r>
+          </a:p>
+        </p:txBody>
+      </p:sp>
     </p:spTree>
   </p:cSld>
   <p:clrMapOvr>
     <a:masterClrMapping/>
   </p:clrMapOvr>
-  <p:timing>
-    <p:tnLst>
-      <p:par>
-        <p:cTn id="1" dur="indefinite" restart="never" nodeType="tmRoot"/>
-      </p:par>
-    </p:tnLst>
-  </p:timing>
 </p:sld>
 </file>
 

--- a/598_Poster.pptx
+++ b/598_Poster.pptx
@@ -260,7 +260,7 @@
               <a:pPr>
                 <a:defRPr/>
               </a:pPr>
-              <a:t>12/6/18</a:t>
+              <a:t>12/7/2018</a:t>
             </a:fld>
             <a:endParaRPr lang="en-US"/>
           </a:p>
@@ -837,7 +837,7 @@
               <a:pPr>
                 <a:defRPr/>
               </a:pPr>
-              <a:t>12/6/18</a:t>
+              <a:t>12/7/2018</a:t>
             </a:fld>
             <a:endParaRPr lang="en-US"/>
           </a:p>
@@ -1072,7 +1072,7 @@
               <a:pPr>
                 <a:defRPr/>
               </a:pPr>
-              <a:t>12/6/18</a:t>
+              <a:t>12/7/2018</a:t>
             </a:fld>
             <a:endParaRPr lang="en-US"/>
           </a:p>
@@ -1482,7 +1482,7 @@
               <a:pPr>
                 <a:defRPr/>
               </a:pPr>
-              <a:t>12/6/18</a:t>
+              <a:t>12/7/2018</a:t>
             </a:fld>
             <a:endParaRPr lang="en-US"/>
           </a:p>
@@ -1832,7 +1832,7 @@
               <a:pPr>
                 <a:defRPr/>
               </a:pPr>
-              <a:t>12/6/18</a:t>
+              <a:t>12/7/2018</a:t>
             </a:fld>
             <a:endParaRPr lang="en-US"/>
           </a:p>
@@ -2322,7 +2322,7 @@
               <a:pPr>
                 <a:defRPr/>
               </a:pPr>
-              <a:t>12/6/18</a:t>
+              <a:t>12/7/2018</a:t>
             </a:fld>
             <a:endParaRPr lang="en-US"/>
           </a:p>
@@ -2498,7 +2498,7 @@
               <a:pPr>
                 <a:defRPr/>
               </a:pPr>
-              <a:t>12/6/18</a:t>
+              <a:t>12/7/2018</a:t>
             </a:fld>
             <a:endParaRPr lang="en-US"/>
           </a:p>
@@ -2644,7 +2644,7 @@
               <a:pPr>
                 <a:defRPr/>
               </a:pPr>
-              <a:t>12/6/18</a:t>
+              <a:t>12/7/2018</a:t>
             </a:fld>
             <a:endParaRPr lang="en-US"/>
           </a:p>
@@ -2979,7 +2979,7 @@
               <a:pPr>
                 <a:defRPr/>
               </a:pPr>
-              <a:t>12/6/18</a:t>
+              <a:t>12/7/2018</a:t>
             </a:fld>
             <a:endParaRPr lang="en-US"/>
           </a:p>
@@ -3297,7 +3297,7 @@
               <a:pPr>
                 <a:defRPr/>
               </a:pPr>
-              <a:t>12/6/18</a:t>
+              <a:t>12/7/2018</a:t>
             </a:fld>
             <a:endParaRPr lang="en-US"/>
           </a:p>
@@ -3866,14 +3866,14 @@
           </a:ln>
           <a:extLst>
             <a:ext uri="{909E8E84-426E-40dd-AFC4-6F175D3DCCD1}">
-              <a14:hiddenFill xmlns="" xmlns:a14="http://schemas.microsoft.com/office/drawing/2010/main">
+              <a14:hiddenFill xmlns:a14="http://schemas.microsoft.com/office/drawing/2010/main" xmlns="">
                 <a:solidFill>
                   <a:srgbClr val="FFFFFF"/>
                 </a:solidFill>
               </a14:hiddenFill>
             </a:ext>
             <a:ext uri="{91240B29-F687-4f45-9708-019B960494DF}">
-              <a14:hiddenLine xmlns="" xmlns:a14="http://schemas.microsoft.com/office/drawing/2010/main" w="9525">
+              <a14:hiddenLine xmlns:a14="http://schemas.microsoft.com/office/drawing/2010/main" xmlns="" w="9525">
                 <a:solidFill>
                   <a:srgbClr val="000000"/>
                 </a:solidFill>
@@ -3901,6 +3901,13 @@
                 <a:cs typeface="Georgia" charset="0"/>
               </a:rPr>
               <a:t>Presenter name, Associates and Collaborators</a:t>
+            </a:r>
+            <a:r>
+              <a:rPr lang="en-US" sz="4800" b="1">
+                <a:latin typeface="Georgia" charset="0"/>
+                <a:cs typeface="Georgia" charset="0"/>
+              </a:rPr>
+              <a:t/>
             </a:r>
             <a:br>
               <a:rPr lang="en-US" sz="4800" b="1">
@@ -3940,14 +3947,14 @@
           </a:ln>
           <a:extLst>
             <a:ext uri="{909E8E84-426E-40dd-AFC4-6F175D3DCCD1}">
-              <a14:hiddenFill xmlns="" xmlns:a14="http://schemas.microsoft.com/office/drawing/2010/main">
+              <a14:hiddenFill xmlns:a14="http://schemas.microsoft.com/office/drawing/2010/main" xmlns="">
                 <a:solidFill>
                   <a:srgbClr val="FFFFFF"/>
                 </a:solidFill>
               </a14:hiddenFill>
             </a:ext>
             <a:ext uri="{91240B29-F687-4f45-9708-019B960494DF}">
-              <a14:hiddenLine xmlns="" xmlns:a14="http://schemas.microsoft.com/office/drawing/2010/main" w="9525">
+              <a14:hiddenLine xmlns:a14="http://schemas.microsoft.com/office/drawing/2010/main" xmlns="" w="9525">
                 <a:solidFill>
                   <a:srgbClr val="000000"/>
                 </a:solidFill>
@@ -4150,7 +4157,7 @@
           </a:ln>
           <a:extLst>
             <a:ext uri="{91240B29-F687-4f45-9708-019B960494DF}">
-              <a14:hiddenLine xmlns="" xmlns:a14="http://schemas.microsoft.com/office/drawing/2010/main" w="9525">
+              <a14:hiddenLine xmlns:a14="http://schemas.microsoft.com/office/drawing/2010/main" xmlns="" w="9525">
                 <a:solidFill>
                   <a:srgbClr val="000000"/>
                 </a:solidFill>
@@ -4240,7 +4247,7 @@
           </a:ln>
           <a:extLst>
             <a:ext uri="{91240B29-F687-4f45-9708-019B960494DF}">
-              <a14:hiddenLine xmlns="" xmlns:a14="http://schemas.microsoft.com/office/drawing/2010/main" w="9525">
+              <a14:hiddenLine xmlns:a14="http://schemas.microsoft.com/office/drawing/2010/main" xmlns="" w="9525">
                 <a:solidFill>
                   <a:srgbClr val="000000"/>
                 </a:solidFill>
@@ -4380,7 +4387,7 @@
           </a:ln>
           <a:extLst>
             <a:ext uri="{91240B29-F687-4f45-9708-019B960494DF}">
-              <a14:hiddenLine xmlns="" xmlns:a14="http://schemas.microsoft.com/office/drawing/2010/main" w="9525">
+              <a14:hiddenLine xmlns:a14="http://schemas.microsoft.com/office/drawing/2010/main" xmlns="" w="9525">
                 <a:solidFill>
                   <a:srgbClr val="000000"/>
                 </a:solidFill>
@@ -4586,7 +4593,7 @@
           </a:ln>
           <a:extLst>
             <a:ext uri="{91240B29-F687-4f45-9708-019B960494DF}">
-              <a14:hiddenLine xmlns="" xmlns:a14="http://schemas.microsoft.com/office/drawing/2010/main" w="9525">
+              <a14:hiddenLine xmlns:a14="http://schemas.microsoft.com/office/drawing/2010/main" xmlns="" w="9525">
                 <a:solidFill>
                   <a:srgbClr val="000000"/>
                 </a:solidFill>
@@ -4780,7 +4787,7 @@
           </a:ln>
           <a:extLst>
             <a:ext uri="{91240B29-F687-4f45-9708-019B960494DF}">
-              <a14:hiddenLine xmlns="" xmlns:a14="http://schemas.microsoft.com/office/drawing/2010/main" w="9525">
+              <a14:hiddenLine xmlns:a14="http://schemas.microsoft.com/office/drawing/2010/main" xmlns="" w="9525">
                 <a:solidFill>
                   <a:srgbClr val="000000"/>
                 </a:solidFill>
@@ -4990,7 +4997,7 @@
           </a:ln>
           <a:extLst>
             <a:ext uri="{91240B29-F687-4f45-9708-019B960494DF}">
-              <a14:hiddenLine xmlns="" xmlns:a14="http://schemas.microsoft.com/office/drawing/2010/main" w="9525">
+              <a14:hiddenLine xmlns:a14="http://schemas.microsoft.com/office/drawing/2010/main" xmlns="" w="9525">
                 <a:solidFill>
                   <a:srgbClr val="000000"/>
                 </a:solidFill>
@@ -5102,7 +5109,7 @@
           </a:ln>
           <a:extLst>
             <a:ext uri="{91240B29-F687-4f45-9708-019B960494DF}">
-              <a14:hiddenLine xmlns="" xmlns:a14="http://schemas.microsoft.com/office/drawing/2010/main" w="9525">
+              <a14:hiddenLine xmlns:a14="http://schemas.microsoft.com/office/drawing/2010/main" xmlns="" w="9525">
                 <a:solidFill>
                   <a:srgbClr val="000000"/>
                 </a:solidFill>
@@ -5222,14 +5229,14 @@
           </a:ln>
           <a:extLst>
             <a:ext uri="{909E8E84-426E-40dd-AFC4-6F175D3DCCD1}">
-              <a14:hiddenFill xmlns="" xmlns:a14="http://schemas.microsoft.com/office/drawing/2010/main">
+              <a14:hiddenFill xmlns:a14="http://schemas.microsoft.com/office/drawing/2010/main" xmlns="">
                 <a:solidFill>
                   <a:srgbClr val="FFFFFF"/>
                 </a:solidFill>
               </a14:hiddenFill>
             </a:ext>
             <a:ext uri="{91240B29-F687-4f45-9708-019B960494DF}">
-              <a14:hiddenLine xmlns="" xmlns:a14="http://schemas.microsoft.com/office/drawing/2010/main" w="9525">
+              <a14:hiddenLine xmlns:a14="http://schemas.microsoft.com/office/drawing/2010/main" xmlns="" w="9525">
                 <a:solidFill>
                   <a:srgbClr val="000000"/>
                 </a:solidFill>
@@ -5431,14 +5438,14 @@
           </a:ln>
           <a:extLst>
             <a:ext uri="{909E8E84-426E-40dd-AFC4-6F175D3DCCD1}">
-              <a14:hiddenFill xmlns="" xmlns:a14="http://schemas.microsoft.com/office/drawing/2010/main">
+              <a14:hiddenFill xmlns:a14="http://schemas.microsoft.com/office/drawing/2010/main" xmlns="">
                 <a:solidFill>
                   <a:srgbClr val="FFFFFF"/>
                 </a:solidFill>
               </a14:hiddenFill>
             </a:ext>
             <a:ext uri="{91240B29-F687-4f45-9708-019B960494DF}">
-              <a14:hiddenLine xmlns="" xmlns:a14="http://schemas.microsoft.com/office/drawing/2010/main" w="9525">
+              <a14:hiddenLine xmlns:a14="http://schemas.microsoft.com/office/drawing/2010/main" xmlns="" w="9525">
                 <a:solidFill>
                   <a:srgbClr val="000000"/>
                 </a:solidFill>
@@ -5604,14 +5611,14 @@
           </a:ln>
           <a:extLst>
             <a:ext uri="{909E8E84-426E-40dd-AFC4-6F175D3DCCD1}">
-              <a14:hiddenFill xmlns="" xmlns:a14="http://schemas.microsoft.com/office/drawing/2010/main">
+              <a14:hiddenFill xmlns:a14="http://schemas.microsoft.com/office/drawing/2010/main" xmlns="">
                 <a:solidFill>
                   <a:srgbClr val="FFFFFF"/>
                 </a:solidFill>
               </a14:hiddenFill>
             </a:ext>
             <a:ext uri="{91240B29-F687-4f45-9708-019B960494DF}">
-              <a14:hiddenLine xmlns="" xmlns:a14="http://schemas.microsoft.com/office/drawing/2010/main" w="9525">
+              <a14:hiddenLine xmlns:a14="http://schemas.microsoft.com/office/drawing/2010/main" xmlns="" w="9525">
                 <a:solidFill>
                   <a:srgbClr val="000000"/>
                 </a:solidFill>
@@ -5849,14 +5856,14 @@
           </a:ln>
           <a:extLst>
             <a:ext uri="{909E8E84-426E-40dd-AFC4-6F175D3DCCD1}">
-              <a14:hiddenFill xmlns="" xmlns:a14="http://schemas.microsoft.com/office/drawing/2010/main">
+              <a14:hiddenFill xmlns:a14="http://schemas.microsoft.com/office/drawing/2010/main" xmlns="">
                 <a:solidFill>
                   <a:srgbClr val="FFFFFF"/>
                 </a:solidFill>
               </a14:hiddenFill>
             </a:ext>
             <a:ext uri="{91240B29-F687-4f45-9708-019B960494DF}">
-              <a14:hiddenLine xmlns="" xmlns:a14="http://schemas.microsoft.com/office/drawing/2010/main" w="9525">
+              <a14:hiddenLine xmlns:a14="http://schemas.microsoft.com/office/drawing/2010/main" xmlns="" w="9525">
                 <a:solidFill>
                   <a:srgbClr val="000000"/>
                 </a:solidFill>
@@ -6058,14 +6065,14 @@
           </a:ln>
           <a:extLst>
             <a:ext uri="{909E8E84-426E-40dd-AFC4-6F175D3DCCD1}">
-              <a14:hiddenFill xmlns="" xmlns:a14="http://schemas.microsoft.com/office/drawing/2010/main">
+              <a14:hiddenFill xmlns:a14="http://schemas.microsoft.com/office/drawing/2010/main" xmlns="">
                 <a:solidFill>
                   <a:srgbClr val="FFFFFF"/>
                 </a:solidFill>
               </a14:hiddenFill>
             </a:ext>
             <a:ext uri="{91240B29-F687-4f45-9708-019B960494DF}">
-              <a14:hiddenLine xmlns="" xmlns:a14="http://schemas.microsoft.com/office/drawing/2010/main" w="9525">
+              <a14:hiddenLine xmlns:a14="http://schemas.microsoft.com/office/drawing/2010/main" xmlns="" w="9525">
                 <a:solidFill>
                   <a:srgbClr val="000000"/>
                 </a:solidFill>
@@ -6267,14 +6274,14 @@
           </a:ln>
           <a:extLst>
             <a:ext uri="{909E8E84-426E-40dd-AFC4-6F175D3DCCD1}">
-              <a14:hiddenFill xmlns="" xmlns:a14="http://schemas.microsoft.com/office/drawing/2010/main">
+              <a14:hiddenFill xmlns:a14="http://schemas.microsoft.com/office/drawing/2010/main" xmlns="">
                 <a:solidFill>
                   <a:srgbClr val="FFFFFF"/>
                 </a:solidFill>
               </a14:hiddenFill>
             </a:ext>
             <a:ext uri="{91240B29-F687-4f45-9708-019B960494DF}">
-              <a14:hiddenLine xmlns="" xmlns:a14="http://schemas.microsoft.com/office/drawing/2010/main" w="9525">
+              <a14:hiddenLine xmlns:a14="http://schemas.microsoft.com/office/drawing/2010/main" xmlns="" w="9525">
                 <a:solidFill>
                   <a:srgbClr val="000000"/>
                 </a:solidFill>
@@ -6453,6 +6460,13 @@
   <p:clrMapOvr>
     <a:masterClrMapping/>
   </p:clrMapOvr>
+  <p:timing>
+    <p:tnLst>
+      <p:par>
+        <p:cTn id="1" dur="indefinite" restart="never" nodeType="tmRoot"/>
+      </p:par>
+    </p:tnLst>
+  </p:timing>
 </p:sld>
 </file>
 
@@ -6495,14 +6509,14 @@
           </a:ln>
           <a:extLst>
             <a:ext uri="{909E8E84-426E-40dd-AFC4-6F175D3DCCD1}">
-              <a14:hiddenFill xmlns="" xmlns:a14="http://schemas.microsoft.com/office/drawing/2010/main">
+              <a14:hiddenFill xmlns:a14="http://schemas.microsoft.com/office/drawing/2010/main" xmlns="">
                 <a:solidFill>
                   <a:srgbClr val="FFFFFF"/>
                 </a:solidFill>
               </a14:hiddenFill>
             </a:ext>
             <a:ext uri="{91240B29-F687-4f45-9708-019B960494DF}">
-              <a14:hiddenLine xmlns="" xmlns:a14="http://schemas.microsoft.com/office/drawing/2010/main" w="9525">
+              <a14:hiddenLine xmlns:a14="http://schemas.microsoft.com/office/drawing/2010/main" xmlns="" w="9525">
                 <a:solidFill>
                   <a:srgbClr val="000000"/>
                 </a:solidFill>
@@ -6533,6 +6547,16 @@
                 <a:cs typeface="Georgia" charset="0"/>
               </a:rPr>
               <a:t>Hakan Tekgul, Raimi Shah</a:t>
+            </a:r>
+            <a:r>
+              <a:rPr lang="en-US" sz="4800" b="1" dirty="0">
+                <a:solidFill>
+                  <a:schemeClr val="tx2"/>
+                </a:solidFill>
+                <a:latin typeface="Georgia" charset="0"/>
+                <a:cs typeface="Georgia" charset="0"/>
+              </a:rPr>
+              <a:t/>
             </a:r>
             <a:br>
               <a:rPr lang="en-US" sz="4800" b="1" dirty="0">
@@ -6578,14 +6602,14 @@
           </a:ln>
           <a:extLst>
             <a:ext uri="{909E8E84-426E-40dd-AFC4-6F175D3DCCD1}">
-              <a14:hiddenFill xmlns="" xmlns:a14="http://schemas.microsoft.com/office/drawing/2010/main">
+              <a14:hiddenFill xmlns:a14="http://schemas.microsoft.com/office/drawing/2010/main" xmlns="">
                 <a:solidFill>
                   <a:srgbClr val="FFFFFF"/>
                 </a:solidFill>
               </a14:hiddenFill>
             </a:ext>
             <a:ext uri="{91240B29-F687-4f45-9708-019B960494DF}">
-              <a14:hiddenLine xmlns="" xmlns:a14="http://schemas.microsoft.com/office/drawing/2010/main" w="9525">
+              <a14:hiddenLine xmlns:a14="http://schemas.microsoft.com/office/drawing/2010/main" xmlns="" w="9525">
                 <a:solidFill>
                   <a:srgbClr val="000000"/>
                 </a:solidFill>
@@ -6743,7 +6767,7 @@
           </a:ln>
           <a:extLst>
             <a:ext uri="{91240B29-F687-4f45-9708-019B960494DF}">
-              <a14:hiddenLine xmlns="" xmlns:a14="http://schemas.microsoft.com/office/drawing/2010/main" w="9525">
+              <a14:hiddenLine xmlns:a14="http://schemas.microsoft.com/office/drawing/2010/main" xmlns="" w="9525">
                 <a:solidFill>
                   <a:srgbClr val="000000"/>
                 </a:solidFill>
@@ -6792,6 +6816,10 @@
             </a:r>
           </a:p>
           <a:p>
+            <a:r>
+              <a:rPr lang="en-US" sz="2800" dirty="0"/>
+              <a:t/>
+            </a:r>
             <a:br>
               <a:rPr lang="en-US" sz="2800" dirty="0"/>
             </a:br>
@@ -6833,7 +6861,7 @@
           </a:ln>
           <a:extLst>
             <a:ext uri="{91240B29-F687-4f45-9708-019B960494DF}">
-              <a14:hiddenLine xmlns="" xmlns:a14="http://schemas.microsoft.com/office/drawing/2010/main" w="9525">
+              <a14:hiddenLine xmlns:a14="http://schemas.microsoft.com/office/drawing/2010/main" xmlns="" w="9525">
                 <a:solidFill>
                   <a:srgbClr val="000000"/>
                 </a:solidFill>
@@ -6911,8 +6939,19 @@
                 <a:latin typeface="Georgia" charset="0"/>
                 <a:cs typeface="Georgia" charset="0"/>
               </a:rPr>
-              <a:t>-spectrogram of each song. After that, we mapped the frequencies to cepstral coefficients and performed a Discrete Cosine Transform and used PCA to for dimensionality reduction, which produced significant results.</a:t>
-            </a:r>
+              <a:t>-spectrogram of each song. After that, we mapped the frequencies to cepstral coefficients and performed a Discrete Cosine Transform and used PCA to for dimensionality reduction, which produced significant </a:t>
+            </a:r>
+            <a:r>
+              <a:rPr lang="en-US" sz="2800" dirty="0" smtClean="0">
+                <a:latin typeface="Georgia" charset="0"/>
+                <a:cs typeface="Georgia" charset="0"/>
+              </a:rPr>
+              <a:t>results.</a:t>
+            </a:r>
+            <a:endParaRPr lang="en-US" sz="2800" dirty="0">
+              <a:latin typeface="Georgia" charset="0"/>
+              <a:cs typeface="Georgia" charset="0"/>
+            </a:endParaRPr>
           </a:p>
           <a:p>
             <a:endParaRPr lang="en-US" sz="2800" dirty="0">
@@ -6946,7 +6985,7 @@
           </a:ln>
           <a:extLst>
             <a:ext uri="{91240B29-F687-4f45-9708-019B960494DF}">
-              <a14:hiddenLine xmlns="" xmlns:a14="http://schemas.microsoft.com/office/drawing/2010/main" w="9525">
+              <a14:hiddenLine xmlns:a14="http://schemas.microsoft.com/office/drawing/2010/main" xmlns="" w="9525">
                 <a:solidFill>
                   <a:srgbClr val="000000"/>
                 </a:solidFill>
@@ -7002,7 +7041,55 @@
               <a:rPr lang="en-US" sz="2800" dirty="0">
                 <a:latin typeface="Georgia" charset="0"/>
               </a:rPr>
-              <a:t>In this project, we do a comparative study of audio music genre classification where we use different machine learning approaches to classify musical genres. Specifically, we analyze different machine learning algorithms such as k-NN, multi-class SVM, k-Means clustering and a Gaussian Mixture Model. Finally, we also use </a:t>
+              <a:t>In this project, we do a comparative study of audio music genre classification where we use different machine learning approaches to classify musical genres. Specifically, we analyze different machine learning algorithms such as </a:t>
+            </a:r>
+            <a:r>
+              <a:rPr lang="en-US" sz="2800" dirty="0" smtClean="0">
+                <a:latin typeface="Georgia" charset="0"/>
+              </a:rPr>
+              <a:t>k-Nearest Neighbor, </a:t>
+            </a:r>
+            <a:r>
+              <a:rPr lang="en-US" sz="2800" dirty="0">
+                <a:latin typeface="Georgia" charset="0"/>
+              </a:rPr>
+              <a:t>multi-class </a:t>
+            </a:r>
+            <a:r>
+              <a:rPr lang="en-US" sz="2800" dirty="0" smtClean="0">
+                <a:latin typeface="Georgia" charset="0"/>
+              </a:rPr>
+              <a:t>SVMs, </a:t>
+            </a:r>
+            <a:r>
+              <a:rPr lang="en-US" sz="2800" dirty="0">
+                <a:latin typeface="Georgia" charset="0"/>
+              </a:rPr>
+              <a:t>k-Means clustering and </a:t>
+            </a:r>
+            <a:r>
+              <a:rPr lang="en-US" sz="2800" dirty="0" smtClean="0">
+                <a:latin typeface="Georgia" charset="0"/>
+              </a:rPr>
+              <a:t>Gaussian </a:t>
+            </a:r>
+            <a:r>
+              <a:rPr lang="en-US" sz="2800" dirty="0">
+                <a:latin typeface="Georgia" charset="0"/>
+              </a:rPr>
+              <a:t>Mixture </a:t>
+            </a:r>
+            <a:r>
+              <a:rPr lang="en-US" sz="2800" dirty="0" smtClean="0">
+                <a:latin typeface="Georgia" charset="0"/>
+              </a:rPr>
+              <a:t>Models. </a:t>
+            </a:r>
+            <a:r>
+              <a:rPr lang="en-US" sz="2800" dirty="0">
+                <a:latin typeface="Georgia" charset="0"/>
+              </a:rPr>
+              <a:t>Finally, we also use </a:t>
             </a:r>
             <a:r>
               <a:rPr lang="en-US" sz="2800" dirty="0" err="1">
@@ -7014,7 +7101,19 @@
               <a:rPr lang="en-US" sz="2800" dirty="0">
                 <a:latin typeface="Georgia" charset="0"/>
               </a:rPr>
-              <a:t> to generate convolutional neural networks and perform genre classification with deep learning. </a:t>
+              <a:t> to </a:t>
+            </a:r>
+            <a:r>
+              <a:rPr lang="en-US" sz="2800" dirty="0" smtClean="0">
+                <a:latin typeface="Georgia" charset="0"/>
+              </a:rPr>
+              <a:t>build convolutional </a:t>
+            </a:r>
+            <a:r>
+              <a:rPr lang="en-US" sz="2800" dirty="0">
+                <a:latin typeface="Georgia" charset="0"/>
+              </a:rPr>
+              <a:t>neural networks and perform genre classification with deep learning. </a:t>
             </a:r>
           </a:p>
           <a:p>
@@ -7058,7 +7157,31 @@
               <a:rPr lang="en-US" sz="2800" dirty="0">
                 <a:latin typeface="Georgia" panose="02040502050405020303" pitchFamily="18" charset="0"/>
               </a:rPr>
-              <a:t>For feature extraction, we used Mel Frequency Cepstral Coefficients (MFCC) to characterize musical data as MFCC usually produces promising results for non-speech signals. After using MFCC, we also used Principal Component Analysis (PCA) to further reduce dimensionality of our data. </a:t>
+              <a:t>For feature extraction, we used Mel Frequency Cepstral Coefficients (MFCC) to characterize musical data </a:t>
+            </a:r>
+            <a:r>
+              <a:rPr lang="en-US" sz="2800" dirty="0" smtClean="0">
+                <a:latin typeface="Georgia" panose="02040502050405020303" pitchFamily="18" charset="0"/>
+              </a:rPr>
+              <a:t>since MFCC </a:t>
+            </a:r>
+            <a:r>
+              <a:rPr lang="en-US" sz="2800" dirty="0">
+                <a:latin typeface="Georgia" panose="02040502050405020303" pitchFamily="18" charset="0"/>
+              </a:rPr>
+              <a:t>usually produces promising results for non-speech signals. After using MFCC, we </a:t>
+            </a:r>
+            <a:r>
+              <a:rPr lang="en-US" sz="2800" dirty="0" smtClean="0">
+                <a:latin typeface="Georgia" panose="02040502050405020303" pitchFamily="18" charset="0"/>
+              </a:rPr>
+              <a:t>used </a:t>
+            </a:r>
+            <a:r>
+              <a:rPr lang="en-US" sz="2800" dirty="0">
+                <a:latin typeface="Georgia" panose="02040502050405020303" pitchFamily="18" charset="0"/>
+              </a:rPr>
+              <a:t>Principal Component Analysis (PCA) to further reduce dimensionality of our data. </a:t>
             </a:r>
           </a:p>
         </p:txBody>
@@ -7183,8 +7306,18 @@
                     <a:latin typeface="Georgia" charset="0"/>
                     <a:cs typeface="Georgia" charset="0"/>
                   </a:rPr>
-                  <a:t>We tried to use multiclass support vector machines with OVR, OVO, and crammer-singer loss. Our best was with crammer-singer loss.</a:t>
+                  <a:t>We tried to use multiclass support vector machines with OVR, OVO, and crammer-singer loss. Our best was with crammer-singer </a:t>
                 </a:r>
+                <a:r>
+                  <a:rPr lang="en-US" sz="2800" dirty="0" smtClean="0">
+                    <a:latin typeface="Georgia" charset="0"/>
+                    <a:cs typeface="Georgia" charset="0"/>
+                  </a:rPr>
+                  <a:t>loss, shown below.</a:t>
+                </a:r>
+              </a:p>
+              <a:p>
+                <a:pPr marL="381000" indent="-381000"/>
                 <a:endParaRPr lang="en-US" sz="2800" b="0" i="1" dirty="0">
                   <a:latin typeface="Cambria Math" panose="02040503050406030204" pitchFamily="18" charset="0"/>
                   <a:cs typeface="Georgia" charset="0"/>
@@ -7412,13 +7545,6 @@
                   </m:oMathPara>
                 </a14:m>
                 <a:endParaRPr lang="en-US" sz="2800" dirty="0">
-                  <a:latin typeface="Georgia" charset="0"/>
-                  <a:cs typeface="Georgia" charset="0"/>
-                </a:endParaRPr>
-              </a:p>
-              <a:p>
-                <a:pPr marL="381000" indent="-381000"/>
-                <a:endParaRPr lang="en-US" sz="2800" b="1" dirty="0">
                   <a:latin typeface="Georgia" charset="0"/>
                   <a:cs typeface="Georgia" charset="0"/>
                 </a:endParaRPr>
@@ -7871,7 +7997,7 @@
               <a:prstGeom prst="rect">
                 <a:avLst/>
               </a:prstGeom>
-              <a:blipFill>
+              <a:blipFill rotWithShape="0">
                 <a:blip r:embed="rId3"/>
                 <a:stretch>
                   <a:fillRect/>
@@ -7898,7 +8024,7 @@
               <a:lstStyle/>
               <a:p>
                 <a:r>
-                  <a:rPr lang="tr-TR">
+                  <a:rPr lang="en-US">
                     <a:noFill/>
                   </a:rPr>
                   <a:t> </a:t>
@@ -7932,7 +8058,7 @@
           </a:ln>
           <a:extLst>
             <a:ext uri="{91240B29-F687-4f45-9708-019B960494DF}">
-              <a14:hiddenLine xmlns="" xmlns:a14="http://schemas.microsoft.com/office/drawing/2010/main" w="9525">
+              <a14:hiddenLine xmlns:a14="http://schemas.microsoft.com/office/drawing/2010/main" xmlns="" w="9525">
                 <a:solidFill>
                   <a:srgbClr val="000000"/>
                 </a:solidFill>
@@ -8054,7 +8180,7 @@
           </a:ln>
           <a:extLst>
             <a:ext uri="{91240B29-F687-4f45-9708-019B960494DF}">
-              <a14:hiddenLine xmlns="" xmlns:a14="http://schemas.microsoft.com/office/drawing/2010/main" w="9525">
+              <a14:hiddenLine xmlns:a14="http://schemas.microsoft.com/office/drawing/2010/main" xmlns="" w="9525">
                 <a:solidFill>
                   <a:srgbClr val="000000"/>
                 </a:solidFill>
@@ -8091,7 +8217,15 @@
             <a:pPr algn="just"/>
             <a:r>
               <a:rPr lang="en-US" sz="2800" dirty="0"/>
-              <a:t>We encountered some technical challenges for processing of data. As stated, the dataset contains 1000 tracks in .au format. We had to change each track to .wav format so that the script we wrote can read the file in the right way. Other than that, we first tried to split each song into 10ms frames, but that turned out to be a huge amount of data to process and we did not have enough computing power. Hence, we split each song into 128 frames and used that for our data. Finally, we had to clip some data points in some tracks so that each song or frame would have the same size. </a:t>
+              <a:t>We encountered some technical challenges for processing of data. As stated, the dataset contains 1000 tracks in .au format. We had to change each track to .wav format so that the script we wrote can read the file in the right way. Other than that, we first tried to split each song into </a:t>
+            </a:r>
+            <a:r>
+              <a:rPr lang="en-US" sz="2800" dirty="0" smtClean="0"/>
+              <a:t>smaller samples, so we could have lots of training data, </a:t>
+            </a:r>
+            <a:r>
+              <a:rPr lang="en-US" sz="2800" dirty="0"/>
+              <a:t>but that turned out to be a huge amount of data to process and we did not have enough computing power. Hence, we split each song into 128 frames and used that for our data. Finally, we had to clip some data points in some tracks so that each song or frame would have the same size. </a:t>
             </a:r>
           </a:p>
           <a:p>
@@ -8102,15 +8236,94 @@
             <a:pPr algn="just"/>
             <a:r>
               <a:rPr lang="en-US" sz="2800" dirty="0"/>
-              <a:t>Other than data processing issues, the biggest challenge we had in classifying was figuring out how to assign different genres to different clusters for k-Means clustering. Even though we are still working on that classification for better accuracy, we correlated the mean and covariance of each genre’s data with cluster’s mean and covariance values. Furthermore, another challenge we had was in </a:t>
-            </a:r>
-            <a:r>
-              <a:rPr lang="en-US" sz="2800" dirty="0" err="1"/>
-              <a:t>PyTorch</a:t>
+              <a:t>Other than data processing issues, </a:t>
+            </a:r>
+            <a:r>
+              <a:rPr lang="en-US" sz="2800" dirty="0" smtClean="0"/>
+              <a:t>another challenge </a:t>
             </a:r>
             <a:r>
               <a:rPr lang="en-US" sz="2800" dirty="0"/>
-              <a:t> where we had to figure out how the shapes of each tensor has to be before going onto convolutional network. As noted, we are still playing with our convolutional net to increase accuracy above 90%. </a:t>
+              <a:t>we had </a:t>
+            </a:r>
+            <a:r>
+              <a:rPr lang="en-US" sz="2800" dirty="0" smtClean="0"/>
+              <a:t>was evaluating </a:t>
+            </a:r>
+            <a:r>
+              <a:rPr lang="en-US" sz="2800" dirty="0" smtClean="0"/>
+              <a:t>clustering methods. We found that we could use Fowlkes-Mallows score to give an accuracy.</a:t>
+            </a:r>
+          </a:p>
+          <a:p>
+            <a:pPr algn="just"/>
+            <a:r>
+              <a:rPr lang="en-US" sz="2800" dirty="0" smtClean="0"/>
+              <a:t>Furthermore</a:t>
+            </a:r>
+            <a:r>
+              <a:rPr lang="en-US" sz="2800" dirty="0"/>
+              <a:t>, another challenge </a:t>
+            </a:r>
+            <a:r>
+              <a:rPr lang="en-US" sz="2800" dirty="0" smtClean="0"/>
+              <a:t>we </a:t>
+            </a:r>
+            <a:r>
+              <a:rPr lang="en-US" sz="2800" dirty="0"/>
+              <a:t>had was </a:t>
+            </a:r>
+            <a:r>
+              <a:rPr lang="en-US" sz="2800" dirty="0" smtClean="0"/>
+              <a:t>with creating our convolution neural network.  We found that initially, we did not have enough data for good accuracy, so we altered experimented with various </a:t>
+            </a:r>
+            <a:r>
+              <a:rPr lang="en-US" sz="2800" dirty="0" err="1" smtClean="0"/>
+              <a:t>n_mels</a:t>
+            </a:r>
+            <a:r>
+              <a:rPr lang="en-US" sz="2800" dirty="0" smtClean="0"/>
+              <a:t> values for the </a:t>
+            </a:r>
+            <a:r>
+              <a:rPr lang="en-US" sz="2800" dirty="0" err="1" smtClean="0"/>
+              <a:t>melspectrogram</a:t>
+            </a:r>
+            <a:r>
+              <a:rPr lang="en-US" sz="2800" dirty="0" smtClean="0"/>
+              <a:t>. Also, in constructing our architecture, </a:t>
+            </a:r>
+            <a:r>
+              <a:rPr lang="en-US" sz="2800" dirty="0" smtClean="0"/>
+              <a:t>we </a:t>
+            </a:r>
+            <a:r>
+              <a:rPr lang="en-US" sz="2800" dirty="0"/>
+              <a:t>had to figure out how the shapes of </a:t>
+            </a:r>
+            <a:r>
+              <a:rPr lang="en-US" sz="2800" dirty="0" smtClean="0"/>
+              <a:t>tensors had </a:t>
+            </a:r>
+            <a:r>
+              <a:rPr lang="en-US" sz="2800" dirty="0"/>
+              <a:t>to be </a:t>
+            </a:r>
+            <a:r>
+              <a:rPr lang="en-US" sz="2800" dirty="0" smtClean="0"/>
+              <a:t>in each layer of our convolutional network. </a:t>
+            </a:r>
+            <a:r>
+              <a:rPr lang="en-US" sz="2800" dirty="0"/>
+              <a:t>As noted, we are still </a:t>
+            </a:r>
+            <a:r>
+              <a:rPr lang="en-US" sz="2800" dirty="0" smtClean="0"/>
+              <a:t>playing with </a:t>
+            </a:r>
+            <a:r>
+              <a:rPr lang="en-US" sz="2800" dirty="0"/>
+              <a:t>our convolutional net to increase accuracy above 90%. </a:t>
             </a:r>
           </a:p>
         </p:txBody>
@@ -8139,7 +8352,7 @@
           </a:ln>
           <a:extLst>
             <a:ext uri="{91240B29-F687-4f45-9708-019B960494DF}">
-              <a14:hiddenLine xmlns="" xmlns:a14="http://schemas.microsoft.com/office/drawing/2010/main" w="9525">
+              <a14:hiddenLine xmlns:a14="http://schemas.microsoft.com/office/drawing/2010/main" xmlns="" w="9525">
                 <a:solidFill>
                   <a:srgbClr val="000000"/>
                 </a:solidFill>
@@ -8273,7 +8486,7 @@
           <p:cNvPr id="6" name="Picture 5">
             <a:extLst>
               <a:ext uri="{FF2B5EF4-FFF2-40B4-BE49-F238E27FC236}">
-                <a16:creationId xmlns:a16="http://schemas.microsoft.com/office/drawing/2014/main" id="{FF1009FD-E928-DD4A-AFCB-B2FDEBC325D6}"/>
+                <a16:creationId xmlns:a16="http://schemas.microsoft.com/office/drawing/2014/main" xmlns="" id="{FF1009FD-E928-DD4A-AFCB-B2FDEBC325D6}"/>
               </a:ext>
             </a:extLst>
           </p:cNvPr>
@@ -8303,7 +8516,7 @@
           <p:cNvPr id="22" name="TextBox 21">
             <a:extLst>
               <a:ext uri="{FF2B5EF4-FFF2-40B4-BE49-F238E27FC236}">
-                <a16:creationId xmlns:a16="http://schemas.microsoft.com/office/drawing/2014/main" id="{8059BE91-239C-C944-9904-6A5963AAF874}"/>
+                <a16:creationId xmlns:a16="http://schemas.microsoft.com/office/drawing/2014/main" xmlns="" id="{8059BE91-239C-C944-9904-6A5963AAF874}"/>
               </a:ext>
             </a:extLst>
           </p:cNvPr>
@@ -8338,7 +8551,7 @@
           <p:cNvPr id="8" name="Picture 7">
             <a:extLst>
               <a:ext uri="{FF2B5EF4-FFF2-40B4-BE49-F238E27FC236}">
-                <a16:creationId xmlns:a16="http://schemas.microsoft.com/office/drawing/2014/main" id="{F53EEA8C-CB4B-7846-8FD1-C945C28EC753}"/>
+                <a16:creationId xmlns:a16="http://schemas.microsoft.com/office/drawing/2014/main" xmlns="" id="{F53EEA8C-CB4B-7846-8FD1-C945C28EC753}"/>
               </a:ext>
             </a:extLst>
           </p:cNvPr>
@@ -8368,7 +8581,7 @@
           <p:cNvPr id="25" name="TextBox 24">
             <a:extLst>
               <a:ext uri="{FF2B5EF4-FFF2-40B4-BE49-F238E27FC236}">
-                <a16:creationId xmlns:a16="http://schemas.microsoft.com/office/drawing/2014/main" id="{CEE1A563-FA37-9143-9886-7511BBD88EFF}"/>
+                <a16:creationId xmlns:a16="http://schemas.microsoft.com/office/drawing/2014/main" xmlns="" id="{CEE1A563-FA37-9143-9886-7511BBD88EFF}"/>
               </a:ext>
             </a:extLst>
           </p:cNvPr>
@@ -8403,7 +8616,7 @@
           <p:cNvPr id="10" name="Picture 9">
             <a:extLst>
               <a:ext uri="{FF2B5EF4-FFF2-40B4-BE49-F238E27FC236}">
-                <a16:creationId xmlns:a16="http://schemas.microsoft.com/office/drawing/2014/main" id="{B4621072-E207-4E41-A58F-FEC4F97B2819}"/>
+                <a16:creationId xmlns:a16="http://schemas.microsoft.com/office/drawing/2014/main" xmlns="" id="{B4621072-E207-4E41-A58F-FEC4F97B2819}"/>
               </a:ext>
             </a:extLst>
           </p:cNvPr>
@@ -8433,7 +8646,7 @@
           <p:cNvPr id="28" name="TextBox 27">
             <a:extLst>
               <a:ext uri="{FF2B5EF4-FFF2-40B4-BE49-F238E27FC236}">
-                <a16:creationId xmlns:a16="http://schemas.microsoft.com/office/drawing/2014/main" id="{DFD90288-D91C-864E-AFE3-9B4CDAB7DAC8}"/>
+                <a16:creationId xmlns:a16="http://schemas.microsoft.com/office/drawing/2014/main" xmlns="" id="{DFD90288-D91C-864E-AFE3-9B4CDAB7DAC8}"/>
               </a:ext>
             </a:extLst>
           </p:cNvPr>
@@ -8468,7 +8681,7 @@
           <p:cNvPr id="12" name="Picture 11">
             <a:extLst>
               <a:ext uri="{FF2B5EF4-FFF2-40B4-BE49-F238E27FC236}">
-                <a16:creationId xmlns:a16="http://schemas.microsoft.com/office/drawing/2014/main" id="{37B458A6-CF92-1146-A24B-A209DE5C2A30}"/>
+                <a16:creationId xmlns:a16="http://schemas.microsoft.com/office/drawing/2014/main" xmlns="" id="{37B458A6-CF92-1146-A24B-A209DE5C2A30}"/>
               </a:ext>
             </a:extLst>
           </p:cNvPr>
@@ -8498,7 +8711,7 @@
           <p:cNvPr id="31" name="TextBox 30">
             <a:extLst>
               <a:ext uri="{FF2B5EF4-FFF2-40B4-BE49-F238E27FC236}">
-                <a16:creationId xmlns:a16="http://schemas.microsoft.com/office/drawing/2014/main" id="{1C1BC384-0934-C248-99E0-C3CC457072CB}"/>
+                <a16:creationId xmlns:a16="http://schemas.microsoft.com/office/drawing/2014/main" xmlns="" id="{1C1BC384-0934-C248-99E0-C3CC457072CB}"/>
               </a:ext>
             </a:extLst>
           </p:cNvPr>
@@ -8534,7 +8747,7 @@
           <p:cNvPr id="14" name="Picture 13">
             <a:extLst>
               <a:ext uri="{FF2B5EF4-FFF2-40B4-BE49-F238E27FC236}">
-                <a16:creationId xmlns:a16="http://schemas.microsoft.com/office/drawing/2014/main" id="{D025AAA8-75A6-0C40-AD3C-C4E8D450015B}"/>
+                <a16:creationId xmlns:a16="http://schemas.microsoft.com/office/drawing/2014/main" xmlns="" id="{D025AAA8-75A6-0C40-AD3C-C4E8D450015B}"/>
               </a:ext>
             </a:extLst>
           </p:cNvPr>
@@ -8564,7 +8777,7 @@
           <p:cNvPr id="34" name="TextBox 33">
             <a:extLst>
               <a:ext uri="{FF2B5EF4-FFF2-40B4-BE49-F238E27FC236}">
-                <a16:creationId xmlns:a16="http://schemas.microsoft.com/office/drawing/2014/main" id="{CF82B09D-0455-774B-AEBF-2B6CDD0BA95D}"/>
+                <a16:creationId xmlns:a16="http://schemas.microsoft.com/office/drawing/2014/main" xmlns="" id="{CF82B09D-0455-774B-AEBF-2B6CDD0BA95D}"/>
               </a:ext>
             </a:extLst>
           </p:cNvPr>
@@ -8599,7 +8812,7 @@
           <p:cNvPr id="5" name="Table 4">
             <a:extLst>
               <a:ext uri="{FF2B5EF4-FFF2-40B4-BE49-F238E27FC236}">
-                <a16:creationId xmlns:a16="http://schemas.microsoft.com/office/drawing/2014/main" id="{F6D81889-0CFC-9243-96DE-31F21EE480D1}"/>
+                <a16:creationId xmlns:a16="http://schemas.microsoft.com/office/drawing/2014/main" xmlns="" id="{F6D81889-0CFC-9243-96DE-31F21EE480D1}"/>
               </a:ext>
             </a:extLst>
           </p:cNvPr>
@@ -8628,28 +8841,28 @@
                 <a:gridCol w="2180436">
                   <a:extLst>
                     <a:ext uri="{9D8B030D-6E8A-4147-A177-3AD203B41FA5}">
-                      <a16:colId xmlns:a16="http://schemas.microsoft.com/office/drawing/2014/main" val="1248475809"/>
+                      <a16:colId xmlns:a16="http://schemas.microsoft.com/office/drawing/2014/main" xmlns="" val="1248475809"/>
                     </a:ext>
                   </a:extLst>
                 </a:gridCol>
                 <a:gridCol w="2180436">
                   <a:extLst>
                     <a:ext uri="{9D8B030D-6E8A-4147-A177-3AD203B41FA5}">
-                      <a16:colId xmlns:a16="http://schemas.microsoft.com/office/drawing/2014/main" val="2543370198"/>
+                      <a16:colId xmlns:a16="http://schemas.microsoft.com/office/drawing/2014/main" xmlns="" val="2543370198"/>
                     </a:ext>
                   </a:extLst>
                 </a:gridCol>
                 <a:gridCol w="2180436">
                   <a:extLst>
                     <a:ext uri="{9D8B030D-6E8A-4147-A177-3AD203B41FA5}">
-                      <a16:colId xmlns:a16="http://schemas.microsoft.com/office/drawing/2014/main" val="468071448"/>
+                      <a16:colId xmlns:a16="http://schemas.microsoft.com/office/drawing/2014/main" xmlns="" val="468071448"/>
                     </a:ext>
                   </a:extLst>
                 </a:gridCol>
                 <a:gridCol w="2180436">
                   <a:extLst>
                     <a:ext uri="{9D8B030D-6E8A-4147-A177-3AD203B41FA5}">
-                      <a16:colId xmlns:a16="http://schemas.microsoft.com/office/drawing/2014/main" val="157706253"/>
+                      <a16:colId xmlns:a16="http://schemas.microsoft.com/office/drawing/2014/main" xmlns="" val="157706253"/>
                     </a:ext>
                   </a:extLst>
                 </a:gridCol>
@@ -8811,7 +9024,7 @@
                 </a:tc>
                 <a:extLst>
                   <a:ext uri="{0D108BD9-81ED-4DB2-BD59-A6C34878D82A}">
-                    <a16:rowId xmlns:a16="http://schemas.microsoft.com/office/drawing/2014/main" val="619836131"/>
+                    <a16:rowId xmlns:a16="http://schemas.microsoft.com/office/drawing/2014/main" xmlns="" val="619836131"/>
                   </a:ext>
                 </a:extLst>
               </a:tr>
@@ -8906,7 +9119,7 @@
                 </a:tc>
                 <a:extLst>
                   <a:ext uri="{0D108BD9-81ED-4DB2-BD59-A6C34878D82A}">
-                    <a16:rowId xmlns:a16="http://schemas.microsoft.com/office/drawing/2014/main" val="3620790994"/>
+                    <a16:rowId xmlns:a16="http://schemas.microsoft.com/office/drawing/2014/main" xmlns="" val="3620790994"/>
                   </a:ext>
                 </a:extLst>
               </a:tr>
@@ -9007,7 +9220,7 @@
                 </a:tc>
                 <a:extLst>
                   <a:ext uri="{0D108BD9-81ED-4DB2-BD59-A6C34878D82A}">
-                    <a16:rowId xmlns:a16="http://schemas.microsoft.com/office/drawing/2014/main" val="1275742640"/>
+                    <a16:rowId xmlns:a16="http://schemas.microsoft.com/office/drawing/2014/main" xmlns="" val="1275742640"/>
                   </a:ext>
                 </a:extLst>
               </a:tr>
@@ -9099,7 +9312,7 @@
                 </a:tc>
                 <a:extLst>
                   <a:ext uri="{0D108BD9-81ED-4DB2-BD59-A6C34878D82A}">
-                    <a16:rowId xmlns:a16="http://schemas.microsoft.com/office/drawing/2014/main" val="2876209667"/>
+                    <a16:rowId xmlns:a16="http://schemas.microsoft.com/office/drawing/2014/main" xmlns="" val="2876209667"/>
                   </a:ext>
                 </a:extLst>
               </a:tr>
@@ -9185,7 +9398,7 @@
                 </a:tc>
                 <a:extLst>
                   <a:ext uri="{0D108BD9-81ED-4DB2-BD59-A6C34878D82A}">
-                    <a16:rowId xmlns:a16="http://schemas.microsoft.com/office/drawing/2014/main" val="951482586"/>
+                    <a16:rowId xmlns:a16="http://schemas.microsoft.com/office/drawing/2014/main" xmlns="" val="951482586"/>
                   </a:ext>
                 </a:extLst>
               </a:tr>
@@ -9198,7 +9411,7 @@
           <p:cNvPr id="9" name="Picture 8">
             <a:extLst>
               <a:ext uri="{FF2B5EF4-FFF2-40B4-BE49-F238E27FC236}">
-                <a16:creationId xmlns:a16="http://schemas.microsoft.com/office/drawing/2014/main" id="{34DDC9CF-CDCA-D54E-92E6-79C737FF3CE1}"/>
+                <a16:creationId xmlns:a16="http://schemas.microsoft.com/office/drawing/2014/main" xmlns="" id="{34DDC9CF-CDCA-D54E-92E6-79C737FF3CE1}"/>
               </a:ext>
             </a:extLst>
           </p:cNvPr>
@@ -9228,7 +9441,7 @@
           <p:cNvPr id="13" name="Picture 12">
             <a:extLst>
               <a:ext uri="{FF2B5EF4-FFF2-40B4-BE49-F238E27FC236}">
-                <a16:creationId xmlns:a16="http://schemas.microsoft.com/office/drawing/2014/main" id="{03336A3F-A037-924C-96C4-C2CC53FEAE2F}"/>
+                <a16:creationId xmlns:a16="http://schemas.microsoft.com/office/drawing/2014/main" xmlns="" id="{03336A3F-A037-924C-96C4-C2CC53FEAE2F}"/>
               </a:ext>
             </a:extLst>
           </p:cNvPr>
@@ -9258,7 +9471,7 @@
           <p:cNvPr id="27" name="TextBox 26">
             <a:extLst>
               <a:ext uri="{FF2B5EF4-FFF2-40B4-BE49-F238E27FC236}">
-                <a16:creationId xmlns:a16="http://schemas.microsoft.com/office/drawing/2014/main" id="{20D3FE09-283B-1B47-8EA8-39AEA4C8016C}"/>
+                <a16:creationId xmlns:a16="http://schemas.microsoft.com/office/drawing/2014/main" xmlns="" id="{20D3FE09-283B-1B47-8EA8-39AEA4C8016C}"/>
               </a:ext>
             </a:extLst>
           </p:cNvPr>
@@ -9293,7 +9506,7 @@
           <p:cNvPr id="16" name="Picture 15">
             <a:extLst>
               <a:ext uri="{FF2B5EF4-FFF2-40B4-BE49-F238E27FC236}">
-                <a16:creationId xmlns:a16="http://schemas.microsoft.com/office/drawing/2014/main" id="{817DC823-9A43-9544-B598-17D7D7070441}"/>
+                <a16:creationId xmlns:a16="http://schemas.microsoft.com/office/drawing/2014/main" xmlns="" id="{817DC823-9A43-9544-B598-17D7D7070441}"/>
               </a:ext>
             </a:extLst>
           </p:cNvPr>
@@ -9323,7 +9536,7 @@
           <p:cNvPr id="33" name="TextBox 32">
             <a:extLst>
               <a:ext uri="{FF2B5EF4-FFF2-40B4-BE49-F238E27FC236}">
-                <a16:creationId xmlns:a16="http://schemas.microsoft.com/office/drawing/2014/main" id="{D6DF8C66-D8F7-0641-A17A-691D1DAE342D}"/>
+                <a16:creationId xmlns:a16="http://schemas.microsoft.com/office/drawing/2014/main" xmlns="" id="{D6DF8C66-D8F7-0641-A17A-691D1DAE342D}"/>
               </a:ext>
             </a:extLst>
           </p:cNvPr>
@@ -9358,7 +9571,7 @@
           <p:cNvPr id="30" name="TextBox 29">
             <a:extLst>
               <a:ext uri="{FF2B5EF4-FFF2-40B4-BE49-F238E27FC236}">
-                <a16:creationId xmlns:a16="http://schemas.microsoft.com/office/drawing/2014/main" id="{171ACE28-1336-E147-BB86-7CEFFE3D7055}"/>
+                <a16:creationId xmlns:a16="http://schemas.microsoft.com/office/drawing/2014/main" xmlns="" id="{171ACE28-1336-E147-BB86-7CEFFE3D7055}"/>
               </a:ext>
             </a:extLst>
           </p:cNvPr>
@@ -9393,7 +9606,7 @@
           <p:cNvPr id="18" name="Picture 17">
             <a:extLst>
               <a:ext uri="{FF2B5EF4-FFF2-40B4-BE49-F238E27FC236}">
-                <a16:creationId xmlns:a16="http://schemas.microsoft.com/office/drawing/2014/main" id="{9DF94E06-5713-CC4C-AA43-735E309C638F}"/>
+                <a16:creationId xmlns:a16="http://schemas.microsoft.com/office/drawing/2014/main" xmlns="" id="{9DF94E06-5713-CC4C-AA43-735E309C638F}"/>
               </a:ext>
             </a:extLst>
           </p:cNvPr>
@@ -9423,7 +9636,7 @@
           <p:cNvPr id="36" name="TextBox 35">
             <a:extLst>
               <a:ext uri="{FF2B5EF4-FFF2-40B4-BE49-F238E27FC236}">
-                <a16:creationId xmlns:a16="http://schemas.microsoft.com/office/drawing/2014/main" id="{EAC21A55-1D78-E547-BD06-04187D5F2A9A}"/>
+                <a16:creationId xmlns:a16="http://schemas.microsoft.com/office/drawing/2014/main" xmlns="" id="{EAC21A55-1D78-E547-BD06-04187D5F2A9A}"/>
               </a:ext>
             </a:extLst>
           </p:cNvPr>
@@ -9540,7 +9753,7 @@
           <p:cNvPr id="11" name="Picture 10">
             <a:extLst>
               <a:ext uri="{FF2B5EF4-FFF2-40B4-BE49-F238E27FC236}">
-                <a16:creationId xmlns:a16="http://schemas.microsoft.com/office/drawing/2014/main" id="{55FBE715-F47A-AD41-862F-0F893C9E1842}"/>
+                <a16:creationId xmlns:a16="http://schemas.microsoft.com/office/drawing/2014/main" xmlns="" id="{55FBE715-F47A-AD41-862F-0F893C9E1842}"/>
               </a:ext>
             </a:extLst>
           </p:cNvPr>
@@ -9570,7 +9783,7 @@
           <p:cNvPr id="37" name="TextBox 36">
             <a:extLst>
               <a:ext uri="{FF2B5EF4-FFF2-40B4-BE49-F238E27FC236}">
-                <a16:creationId xmlns:a16="http://schemas.microsoft.com/office/drawing/2014/main" id="{AABA80A5-D933-1C4C-9CAC-BE30D8E0F490}"/>
+                <a16:creationId xmlns:a16="http://schemas.microsoft.com/office/drawing/2014/main" xmlns="" id="{AABA80A5-D933-1C4C-9CAC-BE30D8E0F490}"/>
               </a:ext>
             </a:extLst>
           </p:cNvPr>
@@ -9606,7 +9819,7 @@
           <p:cNvPr id="38" name="TextBox 37">
             <a:extLst>
               <a:ext uri="{FF2B5EF4-FFF2-40B4-BE49-F238E27FC236}">
-                <a16:creationId xmlns:a16="http://schemas.microsoft.com/office/drawing/2014/main" id="{B1222E82-1F02-DD4D-8769-2D6391189489}"/>
+                <a16:creationId xmlns:a16="http://schemas.microsoft.com/office/drawing/2014/main" xmlns="" id="{B1222E82-1F02-DD4D-8769-2D6391189489}"/>
               </a:ext>
             </a:extLst>
           </p:cNvPr>
@@ -9641,6 +9854,13 @@
   <p:clrMapOvr>
     <a:masterClrMapping/>
   </p:clrMapOvr>
+  <p:timing>
+    <p:tnLst>
+      <p:par>
+        <p:cTn id="1" dur="indefinite" restart="never" nodeType="tmRoot"/>
+      </p:par>
+    </p:tnLst>
+  </p:timing>
 </p:sld>
 </file>
 
